--- a/ゲーム説明用プレゼン.pptx
+++ b/ゲーム説明用プレゼン.pptx
@@ -5,14 +5,15 @@
     <p:sldMasterId id="2147483990" r:id="rId1"/>
   </p:sldMasterIdLst>
   <p:notesMasterIdLst>
-    <p:notesMasterId r:id="rId7"/>
+    <p:notesMasterId r:id="rId8"/>
   </p:notesMasterIdLst>
   <p:sldIdLst>
     <p:sldId id="256" r:id="rId2"/>
-    <p:sldId id="257" r:id="rId3"/>
+    <p:sldId id="261" r:id="rId3"/>
     <p:sldId id="259" r:id="rId4"/>
     <p:sldId id="258" r:id="rId5"/>
-    <p:sldId id="260" r:id="rId6"/>
+    <p:sldId id="262" r:id="rId6"/>
+    <p:sldId id="260" r:id="rId7"/>
   </p:sldIdLst>
   <p:sldSz cx="12192000" cy="6858000"/>
   <p:notesSz cx="6858000" cy="9144000"/>
@@ -119,3041 +120,6 @@
 </p:presentation>
 </file>
 
-<file path=ppt/diagrams/colors1.xml><?xml version="1.0" encoding="utf-8"?>
-<dgm:colorsDef xmlns:dgm="http://schemas.openxmlformats.org/drawingml/2006/diagram" xmlns:a="http://schemas.openxmlformats.org/drawingml/2006/main" uniqueId="urn:microsoft.com/office/officeart/2005/8/colors/accent1_2">
-  <dgm:title val=""/>
-  <dgm:desc val=""/>
-  <dgm:catLst>
-    <dgm:cat type="accent1" pri="11200"/>
-  </dgm:catLst>
-  <dgm:styleLbl name="node0">
-    <dgm:fillClrLst meth="repeat">
-      <a:schemeClr val="accent1"/>
-    </dgm:fillClrLst>
-    <dgm:linClrLst meth="repeat">
-      <a:schemeClr val="lt1"/>
-    </dgm:linClrLst>
-    <dgm:effectClrLst/>
-    <dgm:txLinClrLst/>
-    <dgm:txFillClrLst/>
-    <dgm:txEffectClrLst/>
-  </dgm:styleLbl>
-  <dgm:styleLbl name="alignNode1">
-    <dgm:fillClrLst meth="repeat">
-      <a:schemeClr val="accent1"/>
-    </dgm:fillClrLst>
-    <dgm:linClrLst meth="repeat">
-      <a:schemeClr val="accent1"/>
-    </dgm:linClrLst>
-    <dgm:effectClrLst/>
-    <dgm:txLinClrLst/>
-    <dgm:txFillClrLst/>
-    <dgm:txEffectClrLst/>
-  </dgm:styleLbl>
-  <dgm:styleLbl name="node1">
-    <dgm:fillClrLst meth="repeat">
-      <a:schemeClr val="accent1"/>
-    </dgm:fillClrLst>
-    <dgm:linClrLst meth="repeat">
-      <a:schemeClr val="lt1"/>
-    </dgm:linClrLst>
-    <dgm:effectClrLst/>
-    <dgm:txLinClrLst/>
-    <dgm:txFillClrLst/>
-    <dgm:txEffectClrLst/>
-  </dgm:styleLbl>
-  <dgm:styleLbl name="lnNode1">
-    <dgm:fillClrLst meth="repeat">
-      <a:schemeClr val="accent1"/>
-    </dgm:fillClrLst>
-    <dgm:linClrLst meth="repeat">
-      <a:schemeClr val="lt1"/>
-    </dgm:linClrLst>
-    <dgm:effectClrLst/>
-    <dgm:txLinClrLst/>
-    <dgm:txFillClrLst/>
-    <dgm:txEffectClrLst/>
-  </dgm:styleLbl>
-  <dgm:styleLbl name="vennNode1">
-    <dgm:fillClrLst meth="repeat">
-      <a:schemeClr val="accent1">
-        <a:alpha val="50000"/>
-      </a:schemeClr>
-    </dgm:fillClrLst>
-    <dgm:linClrLst meth="repeat">
-      <a:schemeClr val="lt1"/>
-    </dgm:linClrLst>
-    <dgm:effectClrLst/>
-    <dgm:txLinClrLst/>
-    <dgm:txFillClrLst/>
-    <dgm:txEffectClrLst/>
-  </dgm:styleLbl>
-  <dgm:styleLbl name="node2">
-    <dgm:fillClrLst meth="repeat">
-      <a:schemeClr val="accent1"/>
-    </dgm:fillClrLst>
-    <dgm:linClrLst meth="repeat">
-      <a:schemeClr val="lt1"/>
-    </dgm:linClrLst>
-    <dgm:effectClrLst/>
-    <dgm:txLinClrLst/>
-    <dgm:txFillClrLst/>
-    <dgm:txEffectClrLst/>
-  </dgm:styleLbl>
-  <dgm:styleLbl name="node3">
-    <dgm:fillClrLst meth="repeat">
-      <a:schemeClr val="accent1"/>
-    </dgm:fillClrLst>
-    <dgm:linClrLst meth="repeat">
-      <a:schemeClr val="lt1"/>
-    </dgm:linClrLst>
-    <dgm:effectClrLst/>
-    <dgm:txLinClrLst/>
-    <dgm:txFillClrLst/>
-    <dgm:txEffectClrLst/>
-  </dgm:styleLbl>
-  <dgm:styleLbl name="node4">
-    <dgm:fillClrLst meth="repeat">
-      <a:schemeClr val="accent1"/>
-    </dgm:fillClrLst>
-    <dgm:linClrLst meth="repeat">
-      <a:schemeClr val="lt1"/>
-    </dgm:linClrLst>
-    <dgm:effectClrLst/>
-    <dgm:txLinClrLst/>
-    <dgm:txFillClrLst/>
-    <dgm:txEffectClrLst/>
-  </dgm:styleLbl>
-  <dgm:styleLbl name="fgImgPlace1">
-    <dgm:fillClrLst meth="repeat">
-      <a:schemeClr val="accent1">
-        <a:tint val="50000"/>
-      </a:schemeClr>
-    </dgm:fillClrLst>
-    <dgm:linClrLst meth="repeat">
-      <a:schemeClr val="lt1"/>
-    </dgm:linClrLst>
-    <dgm:effectClrLst/>
-    <dgm:txLinClrLst/>
-    <dgm:txFillClrLst meth="repeat">
-      <a:schemeClr val="lt1"/>
-    </dgm:txFillClrLst>
-    <dgm:txEffectClrLst/>
-  </dgm:styleLbl>
-  <dgm:styleLbl name="alignImgPlace1">
-    <dgm:fillClrLst meth="repeat">
-      <a:schemeClr val="accent1">
-        <a:tint val="50000"/>
-      </a:schemeClr>
-    </dgm:fillClrLst>
-    <dgm:linClrLst meth="repeat">
-      <a:schemeClr val="lt1"/>
-    </dgm:linClrLst>
-    <dgm:effectClrLst/>
-    <dgm:txLinClrLst/>
-    <dgm:txFillClrLst meth="repeat">
-      <a:schemeClr val="lt1"/>
-    </dgm:txFillClrLst>
-    <dgm:txEffectClrLst/>
-  </dgm:styleLbl>
-  <dgm:styleLbl name="bgImgPlace1">
-    <dgm:fillClrLst meth="repeat">
-      <a:schemeClr val="accent1">
-        <a:tint val="50000"/>
-      </a:schemeClr>
-    </dgm:fillClrLst>
-    <dgm:linClrLst meth="repeat">
-      <a:schemeClr val="lt1"/>
-    </dgm:linClrLst>
-    <dgm:effectClrLst/>
-    <dgm:txLinClrLst/>
-    <dgm:txFillClrLst meth="repeat">
-      <a:schemeClr val="lt1"/>
-    </dgm:txFillClrLst>
-    <dgm:txEffectClrLst/>
-  </dgm:styleLbl>
-  <dgm:styleLbl name="sibTrans2D1">
-    <dgm:fillClrLst meth="repeat">
-      <a:schemeClr val="accent1">
-        <a:tint val="60000"/>
-      </a:schemeClr>
-    </dgm:fillClrLst>
-    <dgm:linClrLst meth="repeat">
-      <a:schemeClr val="accent1">
-        <a:tint val="60000"/>
-      </a:schemeClr>
-    </dgm:linClrLst>
-    <dgm:effectClrLst/>
-    <dgm:txLinClrLst/>
-    <dgm:txFillClrLst/>
-    <dgm:txEffectClrLst/>
-  </dgm:styleLbl>
-  <dgm:styleLbl name="fgSibTrans2D1">
-    <dgm:fillClrLst meth="repeat">
-      <a:schemeClr val="accent1">
-        <a:tint val="60000"/>
-      </a:schemeClr>
-    </dgm:fillClrLst>
-    <dgm:linClrLst meth="repeat">
-      <a:schemeClr val="accent1">
-        <a:tint val="60000"/>
-      </a:schemeClr>
-    </dgm:linClrLst>
-    <dgm:effectClrLst/>
-    <dgm:txLinClrLst/>
-    <dgm:txFillClrLst/>
-    <dgm:txEffectClrLst/>
-  </dgm:styleLbl>
-  <dgm:styleLbl name="bgSibTrans2D1">
-    <dgm:fillClrLst meth="repeat">
-      <a:schemeClr val="accent1">
-        <a:tint val="60000"/>
-      </a:schemeClr>
-    </dgm:fillClrLst>
-    <dgm:linClrLst meth="repeat">
-      <a:schemeClr val="accent1">
-        <a:tint val="60000"/>
-      </a:schemeClr>
-    </dgm:linClrLst>
-    <dgm:effectClrLst/>
-    <dgm:txLinClrLst/>
-    <dgm:txFillClrLst/>
-    <dgm:txEffectClrLst/>
-  </dgm:styleLbl>
-  <dgm:styleLbl name="sibTrans1D1">
-    <dgm:fillClrLst meth="repeat">
-      <a:schemeClr val="accent1"/>
-    </dgm:fillClrLst>
-    <dgm:linClrLst meth="repeat">
-      <a:schemeClr val="accent1"/>
-    </dgm:linClrLst>
-    <dgm:effectClrLst/>
-    <dgm:txLinClrLst/>
-    <dgm:txFillClrLst meth="repeat">
-      <a:schemeClr val="tx1"/>
-    </dgm:txFillClrLst>
-    <dgm:txEffectClrLst/>
-  </dgm:styleLbl>
-  <dgm:styleLbl name="callout">
-    <dgm:fillClrLst meth="repeat">
-      <a:schemeClr val="accent1"/>
-    </dgm:fillClrLst>
-    <dgm:linClrLst meth="repeat">
-      <a:schemeClr val="accent1">
-        <a:tint val="50000"/>
-      </a:schemeClr>
-    </dgm:linClrLst>
-    <dgm:effectClrLst/>
-    <dgm:txLinClrLst/>
-    <dgm:txFillClrLst meth="repeat">
-      <a:schemeClr val="tx1"/>
-    </dgm:txFillClrLst>
-    <dgm:txEffectClrLst/>
-  </dgm:styleLbl>
-  <dgm:styleLbl name="asst0">
-    <dgm:fillClrLst meth="repeat">
-      <a:schemeClr val="accent1"/>
-    </dgm:fillClrLst>
-    <dgm:linClrLst meth="repeat">
-      <a:schemeClr val="lt1"/>
-    </dgm:linClrLst>
-    <dgm:effectClrLst/>
-    <dgm:txLinClrLst/>
-    <dgm:txFillClrLst/>
-    <dgm:txEffectClrLst/>
-  </dgm:styleLbl>
-  <dgm:styleLbl name="asst1">
-    <dgm:fillClrLst meth="repeat">
-      <a:schemeClr val="accent1"/>
-    </dgm:fillClrLst>
-    <dgm:linClrLst meth="repeat">
-      <a:schemeClr val="lt1"/>
-    </dgm:linClrLst>
-    <dgm:effectClrLst/>
-    <dgm:txLinClrLst/>
-    <dgm:txFillClrLst/>
-    <dgm:txEffectClrLst/>
-  </dgm:styleLbl>
-  <dgm:styleLbl name="asst2">
-    <dgm:fillClrLst meth="repeat">
-      <a:schemeClr val="accent1"/>
-    </dgm:fillClrLst>
-    <dgm:linClrLst meth="repeat">
-      <a:schemeClr val="lt1"/>
-    </dgm:linClrLst>
-    <dgm:effectClrLst/>
-    <dgm:txLinClrLst/>
-    <dgm:txFillClrLst/>
-    <dgm:txEffectClrLst/>
-  </dgm:styleLbl>
-  <dgm:styleLbl name="asst3">
-    <dgm:fillClrLst meth="repeat">
-      <a:schemeClr val="accent1"/>
-    </dgm:fillClrLst>
-    <dgm:linClrLst meth="repeat">
-      <a:schemeClr val="lt1"/>
-    </dgm:linClrLst>
-    <dgm:effectClrLst/>
-    <dgm:txLinClrLst/>
-    <dgm:txFillClrLst/>
-    <dgm:txEffectClrLst/>
-  </dgm:styleLbl>
-  <dgm:styleLbl name="asst4">
-    <dgm:fillClrLst meth="repeat">
-      <a:schemeClr val="accent1"/>
-    </dgm:fillClrLst>
-    <dgm:linClrLst meth="repeat">
-      <a:schemeClr val="lt1"/>
-    </dgm:linClrLst>
-    <dgm:effectClrLst/>
-    <dgm:txLinClrLst/>
-    <dgm:txFillClrLst/>
-    <dgm:txEffectClrLst/>
-  </dgm:styleLbl>
-  <dgm:styleLbl name="parChTrans2D1">
-    <dgm:fillClrLst meth="repeat">
-      <a:schemeClr val="accent1">
-        <a:tint val="60000"/>
-      </a:schemeClr>
-    </dgm:fillClrLst>
-    <dgm:linClrLst meth="repeat">
-      <a:schemeClr val="accent1">
-        <a:tint val="60000"/>
-      </a:schemeClr>
-    </dgm:linClrLst>
-    <dgm:effectClrLst/>
-    <dgm:txLinClrLst/>
-    <dgm:txFillClrLst meth="repeat">
-      <a:schemeClr val="lt1"/>
-    </dgm:txFillClrLst>
-    <dgm:txEffectClrLst/>
-  </dgm:styleLbl>
-  <dgm:styleLbl name="parChTrans2D2">
-    <dgm:fillClrLst meth="repeat">
-      <a:schemeClr val="accent1"/>
-    </dgm:fillClrLst>
-    <dgm:linClrLst meth="repeat">
-      <a:schemeClr val="accent1"/>
-    </dgm:linClrLst>
-    <dgm:effectClrLst/>
-    <dgm:txLinClrLst/>
-    <dgm:txFillClrLst meth="repeat">
-      <a:schemeClr val="lt1"/>
-    </dgm:txFillClrLst>
-    <dgm:txEffectClrLst/>
-  </dgm:styleLbl>
-  <dgm:styleLbl name="parChTrans2D3">
-    <dgm:fillClrLst meth="repeat">
-      <a:schemeClr val="accent1"/>
-    </dgm:fillClrLst>
-    <dgm:linClrLst meth="repeat">
-      <a:schemeClr val="accent1"/>
-    </dgm:linClrLst>
-    <dgm:effectClrLst/>
-    <dgm:txLinClrLst/>
-    <dgm:txFillClrLst meth="repeat">
-      <a:schemeClr val="lt1"/>
-    </dgm:txFillClrLst>
-    <dgm:txEffectClrLst/>
-  </dgm:styleLbl>
-  <dgm:styleLbl name="parChTrans2D4">
-    <dgm:fillClrLst meth="repeat">
-      <a:schemeClr val="accent1"/>
-    </dgm:fillClrLst>
-    <dgm:linClrLst meth="repeat">
-      <a:schemeClr val="accent1"/>
-    </dgm:linClrLst>
-    <dgm:effectClrLst/>
-    <dgm:txLinClrLst/>
-    <dgm:txFillClrLst meth="repeat">
-      <a:schemeClr val="lt1"/>
-    </dgm:txFillClrLst>
-    <dgm:txEffectClrLst/>
-  </dgm:styleLbl>
-  <dgm:styleLbl name="parChTrans1D1">
-    <dgm:fillClrLst meth="repeat">
-      <a:schemeClr val="accent1"/>
-    </dgm:fillClrLst>
-    <dgm:linClrLst meth="repeat">
-      <a:schemeClr val="accent1">
-        <a:shade val="60000"/>
-      </a:schemeClr>
-    </dgm:linClrLst>
-    <dgm:effectClrLst/>
-    <dgm:txLinClrLst/>
-    <dgm:txFillClrLst meth="repeat">
-      <a:schemeClr val="tx1"/>
-    </dgm:txFillClrLst>
-    <dgm:txEffectClrLst/>
-  </dgm:styleLbl>
-  <dgm:styleLbl name="parChTrans1D2">
-    <dgm:fillClrLst meth="repeat">
-      <a:schemeClr val="accent1"/>
-    </dgm:fillClrLst>
-    <dgm:linClrLst meth="repeat">
-      <a:schemeClr val="accent1">
-        <a:shade val="60000"/>
-      </a:schemeClr>
-    </dgm:linClrLst>
-    <dgm:effectClrLst/>
-    <dgm:txLinClrLst/>
-    <dgm:txFillClrLst meth="repeat">
-      <a:schemeClr val="tx1"/>
-    </dgm:txFillClrLst>
-    <dgm:txEffectClrLst/>
-  </dgm:styleLbl>
-  <dgm:styleLbl name="parChTrans1D3">
-    <dgm:fillClrLst meth="repeat">
-      <a:schemeClr val="accent1"/>
-    </dgm:fillClrLst>
-    <dgm:linClrLst meth="repeat">
-      <a:schemeClr val="accent1">
-        <a:shade val="80000"/>
-      </a:schemeClr>
-    </dgm:linClrLst>
-    <dgm:effectClrLst/>
-    <dgm:txLinClrLst/>
-    <dgm:txFillClrLst meth="repeat">
-      <a:schemeClr val="tx1"/>
-    </dgm:txFillClrLst>
-    <dgm:txEffectClrLst/>
-  </dgm:styleLbl>
-  <dgm:styleLbl name="parChTrans1D4">
-    <dgm:fillClrLst meth="repeat">
-      <a:schemeClr val="accent1"/>
-    </dgm:fillClrLst>
-    <dgm:linClrLst meth="repeat">
-      <a:schemeClr val="accent1">
-        <a:shade val="80000"/>
-      </a:schemeClr>
-    </dgm:linClrLst>
-    <dgm:effectClrLst/>
-    <dgm:txLinClrLst/>
-    <dgm:txFillClrLst meth="repeat">
-      <a:schemeClr val="tx1"/>
-    </dgm:txFillClrLst>
-    <dgm:txEffectClrLst/>
-  </dgm:styleLbl>
-  <dgm:styleLbl name="fgAcc1">
-    <dgm:fillClrLst meth="repeat">
-      <a:schemeClr val="lt1">
-        <a:alpha val="90000"/>
-      </a:schemeClr>
-    </dgm:fillClrLst>
-    <dgm:linClrLst meth="repeat">
-      <a:schemeClr val="accent1"/>
-    </dgm:linClrLst>
-    <dgm:effectClrLst/>
-    <dgm:txLinClrLst/>
-    <dgm:txFillClrLst meth="repeat">
-      <a:schemeClr val="dk1"/>
-    </dgm:txFillClrLst>
-    <dgm:txEffectClrLst/>
-  </dgm:styleLbl>
-  <dgm:styleLbl name="conFgAcc1">
-    <dgm:fillClrLst meth="repeat">
-      <a:schemeClr val="lt1">
-        <a:alpha val="90000"/>
-      </a:schemeClr>
-    </dgm:fillClrLst>
-    <dgm:linClrLst meth="repeat">
-      <a:schemeClr val="accent1"/>
-    </dgm:linClrLst>
-    <dgm:effectClrLst/>
-    <dgm:txLinClrLst/>
-    <dgm:txFillClrLst meth="repeat">
-      <a:schemeClr val="dk1"/>
-    </dgm:txFillClrLst>
-    <dgm:txEffectClrLst/>
-  </dgm:styleLbl>
-  <dgm:styleLbl name="alignAcc1">
-    <dgm:fillClrLst meth="repeat">
-      <a:schemeClr val="lt1">
-        <a:alpha val="90000"/>
-      </a:schemeClr>
-    </dgm:fillClrLst>
-    <dgm:linClrLst meth="repeat">
-      <a:schemeClr val="accent1"/>
-    </dgm:linClrLst>
-    <dgm:effectClrLst/>
-    <dgm:txLinClrLst/>
-    <dgm:txFillClrLst meth="repeat">
-      <a:schemeClr val="dk1"/>
-    </dgm:txFillClrLst>
-    <dgm:txEffectClrLst/>
-  </dgm:styleLbl>
-  <dgm:styleLbl name="trAlignAcc1">
-    <dgm:fillClrLst meth="repeat">
-      <a:schemeClr val="lt1">
-        <a:alpha val="40000"/>
-      </a:schemeClr>
-    </dgm:fillClrLst>
-    <dgm:linClrLst meth="repeat">
-      <a:schemeClr val="accent1"/>
-    </dgm:linClrLst>
-    <dgm:effectClrLst/>
-    <dgm:txLinClrLst/>
-    <dgm:txFillClrLst meth="repeat">
-      <a:schemeClr val="dk1"/>
-    </dgm:txFillClrLst>
-    <dgm:txEffectClrLst/>
-  </dgm:styleLbl>
-  <dgm:styleLbl name="bgAcc1">
-    <dgm:fillClrLst meth="repeat">
-      <a:schemeClr val="lt1">
-        <a:alpha val="90000"/>
-      </a:schemeClr>
-    </dgm:fillClrLst>
-    <dgm:linClrLst meth="repeat">
-      <a:schemeClr val="accent1"/>
-    </dgm:linClrLst>
-    <dgm:effectClrLst/>
-    <dgm:txLinClrLst/>
-    <dgm:txFillClrLst meth="repeat">
-      <a:schemeClr val="dk1"/>
-    </dgm:txFillClrLst>
-    <dgm:txEffectClrLst/>
-  </dgm:styleLbl>
-  <dgm:styleLbl name="solidFgAcc1">
-    <dgm:fillClrLst meth="repeat">
-      <a:schemeClr val="lt1"/>
-    </dgm:fillClrLst>
-    <dgm:linClrLst meth="repeat">
-      <a:schemeClr val="accent1"/>
-    </dgm:linClrLst>
-    <dgm:effectClrLst/>
-    <dgm:txLinClrLst/>
-    <dgm:txFillClrLst meth="repeat">
-      <a:schemeClr val="dk1"/>
-    </dgm:txFillClrLst>
-    <dgm:txEffectClrLst/>
-  </dgm:styleLbl>
-  <dgm:styleLbl name="solidAlignAcc1">
-    <dgm:fillClrLst meth="repeat">
-      <a:schemeClr val="lt1"/>
-    </dgm:fillClrLst>
-    <dgm:linClrLst meth="repeat">
-      <a:schemeClr val="accent1"/>
-    </dgm:linClrLst>
-    <dgm:effectClrLst/>
-    <dgm:txLinClrLst/>
-    <dgm:txFillClrLst meth="repeat">
-      <a:schemeClr val="dk1"/>
-    </dgm:txFillClrLst>
-    <dgm:txEffectClrLst/>
-  </dgm:styleLbl>
-  <dgm:styleLbl name="solidBgAcc1">
-    <dgm:fillClrLst meth="repeat">
-      <a:schemeClr val="lt1"/>
-    </dgm:fillClrLst>
-    <dgm:linClrLst meth="repeat">
-      <a:schemeClr val="accent1"/>
-    </dgm:linClrLst>
-    <dgm:effectClrLst/>
-    <dgm:txLinClrLst/>
-    <dgm:txFillClrLst meth="repeat">
-      <a:schemeClr val="dk1"/>
-    </dgm:txFillClrLst>
-    <dgm:txEffectClrLst/>
-  </dgm:styleLbl>
-  <dgm:styleLbl name="fgAccFollowNode1">
-    <dgm:fillClrLst meth="repeat">
-      <a:schemeClr val="accent1">
-        <a:alpha val="90000"/>
-        <a:tint val="40000"/>
-      </a:schemeClr>
-    </dgm:fillClrLst>
-    <dgm:linClrLst meth="repeat">
-      <a:schemeClr val="accent1">
-        <a:alpha val="90000"/>
-        <a:tint val="40000"/>
-      </a:schemeClr>
-    </dgm:linClrLst>
-    <dgm:effectClrLst/>
-    <dgm:txLinClrLst/>
-    <dgm:txFillClrLst meth="repeat">
-      <a:schemeClr val="dk1"/>
-    </dgm:txFillClrLst>
-    <dgm:txEffectClrLst/>
-  </dgm:styleLbl>
-  <dgm:styleLbl name="alignAccFollowNode1">
-    <dgm:fillClrLst meth="repeat">
-      <a:schemeClr val="accent1">
-        <a:alpha val="90000"/>
-        <a:tint val="40000"/>
-      </a:schemeClr>
-    </dgm:fillClrLst>
-    <dgm:linClrLst meth="repeat">
-      <a:schemeClr val="accent1">
-        <a:alpha val="90000"/>
-        <a:tint val="40000"/>
-      </a:schemeClr>
-    </dgm:linClrLst>
-    <dgm:effectClrLst/>
-    <dgm:txLinClrLst/>
-    <dgm:txFillClrLst meth="repeat">
-      <a:schemeClr val="dk1"/>
-    </dgm:txFillClrLst>
-    <dgm:txEffectClrLst/>
-  </dgm:styleLbl>
-  <dgm:styleLbl name="bgAccFollowNode1">
-    <dgm:fillClrLst meth="repeat">
-      <a:schemeClr val="accent1">
-        <a:alpha val="90000"/>
-        <a:tint val="40000"/>
-      </a:schemeClr>
-    </dgm:fillClrLst>
-    <dgm:linClrLst meth="repeat">
-      <a:schemeClr val="accent1">
-        <a:alpha val="90000"/>
-        <a:tint val="40000"/>
-      </a:schemeClr>
-    </dgm:linClrLst>
-    <dgm:effectClrLst/>
-    <dgm:txLinClrLst/>
-    <dgm:txFillClrLst meth="repeat">
-      <a:schemeClr val="dk1"/>
-    </dgm:txFillClrLst>
-    <dgm:txEffectClrLst/>
-  </dgm:styleLbl>
-  <dgm:styleLbl name="fgAcc0">
-    <dgm:fillClrLst meth="repeat">
-      <a:schemeClr val="lt1">
-        <a:alpha val="90000"/>
-      </a:schemeClr>
-    </dgm:fillClrLst>
-    <dgm:linClrLst meth="repeat">
-      <a:schemeClr val="accent1"/>
-    </dgm:linClrLst>
-    <dgm:effectClrLst/>
-    <dgm:txLinClrLst/>
-    <dgm:txFillClrLst meth="repeat">
-      <a:schemeClr val="dk1"/>
-    </dgm:txFillClrLst>
-    <dgm:txEffectClrLst/>
-  </dgm:styleLbl>
-  <dgm:styleLbl name="fgAcc2">
-    <dgm:fillClrLst meth="repeat">
-      <a:schemeClr val="lt1">
-        <a:alpha val="90000"/>
-      </a:schemeClr>
-    </dgm:fillClrLst>
-    <dgm:linClrLst meth="repeat">
-      <a:schemeClr val="accent1"/>
-    </dgm:linClrLst>
-    <dgm:effectClrLst/>
-    <dgm:txLinClrLst/>
-    <dgm:txFillClrLst meth="repeat">
-      <a:schemeClr val="dk1"/>
-    </dgm:txFillClrLst>
-    <dgm:txEffectClrLst/>
-  </dgm:styleLbl>
-  <dgm:styleLbl name="fgAcc3">
-    <dgm:fillClrLst meth="repeat">
-      <a:schemeClr val="lt1">
-        <a:alpha val="90000"/>
-      </a:schemeClr>
-    </dgm:fillClrLst>
-    <dgm:linClrLst meth="repeat">
-      <a:schemeClr val="accent1"/>
-    </dgm:linClrLst>
-    <dgm:effectClrLst/>
-    <dgm:txLinClrLst/>
-    <dgm:txFillClrLst meth="repeat">
-      <a:schemeClr val="dk1"/>
-    </dgm:txFillClrLst>
-    <dgm:txEffectClrLst/>
-  </dgm:styleLbl>
-  <dgm:styleLbl name="fgAcc4">
-    <dgm:fillClrLst meth="repeat">
-      <a:schemeClr val="lt1">
-        <a:alpha val="90000"/>
-      </a:schemeClr>
-    </dgm:fillClrLst>
-    <dgm:linClrLst meth="repeat">
-      <a:schemeClr val="accent1"/>
-    </dgm:linClrLst>
-    <dgm:effectClrLst/>
-    <dgm:txLinClrLst/>
-    <dgm:txFillClrLst meth="repeat">
-      <a:schemeClr val="dk1"/>
-    </dgm:txFillClrLst>
-    <dgm:txEffectClrLst/>
-  </dgm:styleLbl>
-  <dgm:styleLbl name="bgShp">
-    <dgm:fillClrLst meth="repeat">
-      <a:schemeClr val="accent1">
-        <a:tint val="40000"/>
-      </a:schemeClr>
-    </dgm:fillClrLst>
-    <dgm:linClrLst meth="repeat">
-      <a:schemeClr val="accent1"/>
-    </dgm:linClrLst>
-    <dgm:effectClrLst/>
-    <dgm:txLinClrLst/>
-    <dgm:txFillClrLst meth="repeat">
-      <a:schemeClr val="dk1"/>
-    </dgm:txFillClrLst>
-    <dgm:txEffectClrLst/>
-  </dgm:styleLbl>
-  <dgm:styleLbl name="dkBgShp">
-    <dgm:fillClrLst meth="repeat">
-      <a:schemeClr val="accent1">
-        <a:shade val="80000"/>
-      </a:schemeClr>
-    </dgm:fillClrLst>
-    <dgm:linClrLst meth="repeat">
-      <a:schemeClr val="accent1"/>
-    </dgm:linClrLst>
-    <dgm:effectClrLst/>
-    <dgm:txLinClrLst/>
-    <dgm:txFillClrLst meth="repeat">
-      <a:schemeClr val="lt1"/>
-    </dgm:txFillClrLst>
-    <dgm:txEffectClrLst/>
-  </dgm:styleLbl>
-  <dgm:styleLbl name="trBgShp">
-    <dgm:fillClrLst meth="repeat">
-      <a:schemeClr val="accent1">
-        <a:tint val="50000"/>
-        <a:alpha val="40000"/>
-      </a:schemeClr>
-    </dgm:fillClrLst>
-    <dgm:linClrLst meth="repeat">
-      <a:schemeClr val="accent1"/>
-    </dgm:linClrLst>
-    <dgm:effectClrLst/>
-    <dgm:txLinClrLst/>
-    <dgm:txFillClrLst meth="repeat">
-      <a:schemeClr val="lt1"/>
-    </dgm:txFillClrLst>
-    <dgm:txEffectClrLst/>
-  </dgm:styleLbl>
-  <dgm:styleLbl name="fgShp">
-    <dgm:fillClrLst meth="repeat">
-      <a:schemeClr val="accent1">
-        <a:tint val="60000"/>
-      </a:schemeClr>
-    </dgm:fillClrLst>
-    <dgm:linClrLst meth="repeat">
-      <a:schemeClr val="lt1"/>
-    </dgm:linClrLst>
-    <dgm:effectClrLst/>
-    <dgm:txLinClrLst/>
-    <dgm:txFillClrLst meth="repeat">
-      <a:schemeClr val="dk1"/>
-    </dgm:txFillClrLst>
-    <dgm:txEffectClrLst/>
-  </dgm:styleLbl>
-  <dgm:styleLbl name="revTx">
-    <dgm:fillClrLst meth="repeat">
-      <a:schemeClr val="lt1">
-        <a:alpha val="0"/>
-      </a:schemeClr>
-    </dgm:fillClrLst>
-    <dgm:linClrLst meth="repeat">
-      <a:schemeClr val="dk1">
-        <a:alpha val="0"/>
-      </a:schemeClr>
-    </dgm:linClrLst>
-    <dgm:effectClrLst/>
-    <dgm:txLinClrLst/>
-    <dgm:txFillClrLst meth="repeat">
-      <a:schemeClr val="tx1"/>
-    </dgm:txFillClrLst>
-    <dgm:txEffectClrLst/>
-  </dgm:styleLbl>
-</dgm:colorsDef>
-</file>
-
-<file path=ppt/diagrams/data1.xml><?xml version="1.0" encoding="utf-8"?>
-<dgm:dataModel xmlns:dgm="http://schemas.openxmlformats.org/drawingml/2006/diagram" xmlns:a="http://schemas.openxmlformats.org/drawingml/2006/main">
-  <dgm:ptLst>
-    <dgm:pt modelId="{7EBF7676-0DAB-4F09-91A7-7309742F78C1}" type="doc">
-      <dgm:prSet loTypeId="urn:microsoft.com/office/officeart/2005/8/layout/chevron2" loCatId="process" qsTypeId="urn:microsoft.com/office/officeart/2005/8/quickstyle/simple5" qsCatId="simple" csTypeId="urn:microsoft.com/office/officeart/2005/8/colors/accent1_2" csCatId="accent1" phldr="1"/>
-      <dgm:spPr/>
-      <dgm:t>
-        <a:bodyPr/>
-        <a:lstStyle/>
-        <a:p>
-          <a:endParaRPr kumimoji="1" lang="ja-JP" altLang="en-US"/>
-        </a:p>
-      </dgm:t>
-    </dgm:pt>
-    <dgm:pt modelId="{4DBE9D83-F520-46B6-9032-9C1734003EE6}">
-      <dgm:prSet/>
-      <dgm:spPr/>
-      <dgm:t>
-        <a:bodyPr/>
-        <a:lstStyle/>
-        <a:p>
-          <a:pPr rtl="0"/>
-          <a:endParaRPr lang="ja-JP" dirty="0"/>
-        </a:p>
-      </dgm:t>
-    </dgm:pt>
-    <dgm:pt modelId="{9EC0E674-DE2B-4B3A-A7EB-CA316353F512}" type="parTrans" cxnId="{CD583BC6-F051-4AFC-9C68-F2127B649BD2}">
-      <dgm:prSet/>
-      <dgm:spPr/>
-      <dgm:t>
-        <a:bodyPr/>
-        <a:lstStyle/>
-        <a:p>
-          <a:endParaRPr kumimoji="1" lang="ja-JP" altLang="en-US"/>
-        </a:p>
-      </dgm:t>
-    </dgm:pt>
-    <dgm:pt modelId="{793D7C68-BAA4-4495-8EF0-B09E925B1797}" type="sibTrans" cxnId="{CD583BC6-F051-4AFC-9C68-F2127B649BD2}">
-      <dgm:prSet/>
-      <dgm:spPr/>
-      <dgm:t>
-        <a:bodyPr/>
-        <a:lstStyle/>
-        <a:p>
-          <a:endParaRPr kumimoji="1" lang="ja-JP" altLang="en-US"/>
-        </a:p>
-      </dgm:t>
-    </dgm:pt>
-    <dgm:pt modelId="{F174D827-B32C-4B7A-BB53-F3435C7547B2}">
-      <dgm:prSet/>
-      <dgm:spPr/>
-      <dgm:t>
-        <a:bodyPr/>
-        <a:lstStyle/>
-        <a:p>
-          <a:pPr rtl="0"/>
-          <a:endParaRPr lang="ja-JP" dirty="0"/>
-        </a:p>
-      </dgm:t>
-    </dgm:pt>
-    <dgm:pt modelId="{0EA77D6D-6090-4F24-B78B-7EFC0C0A080A}" type="parTrans" cxnId="{6A66C236-9A8B-4FAB-A1FB-EC33F1DD96CD}">
-      <dgm:prSet/>
-      <dgm:spPr/>
-      <dgm:t>
-        <a:bodyPr/>
-        <a:lstStyle/>
-        <a:p>
-          <a:endParaRPr kumimoji="1" lang="ja-JP" altLang="en-US"/>
-        </a:p>
-      </dgm:t>
-    </dgm:pt>
-    <dgm:pt modelId="{532DA147-2E6B-496D-AA85-CA2BD1977CE7}" type="sibTrans" cxnId="{6A66C236-9A8B-4FAB-A1FB-EC33F1DD96CD}">
-      <dgm:prSet/>
-      <dgm:spPr/>
-      <dgm:t>
-        <a:bodyPr/>
-        <a:lstStyle/>
-        <a:p>
-          <a:endParaRPr kumimoji="1" lang="ja-JP" altLang="en-US"/>
-        </a:p>
-      </dgm:t>
-    </dgm:pt>
-    <dgm:pt modelId="{5832F9CB-DFD8-4E20-96D6-EF45F11E57A7}">
-      <dgm:prSet/>
-      <dgm:spPr/>
-      <dgm:t>
-        <a:bodyPr/>
-        <a:lstStyle/>
-        <a:p>
-          <a:pPr rtl="0"/>
-          <a:endParaRPr lang="ja-JP" dirty="0"/>
-        </a:p>
-      </dgm:t>
-    </dgm:pt>
-    <dgm:pt modelId="{9130A300-E38D-4895-B77B-AEA69392970C}" type="parTrans" cxnId="{8A01E95C-2711-4289-919B-7EA56A0D8C6D}">
-      <dgm:prSet/>
-      <dgm:spPr/>
-      <dgm:t>
-        <a:bodyPr/>
-        <a:lstStyle/>
-        <a:p>
-          <a:endParaRPr kumimoji="1" lang="ja-JP" altLang="en-US"/>
-        </a:p>
-      </dgm:t>
-    </dgm:pt>
-    <dgm:pt modelId="{908B8C5C-DB90-488D-BEBF-47EB7AA5F72A}" type="sibTrans" cxnId="{8A01E95C-2711-4289-919B-7EA56A0D8C6D}">
-      <dgm:prSet/>
-      <dgm:spPr/>
-      <dgm:t>
-        <a:bodyPr/>
-        <a:lstStyle/>
-        <a:p>
-          <a:endParaRPr kumimoji="1" lang="ja-JP" altLang="en-US"/>
-        </a:p>
-      </dgm:t>
-    </dgm:pt>
-    <dgm:pt modelId="{0CE8EF7D-B30D-4079-89D8-B8F6FB19FE1B}">
-      <dgm:prSet/>
-      <dgm:spPr/>
-      <dgm:t>
-        <a:bodyPr/>
-        <a:lstStyle/>
-        <a:p>
-          <a:pPr rtl="0"/>
-          <a:r>
-            <a:rPr lang="ja-JP" altLang="en-US" dirty="0" smtClean="0"/>
-            <a:t>コンセプト</a:t>
-          </a:r>
-          <a:endParaRPr lang="ja-JP" dirty="0"/>
-        </a:p>
-      </dgm:t>
-    </dgm:pt>
-    <dgm:pt modelId="{4EEAAFCA-0B57-4DF2-B350-D4219A3F7FDF}" type="parTrans" cxnId="{D51CE44F-5A80-4000-8F8D-B4D2545A63C3}">
-      <dgm:prSet/>
-      <dgm:spPr/>
-      <dgm:t>
-        <a:bodyPr/>
-        <a:lstStyle/>
-        <a:p>
-          <a:endParaRPr kumimoji="1" lang="ja-JP" altLang="en-US"/>
-        </a:p>
-      </dgm:t>
-    </dgm:pt>
-    <dgm:pt modelId="{BF3B0089-ED78-4F05-AE9C-0C2AAA16C6F5}" type="sibTrans" cxnId="{D51CE44F-5A80-4000-8F8D-B4D2545A63C3}">
-      <dgm:prSet/>
-      <dgm:spPr/>
-      <dgm:t>
-        <a:bodyPr/>
-        <a:lstStyle/>
-        <a:p>
-          <a:endParaRPr kumimoji="1" lang="ja-JP" altLang="en-US"/>
-        </a:p>
-      </dgm:t>
-    </dgm:pt>
-    <dgm:pt modelId="{C6769FA5-C229-4926-B6B6-FEE2C4C421A6}">
-      <dgm:prSet/>
-      <dgm:spPr/>
-      <dgm:t>
-        <a:bodyPr/>
-        <a:lstStyle/>
-        <a:p>
-          <a:pPr rtl="0"/>
-          <a:r>
-            <a:rPr lang="ja-JP" altLang="en-US" dirty="0" smtClean="0"/>
-            <a:t>操作方法</a:t>
-          </a:r>
-          <a:endParaRPr lang="ja-JP" dirty="0"/>
-        </a:p>
-      </dgm:t>
-    </dgm:pt>
-    <dgm:pt modelId="{6A523693-B639-471D-ADDA-C2C87C4E7109}" type="parTrans" cxnId="{F30456AA-A434-47D4-9A83-FEE97B885CAB}">
-      <dgm:prSet/>
-      <dgm:spPr/>
-      <dgm:t>
-        <a:bodyPr/>
-        <a:lstStyle/>
-        <a:p>
-          <a:endParaRPr kumimoji="1" lang="ja-JP" altLang="en-US"/>
-        </a:p>
-      </dgm:t>
-    </dgm:pt>
-    <dgm:pt modelId="{07663A03-7CC8-4663-A8EB-358E2E83FB9A}" type="sibTrans" cxnId="{F30456AA-A434-47D4-9A83-FEE97B885CAB}">
-      <dgm:prSet/>
-      <dgm:spPr/>
-      <dgm:t>
-        <a:bodyPr/>
-        <a:lstStyle/>
-        <a:p>
-          <a:endParaRPr kumimoji="1" lang="ja-JP" altLang="en-US"/>
-        </a:p>
-      </dgm:t>
-    </dgm:pt>
-    <dgm:pt modelId="{EA684D56-C12D-4F19-A457-87830C0413DF}">
-      <dgm:prSet/>
-      <dgm:spPr/>
-      <dgm:t>
-        <a:bodyPr/>
-        <a:lstStyle/>
-        <a:p>
-          <a:pPr rtl="0"/>
-          <a:r>
-            <a:rPr lang="ja-JP" altLang="en-US" dirty="0" smtClean="0"/>
-            <a:t>こだわったところ</a:t>
-          </a:r>
-          <a:endParaRPr lang="ja-JP" dirty="0"/>
-        </a:p>
-      </dgm:t>
-    </dgm:pt>
-    <dgm:pt modelId="{F4F869D8-7DFA-4B53-82E4-D7003F25746A}" type="parTrans" cxnId="{020075C2-7AFF-48E0-AC90-21F8B69D7BE4}">
-      <dgm:prSet/>
-      <dgm:spPr/>
-      <dgm:t>
-        <a:bodyPr/>
-        <a:lstStyle/>
-        <a:p>
-          <a:endParaRPr kumimoji="1" lang="ja-JP" altLang="en-US"/>
-        </a:p>
-      </dgm:t>
-    </dgm:pt>
-    <dgm:pt modelId="{931B6F02-BCFE-40F9-AB42-82EDBDFA552D}" type="sibTrans" cxnId="{020075C2-7AFF-48E0-AC90-21F8B69D7BE4}">
-      <dgm:prSet/>
-      <dgm:spPr/>
-      <dgm:t>
-        <a:bodyPr/>
-        <a:lstStyle/>
-        <a:p>
-          <a:endParaRPr kumimoji="1" lang="ja-JP" altLang="en-US"/>
-        </a:p>
-      </dgm:t>
-    </dgm:pt>
-    <dgm:pt modelId="{1B8017CE-1CBE-4FF5-82EA-2AB8B26D8BFD}" type="pres">
-      <dgm:prSet presAssocID="{7EBF7676-0DAB-4F09-91A7-7309742F78C1}" presName="linearFlow" presStyleCnt="0">
-        <dgm:presLayoutVars>
-          <dgm:dir/>
-          <dgm:animLvl val="lvl"/>
-          <dgm:resizeHandles val="exact"/>
-        </dgm:presLayoutVars>
-      </dgm:prSet>
-      <dgm:spPr/>
-    </dgm:pt>
-    <dgm:pt modelId="{C67BAC97-EA0B-44A3-9810-3F7F926C5BFC}" type="pres">
-      <dgm:prSet presAssocID="{4DBE9D83-F520-46B6-9032-9C1734003EE6}" presName="composite" presStyleCnt="0"/>
-      <dgm:spPr/>
-    </dgm:pt>
-    <dgm:pt modelId="{207454EE-7378-452D-BBAA-A70CED7162C8}" type="pres">
-      <dgm:prSet presAssocID="{4DBE9D83-F520-46B6-9032-9C1734003EE6}" presName="parentText" presStyleLbl="alignNode1" presStyleIdx="0" presStyleCnt="3">
-        <dgm:presLayoutVars>
-          <dgm:chMax val="1"/>
-          <dgm:bulletEnabled val="1"/>
-        </dgm:presLayoutVars>
-      </dgm:prSet>
-      <dgm:spPr/>
-      <dgm:t>
-        <a:bodyPr/>
-        <a:lstStyle/>
-        <a:p>
-          <a:endParaRPr kumimoji="1" lang="ja-JP" altLang="en-US"/>
-        </a:p>
-      </dgm:t>
-    </dgm:pt>
-    <dgm:pt modelId="{71AD0C59-9540-403A-9359-9BB6E60025D9}" type="pres">
-      <dgm:prSet presAssocID="{4DBE9D83-F520-46B6-9032-9C1734003EE6}" presName="descendantText" presStyleLbl="alignAcc1" presStyleIdx="0" presStyleCnt="3">
-        <dgm:presLayoutVars>
-          <dgm:bulletEnabled val="1"/>
-        </dgm:presLayoutVars>
-      </dgm:prSet>
-      <dgm:spPr/>
-      <dgm:t>
-        <a:bodyPr/>
-        <a:lstStyle/>
-        <a:p>
-          <a:endParaRPr kumimoji="1" lang="ja-JP" altLang="en-US"/>
-        </a:p>
-      </dgm:t>
-    </dgm:pt>
-    <dgm:pt modelId="{A41FEE80-5E48-4BE7-9BAC-35E42C10C70D}" type="pres">
-      <dgm:prSet presAssocID="{793D7C68-BAA4-4495-8EF0-B09E925B1797}" presName="sp" presStyleCnt="0"/>
-      <dgm:spPr/>
-    </dgm:pt>
-    <dgm:pt modelId="{1E566EE7-659F-486B-B241-8EF778CC013A}" type="pres">
-      <dgm:prSet presAssocID="{F174D827-B32C-4B7A-BB53-F3435C7547B2}" presName="composite" presStyleCnt="0"/>
-      <dgm:spPr/>
-    </dgm:pt>
-    <dgm:pt modelId="{2DD283D9-22D8-4789-9598-BD2CC779F36C}" type="pres">
-      <dgm:prSet presAssocID="{F174D827-B32C-4B7A-BB53-F3435C7547B2}" presName="parentText" presStyleLbl="alignNode1" presStyleIdx="1" presStyleCnt="3">
-        <dgm:presLayoutVars>
-          <dgm:chMax val="1"/>
-          <dgm:bulletEnabled val="1"/>
-        </dgm:presLayoutVars>
-      </dgm:prSet>
-      <dgm:spPr/>
-      <dgm:t>
-        <a:bodyPr/>
-        <a:lstStyle/>
-        <a:p>
-          <a:endParaRPr kumimoji="1" lang="ja-JP" altLang="en-US"/>
-        </a:p>
-      </dgm:t>
-    </dgm:pt>
-    <dgm:pt modelId="{AA855813-C182-441F-8345-B18F0932C587}" type="pres">
-      <dgm:prSet presAssocID="{F174D827-B32C-4B7A-BB53-F3435C7547B2}" presName="descendantText" presStyleLbl="alignAcc1" presStyleIdx="1" presStyleCnt="3">
-        <dgm:presLayoutVars>
-          <dgm:bulletEnabled val="1"/>
-        </dgm:presLayoutVars>
-      </dgm:prSet>
-      <dgm:spPr/>
-    </dgm:pt>
-    <dgm:pt modelId="{917AFC42-1475-4631-B7EF-F9B2A2499D62}" type="pres">
-      <dgm:prSet presAssocID="{532DA147-2E6B-496D-AA85-CA2BD1977CE7}" presName="sp" presStyleCnt="0"/>
-      <dgm:spPr/>
-    </dgm:pt>
-    <dgm:pt modelId="{12B80253-E1BB-4D76-8DAA-73365CBB29B2}" type="pres">
-      <dgm:prSet presAssocID="{5832F9CB-DFD8-4E20-96D6-EF45F11E57A7}" presName="composite" presStyleCnt="0"/>
-      <dgm:spPr/>
-    </dgm:pt>
-    <dgm:pt modelId="{340C2240-7123-43B0-BD0E-5364BEA3EB8C}" type="pres">
-      <dgm:prSet presAssocID="{5832F9CB-DFD8-4E20-96D6-EF45F11E57A7}" presName="parentText" presStyleLbl="alignNode1" presStyleIdx="2" presStyleCnt="3">
-        <dgm:presLayoutVars>
-          <dgm:chMax val="1"/>
-          <dgm:bulletEnabled val="1"/>
-        </dgm:presLayoutVars>
-      </dgm:prSet>
-      <dgm:spPr/>
-      <dgm:t>
-        <a:bodyPr/>
-        <a:lstStyle/>
-        <a:p>
-          <a:endParaRPr kumimoji="1" lang="ja-JP" altLang="en-US"/>
-        </a:p>
-      </dgm:t>
-    </dgm:pt>
-    <dgm:pt modelId="{08B816D3-9611-443D-A865-A448C23FFF06}" type="pres">
-      <dgm:prSet presAssocID="{5832F9CB-DFD8-4E20-96D6-EF45F11E57A7}" presName="descendantText" presStyleLbl="alignAcc1" presStyleIdx="2" presStyleCnt="3">
-        <dgm:presLayoutVars>
-          <dgm:bulletEnabled val="1"/>
-        </dgm:presLayoutVars>
-      </dgm:prSet>
-      <dgm:spPr/>
-      <dgm:t>
-        <a:bodyPr/>
-        <a:lstStyle/>
-        <a:p>
-          <a:endParaRPr kumimoji="1" lang="ja-JP" altLang="en-US"/>
-        </a:p>
-      </dgm:t>
-    </dgm:pt>
-  </dgm:ptLst>
-  <dgm:cxnLst>
-    <dgm:cxn modelId="{6A66C236-9A8B-4FAB-A1FB-EC33F1DD96CD}" srcId="{7EBF7676-0DAB-4F09-91A7-7309742F78C1}" destId="{F174D827-B32C-4B7A-BB53-F3435C7547B2}" srcOrd="1" destOrd="0" parTransId="{0EA77D6D-6090-4F24-B78B-7EFC0C0A080A}" sibTransId="{532DA147-2E6B-496D-AA85-CA2BD1977CE7}"/>
-    <dgm:cxn modelId="{F30456AA-A434-47D4-9A83-FEE97B885CAB}" srcId="{F174D827-B32C-4B7A-BB53-F3435C7547B2}" destId="{C6769FA5-C229-4926-B6B6-FEE2C4C421A6}" srcOrd="0" destOrd="0" parTransId="{6A523693-B639-471D-ADDA-C2C87C4E7109}" sibTransId="{07663A03-7CC8-4663-A8EB-358E2E83FB9A}"/>
-    <dgm:cxn modelId="{C4D6024C-3D45-40EF-9A47-C8E714E67140}" type="presOf" srcId="{EA684D56-C12D-4F19-A457-87830C0413DF}" destId="{08B816D3-9611-443D-A865-A448C23FFF06}" srcOrd="0" destOrd="0" presId="urn:microsoft.com/office/officeart/2005/8/layout/chevron2"/>
-    <dgm:cxn modelId="{0239A77F-A1ED-45A0-A154-DB53753930C9}" type="presOf" srcId="{C6769FA5-C229-4926-B6B6-FEE2C4C421A6}" destId="{AA855813-C182-441F-8345-B18F0932C587}" srcOrd="0" destOrd="0" presId="urn:microsoft.com/office/officeart/2005/8/layout/chevron2"/>
-    <dgm:cxn modelId="{D51CE44F-5A80-4000-8F8D-B4D2545A63C3}" srcId="{4DBE9D83-F520-46B6-9032-9C1734003EE6}" destId="{0CE8EF7D-B30D-4079-89D8-B8F6FB19FE1B}" srcOrd="0" destOrd="0" parTransId="{4EEAAFCA-0B57-4DF2-B350-D4219A3F7FDF}" sibTransId="{BF3B0089-ED78-4F05-AE9C-0C2AAA16C6F5}"/>
-    <dgm:cxn modelId="{666615F5-FA3E-42A0-9941-18F3CA0BC905}" type="presOf" srcId="{0CE8EF7D-B30D-4079-89D8-B8F6FB19FE1B}" destId="{71AD0C59-9540-403A-9359-9BB6E60025D9}" srcOrd="0" destOrd="0" presId="urn:microsoft.com/office/officeart/2005/8/layout/chevron2"/>
-    <dgm:cxn modelId="{AC54E20A-7858-4019-B097-92A519F0B953}" type="presOf" srcId="{5832F9CB-DFD8-4E20-96D6-EF45F11E57A7}" destId="{340C2240-7123-43B0-BD0E-5364BEA3EB8C}" srcOrd="0" destOrd="0" presId="urn:microsoft.com/office/officeart/2005/8/layout/chevron2"/>
-    <dgm:cxn modelId="{AD351D62-8696-40D2-9AB6-782EC007B08D}" type="presOf" srcId="{7EBF7676-0DAB-4F09-91A7-7309742F78C1}" destId="{1B8017CE-1CBE-4FF5-82EA-2AB8B26D8BFD}" srcOrd="0" destOrd="0" presId="urn:microsoft.com/office/officeart/2005/8/layout/chevron2"/>
-    <dgm:cxn modelId="{020075C2-7AFF-48E0-AC90-21F8B69D7BE4}" srcId="{5832F9CB-DFD8-4E20-96D6-EF45F11E57A7}" destId="{EA684D56-C12D-4F19-A457-87830C0413DF}" srcOrd="0" destOrd="0" parTransId="{F4F869D8-7DFA-4B53-82E4-D7003F25746A}" sibTransId="{931B6F02-BCFE-40F9-AB42-82EDBDFA552D}"/>
-    <dgm:cxn modelId="{8A01E95C-2711-4289-919B-7EA56A0D8C6D}" srcId="{7EBF7676-0DAB-4F09-91A7-7309742F78C1}" destId="{5832F9CB-DFD8-4E20-96D6-EF45F11E57A7}" srcOrd="2" destOrd="0" parTransId="{9130A300-E38D-4895-B77B-AEA69392970C}" sibTransId="{908B8C5C-DB90-488D-BEBF-47EB7AA5F72A}"/>
-    <dgm:cxn modelId="{C83491D1-5F9D-4758-B767-3C809F230E12}" type="presOf" srcId="{F174D827-B32C-4B7A-BB53-F3435C7547B2}" destId="{2DD283D9-22D8-4789-9598-BD2CC779F36C}" srcOrd="0" destOrd="0" presId="urn:microsoft.com/office/officeart/2005/8/layout/chevron2"/>
-    <dgm:cxn modelId="{F2D077D9-9D94-4DBD-8F18-208CC22389CA}" type="presOf" srcId="{4DBE9D83-F520-46B6-9032-9C1734003EE6}" destId="{207454EE-7378-452D-BBAA-A70CED7162C8}" srcOrd="0" destOrd="0" presId="urn:microsoft.com/office/officeart/2005/8/layout/chevron2"/>
-    <dgm:cxn modelId="{CD583BC6-F051-4AFC-9C68-F2127B649BD2}" srcId="{7EBF7676-0DAB-4F09-91A7-7309742F78C1}" destId="{4DBE9D83-F520-46B6-9032-9C1734003EE6}" srcOrd="0" destOrd="0" parTransId="{9EC0E674-DE2B-4B3A-A7EB-CA316353F512}" sibTransId="{793D7C68-BAA4-4495-8EF0-B09E925B1797}"/>
-    <dgm:cxn modelId="{3AAFBFAA-1874-4135-A9C5-5FD6E512E6D2}" type="presParOf" srcId="{1B8017CE-1CBE-4FF5-82EA-2AB8B26D8BFD}" destId="{C67BAC97-EA0B-44A3-9810-3F7F926C5BFC}" srcOrd="0" destOrd="0" presId="urn:microsoft.com/office/officeart/2005/8/layout/chevron2"/>
-    <dgm:cxn modelId="{1EEA3A82-9918-4166-826B-F5B8CE5EF385}" type="presParOf" srcId="{C67BAC97-EA0B-44A3-9810-3F7F926C5BFC}" destId="{207454EE-7378-452D-BBAA-A70CED7162C8}" srcOrd="0" destOrd="0" presId="urn:microsoft.com/office/officeart/2005/8/layout/chevron2"/>
-    <dgm:cxn modelId="{A3D07F67-66DF-4E50-951C-D210346C8365}" type="presParOf" srcId="{C67BAC97-EA0B-44A3-9810-3F7F926C5BFC}" destId="{71AD0C59-9540-403A-9359-9BB6E60025D9}" srcOrd="1" destOrd="0" presId="urn:microsoft.com/office/officeart/2005/8/layout/chevron2"/>
-    <dgm:cxn modelId="{B9062991-A6AC-4ACE-971D-9E21FF088C1B}" type="presParOf" srcId="{1B8017CE-1CBE-4FF5-82EA-2AB8B26D8BFD}" destId="{A41FEE80-5E48-4BE7-9BAC-35E42C10C70D}" srcOrd="1" destOrd="0" presId="urn:microsoft.com/office/officeart/2005/8/layout/chevron2"/>
-    <dgm:cxn modelId="{C965137D-8925-41CC-B53B-AAD293F9C030}" type="presParOf" srcId="{1B8017CE-1CBE-4FF5-82EA-2AB8B26D8BFD}" destId="{1E566EE7-659F-486B-B241-8EF778CC013A}" srcOrd="2" destOrd="0" presId="urn:microsoft.com/office/officeart/2005/8/layout/chevron2"/>
-    <dgm:cxn modelId="{5352DCF0-F57D-4C54-98F1-FA3F0DCB3843}" type="presParOf" srcId="{1E566EE7-659F-486B-B241-8EF778CC013A}" destId="{2DD283D9-22D8-4789-9598-BD2CC779F36C}" srcOrd="0" destOrd="0" presId="urn:microsoft.com/office/officeart/2005/8/layout/chevron2"/>
-    <dgm:cxn modelId="{5B8367E2-29C5-4C46-BA6A-B9D7E19953DD}" type="presParOf" srcId="{1E566EE7-659F-486B-B241-8EF778CC013A}" destId="{AA855813-C182-441F-8345-B18F0932C587}" srcOrd="1" destOrd="0" presId="urn:microsoft.com/office/officeart/2005/8/layout/chevron2"/>
-    <dgm:cxn modelId="{6150D378-CAA6-4382-92EC-27DDE30D3927}" type="presParOf" srcId="{1B8017CE-1CBE-4FF5-82EA-2AB8B26D8BFD}" destId="{917AFC42-1475-4631-B7EF-F9B2A2499D62}" srcOrd="3" destOrd="0" presId="urn:microsoft.com/office/officeart/2005/8/layout/chevron2"/>
-    <dgm:cxn modelId="{F893C099-3C76-467D-9C02-FC3C4E74313E}" type="presParOf" srcId="{1B8017CE-1CBE-4FF5-82EA-2AB8B26D8BFD}" destId="{12B80253-E1BB-4D76-8DAA-73365CBB29B2}" srcOrd="4" destOrd="0" presId="urn:microsoft.com/office/officeart/2005/8/layout/chevron2"/>
-    <dgm:cxn modelId="{E70A016C-0E80-4300-A9B2-A3D3BEE189E0}" type="presParOf" srcId="{12B80253-E1BB-4D76-8DAA-73365CBB29B2}" destId="{340C2240-7123-43B0-BD0E-5364BEA3EB8C}" srcOrd="0" destOrd="0" presId="urn:microsoft.com/office/officeart/2005/8/layout/chevron2"/>
-    <dgm:cxn modelId="{33180205-DBB3-4EB7-AB3A-3A6A4C8A6FE5}" type="presParOf" srcId="{12B80253-E1BB-4D76-8DAA-73365CBB29B2}" destId="{08B816D3-9611-443D-A865-A448C23FFF06}" srcOrd="1" destOrd="0" presId="urn:microsoft.com/office/officeart/2005/8/layout/chevron2"/>
-  </dgm:cxnLst>
-  <dgm:bg/>
-  <dgm:whole/>
-  <dgm:extLst>
-    <a:ext uri="http://schemas.microsoft.com/office/drawing/2008/diagram">
-      <dsp:dataModelExt xmlns:dsp="http://schemas.microsoft.com/office/drawing/2008/diagram" relId="rId6" minVer="http://schemas.openxmlformats.org/drawingml/2006/diagram"/>
-    </a:ext>
-  </dgm:extLst>
-</dgm:dataModel>
-</file>
-
-<file path=ppt/diagrams/drawing1.xml><?xml version="1.0" encoding="utf-8"?>
-<dsp:drawing xmlns:dgm="http://schemas.openxmlformats.org/drawingml/2006/diagram" xmlns:dsp="http://schemas.microsoft.com/office/drawing/2008/diagram" xmlns:a="http://schemas.openxmlformats.org/drawingml/2006/main">
-  <dsp:spTree>
-    <dsp:nvGrpSpPr>
-      <dsp:cNvPr id="0" name=""/>
-      <dsp:cNvGrpSpPr/>
-    </dsp:nvGrpSpPr>
-    <dsp:grpSpPr/>
-    <dsp:sp modelId="{207454EE-7378-452D-BBAA-A70CED7162C8}">
-      <dsp:nvSpPr>
-        <dsp:cNvPr id="0" name=""/>
-        <dsp:cNvSpPr/>
-      </dsp:nvSpPr>
-      <dsp:spPr>
-        <a:xfrm rot="5400000">
-          <a:off x="-204333" y="206049"/>
-          <a:ext cx="1362220" cy="953554"/>
-        </a:xfrm>
-        <a:prstGeom prst="chevron">
-          <a:avLst/>
-        </a:prstGeom>
-        <a:gradFill rotWithShape="0">
-          <a:gsLst>
-            <a:gs pos="0">
-              <a:schemeClr val="accent1">
-                <a:hueOff val="0"/>
-                <a:satOff val="0"/>
-                <a:lumOff val="0"/>
-                <a:alphaOff val="0"/>
-                <a:tint val="94000"/>
-                <a:satMod val="100000"/>
-                <a:lumMod val="104000"/>
-              </a:schemeClr>
-            </a:gs>
-            <a:gs pos="69000">
-              <a:schemeClr val="accent1">
-                <a:hueOff val="0"/>
-                <a:satOff val="0"/>
-                <a:lumOff val="0"/>
-                <a:alphaOff val="0"/>
-                <a:shade val="86000"/>
-                <a:satMod val="130000"/>
-                <a:lumMod val="102000"/>
-              </a:schemeClr>
-            </a:gs>
-            <a:gs pos="100000">
-              <a:schemeClr val="accent1">
-                <a:hueOff val="0"/>
-                <a:satOff val="0"/>
-                <a:lumOff val="0"/>
-                <a:alphaOff val="0"/>
-                <a:shade val="72000"/>
-                <a:satMod val="130000"/>
-                <a:lumMod val="100000"/>
-              </a:schemeClr>
-            </a:gs>
-          </a:gsLst>
-          <a:lin ang="5400000" scaled="0"/>
-        </a:gradFill>
-        <a:ln w="12700" cap="flat" cmpd="sng" algn="ctr">
-          <a:solidFill>
-            <a:schemeClr val="accent1">
-              <a:hueOff val="0"/>
-              <a:satOff val="0"/>
-              <a:lumOff val="0"/>
-              <a:alphaOff val="0"/>
-            </a:schemeClr>
-          </a:solidFill>
-          <a:prstDash val="solid"/>
-        </a:ln>
-        <a:effectLst>
-          <a:outerShdw blurRad="76200" dist="38100" dir="5400000" algn="ctr" rotWithShape="0">
-            <a:srgbClr val="000000">
-              <a:alpha val="76000"/>
-            </a:srgbClr>
-          </a:outerShdw>
-        </a:effectLst>
-        <a:scene3d>
-          <a:camera prst="orthographicFront">
-            <a:rot lat="0" lon="0" rev="0"/>
-          </a:camera>
-          <a:lightRig rig="balanced" dir="t"/>
-        </a:scene3d>
-        <a:sp3d prstMaterial="matte">
-          <a:bevelT w="25400" h="25400" prst="relaxedInset"/>
-        </a:sp3d>
-      </dsp:spPr>
-      <dsp:style>
-        <a:lnRef idx="1">
-          <a:scrgbClr r="0" g="0" b="0"/>
-        </a:lnRef>
-        <a:fillRef idx="3">
-          <a:scrgbClr r="0" g="0" b="0"/>
-        </a:fillRef>
-        <a:effectRef idx="3">
-          <a:scrgbClr r="0" g="0" b="0"/>
-        </a:effectRef>
-        <a:fontRef idx="minor">
-          <a:schemeClr val="lt1"/>
-        </a:fontRef>
-      </dsp:style>
-      <dsp:txBody>
-        <a:bodyPr spcFirstLastPara="0" vert="horz" wrap="square" lIns="17145" tIns="17145" rIns="17145" bIns="17145" numCol="1" spcCol="1270" anchor="ctr" anchorCtr="0">
-          <a:noAutofit/>
-        </a:bodyPr>
-        <a:lstStyle/>
-        <a:p>
-          <a:pPr lvl="0" algn="ctr" defTabSz="1200150" rtl="0">
-            <a:lnSpc>
-              <a:spcPct val="90000"/>
-            </a:lnSpc>
-            <a:spcBef>
-              <a:spcPct val="0"/>
-            </a:spcBef>
-            <a:spcAft>
-              <a:spcPct val="35000"/>
-            </a:spcAft>
-          </a:pPr>
-          <a:endParaRPr lang="ja-JP" sz="2700" kern="1200" dirty="0"/>
-        </a:p>
-      </dsp:txBody>
-      <dsp:txXfrm rot="-5400000">
-        <a:off x="0" y="478493"/>
-        <a:ext cx="953554" cy="408666"/>
-      </dsp:txXfrm>
-    </dsp:sp>
-    <dsp:sp modelId="{71AD0C59-9540-403A-9359-9BB6E60025D9}">
-      <dsp:nvSpPr>
-        <dsp:cNvPr id="0" name=""/>
-        <dsp:cNvSpPr/>
-      </dsp:nvSpPr>
-      <dsp:spPr>
-        <a:xfrm rot="5400000">
-          <a:off x="5210936" y="-4255665"/>
-          <a:ext cx="885443" cy="9400207"/>
-        </a:xfrm>
-        <a:prstGeom prst="round2SameRect">
-          <a:avLst/>
-        </a:prstGeom>
-        <a:solidFill>
-          <a:schemeClr val="lt1">
-            <a:alpha val="90000"/>
-            <a:hueOff val="0"/>
-            <a:satOff val="0"/>
-            <a:lumOff val="0"/>
-            <a:alphaOff val="0"/>
-          </a:schemeClr>
-        </a:solidFill>
-        <a:ln w="12700" cap="flat" cmpd="sng" algn="ctr">
-          <a:solidFill>
-            <a:schemeClr val="accent1">
-              <a:hueOff val="0"/>
-              <a:satOff val="0"/>
-              <a:lumOff val="0"/>
-              <a:alphaOff val="0"/>
-            </a:schemeClr>
-          </a:solidFill>
-          <a:prstDash val="solid"/>
-        </a:ln>
-        <a:effectLst>
-          <a:outerShdw blurRad="50800" dist="38100" dir="5400000" sy="96000" rotWithShape="0">
-            <a:srgbClr val="000000">
-              <a:alpha val="54000"/>
-            </a:srgbClr>
-          </a:outerShdw>
-        </a:effectLst>
-      </dsp:spPr>
-      <dsp:style>
-        <a:lnRef idx="1">
-          <a:scrgbClr r="0" g="0" b="0"/>
-        </a:lnRef>
-        <a:fillRef idx="1">
-          <a:scrgbClr r="0" g="0" b="0"/>
-        </a:fillRef>
-        <a:effectRef idx="2">
-          <a:scrgbClr r="0" g="0" b="0"/>
-        </a:effectRef>
-        <a:fontRef idx="minor"/>
-      </dsp:style>
-      <dsp:txBody>
-        <a:bodyPr spcFirstLastPara="0" vert="horz" wrap="square" lIns="348488" tIns="31115" rIns="31115" bIns="31115" numCol="1" spcCol="1270" anchor="ctr" anchorCtr="0">
-          <a:noAutofit/>
-        </a:bodyPr>
-        <a:lstStyle/>
-        <a:p>
-          <a:pPr marL="285750" lvl="1" indent="-285750" algn="l" defTabSz="2178050" rtl="0">
-            <a:lnSpc>
-              <a:spcPct val="90000"/>
-            </a:lnSpc>
-            <a:spcBef>
-              <a:spcPct val="0"/>
-            </a:spcBef>
-            <a:spcAft>
-              <a:spcPct val="15000"/>
-            </a:spcAft>
-            <a:buChar char="••"/>
-          </a:pPr>
-          <a:r>
-            <a:rPr lang="ja-JP" altLang="en-US" sz="4900" kern="1200" dirty="0" smtClean="0"/>
-            <a:t>コンセプト</a:t>
-          </a:r>
-          <a:endParaRPr lang="ja-JP" sz="4900" kern="1200" dirty="0"/>
-        </a:p>
-      </dsp:txBody>
-      <dsp:txXfrm rot="-5400000">
-        <a:off x="953554" y="44941"/>
-        <a:ext cx="9356983" cy="798995"/>
-      </dsp:txXfrm>
-    </dsp:sp>
-    <dsp:sp modelId="{2DD283D9-22D8-4789-9598-BD2CC779F36C}">
-      <dsp:nvSpPr>
-        <dsp:cNvPr id="0" name=""/>
-        <dsp:cNvSpPr/>
-      </dsp:nvSpPr>
-      <dsp:spPr>
-        <a:xfrm rot="5400000">
-          <a:off x="-204333" y="1370790"/>
-          <a:ext cx="1362220" cy="953554"/>
-        </a:xfrm>
-        <a:prstGeom prst="chevron">
-          <a:avLst/>
-        </a:prstGeom>
-        <a:gradFill rotWithShape="0">
-          <a:gsLst>
-            <a:gs pos="0">
-              <a:schemeClr val="accent1">
-                <a:hueOff val="0"/>
-                <a:satOff val="0"/>
-                <a:lumOff val="0"/>
-                <a:alphaOff val="0"/>
-                <a:tint val="94000"/>
-                <a:satMod val="100000"/>
-                <a:lumMod val="104000"/>
-              </a:schemeClr>
-            </a:gs>
-            <a:gs pos="69000">
-              <a:schemeClr val="accent1">
-                <a:hueOff val="0"/>
-                <a:satOff val="0"/>
-                <a:lumOff val="0"/>
-                <a:alphaOff val="0"/>
-                <a:shade val="86000"/>
-                <a:satMod val="130000"/>
-                <a:lumMod val="102000"/>
-              </a:schemeClr>
-            </a:gs>
-            <a:gs pos="100000">
-              <a:schemeClr val="accent1">
-                <a:hueOff val="0"/>
-                <a:satOff val="0"/>
-                <a:lumOff val="0"/>
-                <a:alphaOff val="0"/>
-                <a:shade val="72000"/>
-                <a:satMod val="130000"/>
-                <a:lumMod val="100000"/>
-              </a:schemeClr>
-            </a:gs>
-          </a:gsLst>
-          <a:lin ang="5400000" scaled="0"/>
-        </a:gradFill>
-        <a:ln w="12700" cap="flat" cmpd="sng" algn="ctr">
-          <a:solidFill>
-            <a:schemeClr val="accent1">
-              <a:hueOff val="0"/>
-              <a:satOff val="0"/>
-              <a:lumOff val="0"/>
-              <a:alphaOff val="0"/>
-            </a:schemeClr>
-          </a:solidFill>
-          <a:prstDash val="solid"/>
-        </a:ln>
-        <a:effectLst>
-          <a:outerShdw blurRad="76200" dist="38100" dir="5400000" algn="ctr" rotWithShape="0">
-            <a:srgbClr val="000000">
-              <a:alpha val="76000"/>
-            </a:srgbClr>
-          </a:outerShdw>
-        </a:effectLst>
-        <a:scene3d>
-          <a:camera prst="orthographicFront">
-            <a:rot lat="0" lon="0" rev="0"/>
-          </a:camera>
-          <a:lightRig rig="balanced" dir="t"/>
-        </a:scene3d>
-        <a:sp3d prstMaterial="matte">
-          <a:bevelT w="25400" h="25400" prst="relaxedInset"/>
-        </a:sp3d>
-      </dsp:spPr>
-      <dsp:style>
-        <a:lnRef idx="1">
-          <a:scrgbClr r="0" g="0" b="0"/>
-        </a:lnRef>
-        <a:fillRef idx="3">
-          <a:scrgbClr r="0" g="0" b="0"/>
-        </a:fillRef>
-        <a:effectRef idx="3">
-          <a:scrgbClr r="0" g="0" b="0"/>
-        </a:effectRef>
-        <a:fontRef idx="minor">
-          <a:schemeClr val="lt1"/>
-        </a:fontRef>
-      </dsp:style>
-      <dsp:txBody>
-        <a:bodyPr spcFirstLastPara="0" vert="horz" wrap="square" lIns="17145" tIns="17145" rIns="17145" bIns="17145" numCol="1" spcCol="1270" anchor="ctr" anchorCtr="0">
-          <a:noAutofit/>
-        </a:bodyPr>
-        <a:lstStyle/>
-        <a:p>
-          <a:pPr lvl="0" algn="ctr" defTabSz="1200150" rtl="0">
-            <a:lnSpc>
-              <a:spcPct val="90000"/>
-            </a:lnSpc>
-            <a:spcBef>
-              <a:spcPct val="0"/>
-            </a:spcBef>
-            <a:spcAft>
-              <a:spcPct val="35000"/>
-            </a:spcAft>
-          </a:pPr>
-          <a:endParaRPr lang="ja-JP" sz="2700" kern="1200" dirty="0"/>
-        </a:p>
-      </dsp:txBody>
-      <dsp:txXfrm rot="-5400000">
-        <a:off x="0" y="1643234"/>
-        <a:ext cx="953554" cy="408666"/>
-      </dsp:txXfrm>
-    </dsp:sp>
-    <dsp:sp modelId="{AA855813-C182-441F-8345-B18F0932C587}">
-      <dsp:nvSpPr>
-        <dsp:cNvPr id="0" name=""/>
-        <dsp:cNvSpPr/>
-      </dsp:nvSpPr>
-      <dsp:spPr>
-        <a:xfrm rot="5400000">
-          <a:off x="5210936" y="-3090924"/>
-          <a:ext cx="885443" cy="9400207"/>
-        </a:xfrm>
-        <a:prstGeom prst="round2SameRect">
-          <a:avLst/>
-        </a:prstGeom>
-        <a:solidFill>
-          <a:schemeClr val="lt1">
-            <a:alpha val="90000"/>
-            <a:hueOff val="0"/>
-            <a:satOff val="0"/>
-            <a:lumOff val="0"/>
-            <a:alphaOff val="0"/>
-          </a:schemeClr>
-        </a:solidFill>
-        <a:ln w="12700" cap="flat" cmpd="sng" algn="ctr">
-          <a:solidFill>
-            <a:schemeClr val="accent1">
-              <a:hueOff val="0"/>
-              <a:satOff val="0"/>
-              <a:lumOff val="0"/>
-              <a:alphaOff val="0"/>
-            </a:schemeClr>
-          </a:solidFill>
-          <a:prstDash val="solid"/>
-        </a:ln>
-        <a:effectLst>
-          <a:outerShdw blurRad="50800" dist="38100" dir="5400000" sy="96000" rotWithShape="0">
-            <a:srgbClr val="000000">
-              <a:alpha val="54000"/>
-            </a:srgbClr>
-          </a:outerShdw>
-        </a:effectLst>
-      </dsp:spPr>
-      <dsp:style>
-        <a:lnRef idx="1">
-          <a:scrgbClr r="0" g="0" b="0"/>
-        </a:lnRef>
-        <a:fillRef idx="1">
-          <a:scrgbClr r="0" g="0" b="0"/>
-        </a:fillRef>
-        <a:effectRef idx="2">
-          <a:scrgbClr r="0" g="0" b="0"/>
-        </a:effectRef>
-        <a:fontRef idx="minor"/>
-      </dsp:style>
-      <dsp:txBody>
-        <a:bodyPr spcFirstLastPara="0" vert="horz" wrap="square" lIns="348488" tIns="31115" rIns="31115" bIns="31115" numCol="1" spcCol="1270" anchor="ctr" anchorCtr="0">
-          <a:noAutofit/>
-        </a:bodyPr>
-        <a:lstStyle/>
-        <a:p>
-          <a:pPr marL="285750" lvl="1" indent="-285750" algn="l" defTabSz="2178050" rtl="0">
-            <a:lnSpc>
-              <a:spcPct val="90000"/>
-            </a:lnSpc>
-            <a:spcBef>
-              <a:spcPct val="0"/>
-            </a:spcBef>
-            <a:spcAft>
-              <a:spcPct val="15000"/>
-            </a:spcAft>
-            <a:buChar char="••"/>
-          </a:pPr>
-          <a:r>
-            <a:rPr lang="ja-JP" altLang="en-US" sz="4900" kern="1200" dirty="0" smtClean="0"/>
-            <a:t>操作方法</a:t>
-          </a:r>
-          <a:endParaRPr lang="ja-JP" sz="4900" kern="1200" dirty="0"/>
-        </a:p>
-      </dsp:txBody>
-      <dsp:txXfrm rot="-5400000">
-        <a:off x="953554" y="1209682"/>
-        <a:ext cx="9356983" cy="798995"/>
-      </dsp:txXfrm>
-    </dsp:sp>
-    <dsp:sp modelId="{340C2240-7123-43B0-BD0E-5364BEA3EB8C}">
-      <dsp:nvSpPr>
-        <dsp:cNvPr id="0" name=""/>
-        <dsp:cNvSpPr/>
-      </dsp:nvSpPr>
-      <dsp:spPr>
-        <a:xfrm rot="5400000">
-          <a:off x="-204333" y="2535531"/>
-          <a:ext cx="1362220" cy="953554"/>
-        </a:xfrm>
-        <a:prstGeom prst="chevron">
-          <a:avLst/>
-        </a:prstGeom>
-        <a:gradFill rotWithShape="0">
-          <a:gsLst>
-            <a:gs pos="0">
-              <a:schemeClr val="accent1">
-                <a:hueOff val="0"/>
-                <a:satOff val="0"/>
-                <a:lumOff val="0"/>
-                <a:alphaOff val="0"/>
-                <a:tint val="94000"/>
-                <a:satMod val="100000"/>
-                <a:lumMod val="104000"/>
-              </a:schemeClr>
-            </a:gs>
-            <a:gs pos="69000">
-              <a:schemeClr val="accent1">
-                <a:hueOff val="0"/>
-                <a:satOff val="0"/>
-                <a:lumOff val="0"/>
-                <a:alphaOff val="0"/>
-                <a:shade val="86000"/>
-                <a:satMod val="130000"/>
-                <a:lumMod val="102000"/>
-              </a:schemeClr>
-            </a:gs>
-            <a:gs pos="100000">
-              <a:schemeClr val="accent1">
-                <a:hueOff val="0"/>
-                <a:satOff val="0"/>
-                <a:lumOff val="0"/>
-                <a:alphaOff val="0"/>
-                <a:shade val="72000"/>
-                <a:satMod val="130000"/>
-                <a:lumMod val="100000"/>
-              </a:schemeClr>
-            </a:gs>
-          </a:gsLst>
-          <a:lin ang="5400000" scaled="0"/>
-        </a:gradFill>
-        <a:ln w="12700" cap="flat" cmpd="sng" algn="ctr">
-          <a:solidFill>
-            <a:schemeClr val="accent1">
-              <a:hueOff val="0"/>
-              <a:satOff val="0"/>
-              <a:lumOff val="0"/>
-              <a:alphaOff val="0"/>
-            </a:schemeClr>
-          </a:solidFill>
-          <a:prstDash val="solid"/>
-        </a:ln>
-        <a:effectLst>
-          <a:outerShdw blurRad="76200" dist="38100" dir="5400000" algn="ctr" rotWithShape="0">
-            <a:srgbClr val="000000">
-              <a:alpha val="76000"/>
-            </a:srgbClr>
-          </a:outerShdw>
-        </a:effectLst>
-        <a:scene3d>
-          <a:camera prst="orthographicFront">
-            <a:rot lat="0" lon="0" rev="0"/>
-          </a:camera>
-          <a:lightRig rig="balanced" dir="t"/>
-        </a:scene3d>
-        <a:sp3d prstMaterial="matte">
-          <a:bevelT w="25400" h="25400" prst="relaxedInset"/>
-        </a:sp3d>
-      </dsp:spPr>
-      <dsp:style>
-        <a:lnRef idx="1">
-          <a:scrgbClr r="0" g="0" b="0"/>
-        </a:lnRef>
-        <a:fillRef idx="3">
-          <a:scrgbClr r="0" g="0" b="0"/>
-        </a:fillRef>
-        <a:effectRef idx="3">
-          <a:scrgbClr r="0" g="0" b="0"/>
-        </a:effectRef>
-        <a:fontRef idx="minor">
-          <a:schemeClr val="lt1"/>
-        </a:fontRef>
-      </dsp:style>
-      <dsp:txBody>
-        <a:bodyPr spcFirstLastPara="0" vert="horz" wrap="square" lIns="17145" tIns="17145" rIns="17145" bIns="17145" numCol="1" spcCol="1270" anchor="ctr" anchorCtr="0">
-          <a:noAutofit/>
-        </a:bodyPr>
-        <a:lstStyle/>
-        <a:p>
-          <a:pPr lvl="0" algn="ctr" defTabSz="1200150" rtl="0">
-            <a:lnSpc>
-              <a:spcPct val="90000"/>
-            </a:lnSpc>
-            <a:spcBef>
-              <a:spcPct val="0"/>
-            </a:spcBef>
-            <a:spcAft>
-              <a:spcPct val="35000"/>
-            </a:spcAft>
-          </a:pPr>
-          <a:endParaRPr lang="ja-JP" sz="2700" kern="1200" dirty="0"/>
-        </a:p>
-      </dsp:txBody>
-      <dsp:txXfrm rot="-5400000">
-        <a:off x="0" y="2807975"/>
-        <a:ext cx="953554" cy="408666"/>
-      </dsp:txXfrm>
-    </dsp:sp>
-    <dsp:sp modelId="{08B816D3-9611-443D-A865-A448C23FFF06}">
-      <dsp:nvSpPr>
-        <dsp:cNvPr id="0" name=""/>
-        <dsp:cNvSpPr/>
-      </dsp:nvSpPr>
-      <dsp:spPr>
-        <a:xfrm rot="5400000">
-          <a:off x="5210936" y="-1926183"/>
-          <a:ext cx="885443" cy="9400207"/>
-        </a:xfrm>
-        <a:prstGeom prst="round2SameRect">
-          <a:avLst/>
-        </a:prstGeom>
-        <a:solidFill>
-          <a:schemeClr val="lt1">
-            <a:alpha val="90000"/>
-            <a:hueOff val="0"/>
-            <a:satOff val="0"/>
-            <a:lumOff val="0"/>
-            <a:alphaOff val="0"/>
-          </a:schemeClr>
-        </a:solidFill>
-        <a:ln w="12700" cap="flat" cmpd="sng" algn="ctr">
-          <a:solidFill>
-            <a:schemeClr val="accent1">
-              <a:hueOff val="0"/>
-              <a:satOff val="0"/>
-              <a:lumOff val="0"/>
-              <a:alphaOff val="0"/>
-            </a:schemeClr>
-          </a:solidFill>
-          <a:prstDash val="solid"/>
-        </a:ln>
-        <a:effectLst>
-          <a:outerShdw blurRad="50800" dist="38100" dir="5400000" sy="96000" rotWithShape="0">
-            <a:srgbClr val="000000">
-              <a:alpha val="54000"/>
-            </a:srgbClr>
-          </a:outerShdw>
-        </a:effectLst>
-      </dsp:spPr>
-      <dsp:style>
-        <a:lnRef idx="1">
-          <a:scrgbClr r="0" g="0" b="0"/>
-        </a:lnRef>
-        <a:fillRef idx="1">
-          <a:scrgbClr r="0" g="0" b="0"/>
-        </a:fillRef>
-        <a:effectRef idx="2">
-          <a:scrgbClr r="0" g="0" b="0"/>
-        </a:effectRef>
-        <a:fontRef idx="minor"/>
-      </dsp:style>
-      <dsp:txBody>
-        <a:bodyPr spcFirstLastPara="0" vert="horz" wrap="square" lIns="348488" tIns="31115" rIns="31115" bIns="31115" numCol="1" spcCol="1270" anchor="ctr" anchorCtr="0">
-          <a:noAutofit/>
-        </a:bodyPr>
-        <a:lstStyle/>
-        <a:p>
-          <a:pPr marL="285750" lvl="1" indent="-285750" algn="l" defTabSz="2178050" rtl="0">
-            <a:lnSpc>
-              <a:spcPct val="90000"/>
-            </a:lnSpc>
-            <a:spcBef>
-              <a:spcPct val="0"/>
-            </a:spcBef>
-            <a:spcAft>
-              <a:spcPct val="15000"/>
-            </a:spcAft>
-            <a:buChar char="••"/>
-          </a:pPr>
-          <a:r>
-            <a:rPr lang="ja-JP" altLang="en-US" sz="4900" kern="1200" dirty="0" smtClean="0"/>
-            <a:t>こだわったところ</a:t>
-          </a:r>
-          <a:endParaRPr lang="ja-JP" sz="4900" kern="1200" dirty="0"/>
-        </a:p>
-      </dsp:txBody>
-      <dsp:txXfrm rot="-5400000">
-        <a:off x="953554" y="2374423"/>
-        <a:ext cx="9356983" cy="798995"/>
-      </dsp:txXfrm>
-    </dsp:sp>
-  </dsp:spTree>
-</dsp:drawing>
-</file>
-
-<file path=ppt/diagrams/layout1.xml><?xml version="1.0" encoding="utf-8"?>
-<dgm:layoutDef xmlns:dgm="http://schemas.openxmlformats.org/drawingml/2006/diagram" xmlns:a="http://schemas.openxmlformats.org/drawingml/2006/main" uniqueId="urn:microsoft.com/office/officeart/2005/8/layout/chevron2">
-  <dgm:title val=""/>
-  <dgm:desc val=""/>
-  <dgm:catLst>
-    <dgm:cat type="process" pri="12000"/>
-    <dgm:cat type="list" pri="16000"/>
-    <dgm:cat type="convert" pri="11000"/>
-  </dgm:catLst>
-  <dgm:sampData>
-    <dgm:dataModel>
-      <dgm:ptLst>
-        <dgm:pt modelId="0" type="doc"/>
-        <dgm:pt modelId="1">
-          <dgm:prSet phldr="1"/>
-        </dgm:pt>
-        <dgm:pt modelId="11">
-          <dgm:prSet phldr="1"/>
-        </dgm:pt>
-        <dgm:pt modelId="12">
-          <dgm:prSet phldr="1"/>
-        </dgm:pt>
-        <dgm:pt modelId="2">
-          <dgm:prSet phldr="1"/>
-        </dgm:pt>
-        <dgm:pt modelId="21">
-          <dgm:prSet phldr="1"/>
-        </dgm:pt>
-        <dgm:pt modelId="22">
-          <dgm:prSet phldr="1"/>
-        </dgm:pt>
-        <dgm:pt modelId="3">
-          <dgm:prSet phldr="1"/>
-        </dgm:pt>
-        <dgm:pt modelId="31">
-          <dgm:prSet phldr="1"/>
-        </dgm:pt>
-        <dgm:pt modelId="32">
-          <dgm:prSet phldr="1"/>
-        </dgm:pt>
-      </dgm:ptLst>
-      <dgm:cxnLst>
-        <dgm:cxn modelId="4" srcId="0" destId="1" srcOrd="0" destOrd="0"/>
-        <dgm:cxn modelId="5" srcId="0" destId="2" srcOrd="1" destOrd="0"/>
-        <dgm:cxn modelId="6" srcId="0" destId="3" srcOrd="2" destOrd="0"/>
-        <dgm:cxn modelId="13" srcId="1" destId="11" srcOrd="0" destOrd="0"/>
-        <dgm:cxn modelId="14" srcId="1" destId="12" srcOrd="1" destOrd="0"/>
-        <dgm:cxn modelId="23" srcId="2" destId="21" srcOrd="0" destOrd="0"/>
-        <dgm:cxn modelId="24" srcId="2" destId="22" srcOrd="1" destOrd="0"/>
-        <dgm:cxn modelId="33" srcId="3" destId="31" srcOrd="0" destOrd="0"/>
-        <dgm:cxn modelId="34" srcId="3" destId="32" srcOrd="1" destOrd="0"/>
-      </dgm:cxnLst>
-      <dgm:bg/>
-      <dgm:whole/>
-    </dgm:dataModel>
-  </dgm:sampData>
-  <dgm:styleData>
-    <dgm:dataModel>
-      <dgm:ptLst>
-        <dgm:pt modelId="0" type="doc"/>
-        <dgm:pt modelId="1"/>
-      </dgm:ptLst>
-      <dgm:cxnLst>
-        <dgm:cxn modelId="4" srcId="0" destId="1" srcOrd="0" destOrd="0"/>
-      </dgm:cxnLst>
-      <dgm:bg/>
-      <dgm:whole/>
-    </dgm:dataModel>
-  </dgm:styleData>
-  <dgm:clrData>
-    <dgm:dataModel>
-      <dgm:ptLst>
-        <dgm:pt modelId="0" type="doc"/>
-        <dgm:pt modelId="1"/>
-        <dgm:pt modelId="11"/>
-        <dgm:pt modelId="2"/>
-        <dgm:pt modelId="21"/>
-        <dgm:pt modelId="3"/>
-        <dgm:pt modelId="31"/>
-        <dgm:pt modelId="4"/>
-        <dgm:pt modelId="41"/>
-      </dgm:ptLst>
-      <dgm:cxnLst>
-        <dgm:cxn modelId="5" srcId="0" destId="1" srcOrd="0" destOrd="0"/>
-        <dgm:cxn modelId="6" srcId="0" destId="2" srcOrd="1" destOrd="0"/>
-        <dgm:cxn modelId="7" srcId="0" destId="3" srcOrd="2" destOrd="0"/>
-        <dgm:cxn modelId="8" srcId="0" destId="4" srcOrd="3" destOrd="0"/>
-        <dgm:cxn modelId="13" srcId="1" destId="11" srcOrd="0" destOrd="0"/>
-        <dgm:cxn modelId="23" srcId="2" destId="21" srcOrd="0" destOrd="0"/>
-        <dgm:cxn modelId="33" srcId="3" destId="31" srcOrd="0" destOrd="0"/>
-        <dgm:cxn modelId="43" srcId="4" destId="41" srcOrd="0" destOrd="0"/>
-      </dgm:cxnLst>
-      <dgm:bg/>
-      <dgm:whole/>
-    </dgm:dataModel>
-  </dgm:clrData>
-  <dgm:layoutNode name="linearFlow">
-    <dgm:varLst>
-      <dgm:dir/>
-      <dgm:animLvl val="lvl"/>
-      <dgm:resizeHandles val="exact"/>
-    </dgm:varLst>
-    <dgm:alg type="lin">
-      <dgm:param type="linDir" val="fromT"/>
-      <dgm:param type="nodeHorzAlign" val="l"/>
-    </dgm:alg>
-    <dgm:shape xmlns:r="http://schemas.openxmlformats.org/officeDocument/2006/relationships" r:blip="">
-      <dgm:adjLst/>
-    </dgm:shape>
-    <dgm:presOf/>
-    <dgm:constrLst>
-      <dgm:constr type="h" for="ch" forName="composite" refType="h"/>
-      <dgm:constr type="w" for="ch" forName="composite" refType="w"/>
-      <dgm:constr type="h" for="des" forName="parentText" op="equ"/>
-      <dgm:constr type="h" for="ch" forName="sp" val="-14.88"/>
-      <dgm:constr type="h" for="ch" forName="sp" refType="w" refFor="des" refForName="parentText" op="gte" fact="-0.3"/>
-      <dgm:constr type="primFontSz" for="des" forName="parentText" op="equ" val="65"/>
-      <dgm:constr type="primFontSz" for="des" forName="descendantText" op="equ" val="65"/>
-    </dgm:constrLst>
-    <dgm:ruleLst/>
-    <dgm:forEach name="Name0" axis="ch" ptType="node">
-      <dgm:layoutNode name="composite">
-        <dgm:alg type="composite"/>
-        <dgm:shape xmlns:r="http://schemas.openxmlformats.org/officeDocument/2006/relationships" r:blip="">
-          <dgm:adjLst/>
-        </dgm:shape>
-        <dgm:presOf/>
-        <dgm:choose name="Name1">
-          <dgm:if name="Name2" func="var" arg="dir" op="equ" val="norm">
-            <dgm:constrLst>
-              <dgm:constr type="t" for="ch" forName="parentText"/>
-              <dgm:constr type="l" for="ch" forName="parentText"/>
-              <dgm:constr type="w" for="ch" forName="parentText" refType="w" fact="0.4"/>
-              <dgm:constr type="h" for="ch" forName="parentText" refType="h"/>
-              <dgm:constr type="w" for="ch" forName="parentText" refType="w" op="lte" fact="0.5"/>
-              <dgm:constr type="w" for="ch" forName="parentText" refType="h" refFor="ch" refForName="parentText" op="lte" fact="0.7"/>
-              <dgm:constr type="h" for="ch" forName="parentText" refType="w" refFor="ch" refForName="parentText" op="lte" fact="3"/>
-              <dgm:constr type="l" for="ch" forName="descendantText" refType="w" refFor="ch" refForName="parentText"/>
-              <dgm:constr type="w" for="ch" forName="descendantText" refType="w"/>
-              <dgm:constr type="wOff" for="ch" forName="descendantText" refType="w" refFor="ch" refForName="parentText" fact="-1"/>
-              <dgm:constr type="t" for="ch" forName="descendantText"/>
-              <dgm:constr type="b" for="ch" forName="descendantText" refType="h" refFor="ch" refForName="parentText"/>
-              <dgm:constr type="bOff" for="ch" forName="descendantText" refType="w" refFor="ch" refForName="parentText" fact="-0.5"/>
-            </dgm:constrLst>
-          </dgm:if>
-          <dgm:else name="Name3">
-            <dgm:constrLst>
-              <dgm:constr type="t" for="ch" forName="parentText"/>
-              <dgm:constr type="r" for="ch" forName="parentText" refType="w"/>
-              <dgm:constr type="w" for="ch" forName="parentText" refType="w" fact="0.4"/>
-              <dgm:constr type="h" for="ch" forName="parentText" refType="h"/>
-              <dgm:constr type="w" for="ch" forName="parentText" refType="w" op="lte" fact="0.5"/>
-              <dgm:constr type="w" for="ch" forName="parentText" refType="h" refFor="ch" refForName="parentText" op="lte" fact="0.7"/>
-              <dgm:constr type="h" for="ch" forName="parentText" refType="w" refFor="ch" refForName="parentText" op="lte" fact="3"/>
-              <dgm:constr type="l" for="ch" forName="descendantText"/>
-              <dgm:constr type="w" for="ch" forName="descendantText" refType="w"/>
-              <dgm:constr type="wOff" for="ch" forName="descendantText" refType="w" refFor="ch" refForName="parentText" fact="-1"/>
-              <dgm:constr type="t" for="ch" forName="descendantText"/>
-              <dgm:constr type="b" for="ch" forName="descendantText" refType="h" refFor="ch" refForName="parentText"/>
-              <dgm:constr type="bOff" for="ch" forName="descendantText" refType="w" refFor="ch" refForName="parentText" fact="-0.5"/>
-            </dgm:constrLst>
-          </dgm:else>
-        </dgm:choose>
-        <dgm:ruleLst/>
-        <dgm:layoutNode name="parentText" styleLbl="alignNode1">
-          <dgm:varLst>
-            <dgm:chMax val="1"/>
-            <dgm:bulletEnabled val="1"/>
-          </dgm:varLst>
-          <dgm:alg type="tx"/>
-          <dgm:shape xmlns:r="http://schemas.openxmlformats.org/officeDocument/2006/relationships" rot="90" type="chevron" r:blip="">
-            <dgm:adjLst/>
-          </dgm:shape>
-          <dgm:presOf axis="self" ptType="node"/>
-          <dgm:constrLst>
-            <dgm:constr type="lMarg" refType="primFontSz" fact="0.05"/>
-            <dgm:constr type="rMarg" refType="primFontSz" fact="0.05"/>
-            <dgm:constr type="tMarg" refType="primFontSz" fact="0.05"/>
-            <dgm:constr type="bMarg" refType="primFontSz" fact="0.05"/>
-          </dgm:constrLst>
-          <dgm:ruleLst>
-            <dgm:rule type="h" val="100" fact="NaN" max="NaN"/>
-            <dgm:rule type="primFontSz" val="24" fact="NaN" max="NaN"/>
-            <dgm:rule type="h" val="110" fact="NaN" max="NaN"/>
-            <dgm:rule type="primFontSz" val="18" fact="NaN" max="NaN"/>
-            <dgm:rule type="h" val="INF" fact="NaN" max="NaN"/>
-            <dgm:rule type="primFontSz" val="5" fact="NaN" max="NaN"/>
-          </dgm:ruleLst>
-        </dgm:layoutNode>
-        <dgm:layoutNode name="descendantText" styleLbl="alignAcc1">
-          <dgm:varLst>
-            <dgm:bulletEnabled val="1"/>
-          </dgm:varLst>
-          <dgm:choose name="Name4">
-            <dgm:if name="Name5" func="var" arg="dir" op="equ" val="norm">
-              <dgm:alg type="tx">
-                <dgm:param type="stBulletLvl" val="1"/>
-                <dgm:param type="txAnchorVertCh" val="mid"/>
-              </dgm:alg>
-              <dgm:shape xmlns:r="http://schemas.openxmlformats.org/officeDocument/2006/relationships" rot="90" type="round2SameRect" r:blip="">
-                <dgm:adjLst/>
-              </dgm:shape>
-            </dgm:if>
-            <dgm:else name="Name6">
-              <dgm:alg type="tx">
-                <dgm:param type="stBulletLvl" val="1"/>
-                <dgm:param type="txAnchorVertCh" val="mid"/>
-              </dgm:alg>
-              <dgm:shape xmlns:r="http://schemas.openxmlformats.org/officeDocument/2006/relationships" rot="-90" type="round2SameRect" r:blip="">
-                <dgm:adjLst/>
-              </dgm:shape>
-            </dgm:else>
-          </dgm:choose>
-          <dgm:presOf axis="des" ptType="node"/>
-          <dgm:choose name="Name7">
-            <dgm:if name="Name8" func="var" arg="dir" op="equ" val="norm">
-              <dgm:constrLst>
-                <dgm:constr type="secFontSz" refType="primFontSz"/>
-                <dgm:constr type="tMarg" refType="primFontSz" fact="0.05"/>
-                <dgm:constr type="bMarg" refType="primFontSz" fact="0.05"/>
-                <dgm:constr type="rMarg" refType="primFontSz" fact="0.05"/>
-              </dgm:constrLst>
-            </dgm:if>
-            <dgm:else name="Name9">
-              <dgm:constrLst>
-                <dgm:constr type="secFontSz" refType="primFontSz"/>
-                <dgm:constr type="tMarg" refType="primFontSz" fact="0.05"/>
-                <dgm:constr type="bMarg" refType="primFontSz" fact="0.05"/>
-                <dgm:constr type="lMarg" refType="primFontSz" fact="0.05"/>
-              </dgm:constrLst>
-            </dgm:else>
-          </dgm:choose>
-          <dgm:ruleLst>
-            <dgm:rule type="primFontSz" val="5" fact="NaN" max="NaN"/>
-          </dgm:ruleLst>
-        </dgm:layoutNode>
-      </dgm:layoutNode>
-      <dgm:forEach name="Name10" axis="followSib" ptType="sibTrans" cnt="1">
-        <dgm:layoutNode name="sp">
-          <dgm:alg type="sp"/>
-          <dgm:shape xmlns:r="http://schemas.openxmlformats.org/officeDocument/2006/relationships" r:blip="">
-            <dgm:adjLst/>
-          </dgm:shape>
-          <dgm:presOf axis="self"/>
-          <dgm:constrLst>
-            <dgm:constr type="w" val="1"/>
-            <dgm:constr type="h" val="37.5"/>
-          </dgm:constrLst>
-          <dgm:ruleLst/>
-        </dgm:layoutNode>
-      </dgm:forEach>
-    </dgm:forEach>
-  </dgm:layoutNode>
-</dgm:layoutDef>
-</file>
-
-<file path=ppt/diagrams/quickStyle1.xml><?xml version="1.0" encoding="utf-8"?>
-<dgm:styleDef xmlns:dgm="http://schemas.openxmlformats.org/drawingml/2006/diagram" xmlns:a="http://schemas.openxmlformats.org/drawingml/2006/main" uniqueId="urn:microsoft.com/office/officeart/2005/8/quickstyle/simple5">
-  <dgm:title val=""/>
-  <dgm:desc val=""/>
-  <dgm:catLst>
-    <dgm:cat type="simple" pri="10500"/>
-  </dgm:catLst>
-  <dgm:scene3d>
-    <a:camera prst="orthographicFront"/>
-    <a:lightRig rig="threePt" dir="t"/>
-  </dgm:scene3d>
-  <dgm:styleLbl name="node0">
-    <dgm:scene3d>
-      <a:camera prst="orthographicFront"/>
-      <a:lightRig rig="threePt" dir="t"/>
-    </dgm:scene3d>
-    <dgm:sp3d/>
-    <dgm:txPr/>
-    <dgm:style>
-      <a:lnRef idx="0">
-        <a:scrgbClr r="0" g="0" b="0"/>
-      </a:lnRef>
-      <a:fillRef idx="3">
-        <a:scrgbClr r="0" g="0" b="0"/>
-      </a:fillRef>
-      <a:effectRef idx="3">
-        <a:scrgbClr r="0" g="0" b="0"/>
-      </a:effectRef>
-      <a:fontRef idx="minor">
-        <a:schemeClr val="lt1"/>
-      </a:fontRef>
-    </dgm:style>
-  </dgm:styleLbl>
-  <dgm:styleLbl name="lnNode1">
-    <dgm:scene3d>
-      <a:camera prst="orthographicFront"/>
-      <a:lightRig rig="threePt" dir="t"/>
-    </dgm:scene3d>
-    <dgm:sp3d/>
-    <dgm:txPr/>
-    <dgm:style>
-      <a:lnRef idx="0">
-        <a:scrgbClr r="0" g="0" b="0"/>
-      </a:lnRef>
-      <a:fillRef idx="3">
-        <a:scrgbClr r="0" g="0" b="0"/>
-      </a:fillRef>
-      <a:effectRef idx="3">
-        <a:scrgbClr r="0" g="0" b="0"/>
-      </a:effectRef>
-      <a:fontRef idx="minor">
-        <a:schemeClr val="lt1"/>
-      </a:fontRef>
-    </dgm:style>
-  </dgm:styleLbl>
-  <dgm:styleLbl name="vennNode1">
-    <dgm:scene3d>
-      <a:camera prst="orthographicFront"/>
-      <a:lightRig rig="threePt" dir="t"/>
-    </dgm:scene3d>
-    <dgm:sp3d/>
-    <dgm:txPr/>
-    <dgm:style>
-      <a:lnRef idx="0">
-        <a:scrgbClr r="0" g="0" b="0"/>
-      </a:lnRef>
-      <a:fillRef idx="3">
-        <a:scrgbClr r="0" g="0" b="0"/>
-      </a:fillRef>
-      <a:effectRef idx="3">
-        <a:scrgbClr r="0" g="0" b="0"/>
-      </a:effectRef>
-      <a:fontRef idx="minor">
-        <a:schemeClr val="tx1"/>
-      </a:fontRef>
-    </dgm:style>
-  </dgm:styleLbl>
-  <dgm:styleLbl name="alignNode1">
-    <dgm:scene3d>
-      <a:camera prst="orthographicFront"/>
-      <a:lightRig rig="threePt" dir="t"/>
-    </dgm:scene3d>
-    <dgm:sp3d/>
-    <dgm:txPr/>
-    <dgm:style>
-      <a:lnRef idx="1">
-        <a:scrgbClr r="0" g="0" b="0"/>
-      </a:lnRef>
-      <a:fillRef idx="3">
-        <a:scrgbClr r="0" g="0" b="0"/>
-      </a:fillRef>
-      <a:effectRef idx="3">
-        <a:scrgbClr r="0" g="0" b="0"/>
-      </a:effectRef>
-      <a:fontRef idx="minor">
-        <a:schemeClr val="lt1"/>
-      </a:fontRef>
-    </dgm:style>
-  </dgm:styleLbl>
-  <dgm:styleLbl name="node1">
-    <dgm:scene3d>
-      <a:camera prst="orthographicFront"/>
-      <a:lightRig rig="threePt" dir="t"/>
-    </dgm:scene3d>
-    <dgm:sp3d/>
-    <dgm:txPr/>
-    <dgm:style>
-      <a:lnRef idx="0">
-        <a:scrgbClr r="0" g="0" b="0"/>
-      </a:lnRef>
-      <a:fillRef idx="3">
-        <a:scrgbClr r="0" g="0" b="0"/>
-      </a:fillRef>
-      <a:effectRef idx="3">
-        <a:scrgbClr r="0" g="0" b="0"/>
-      </a:effectRef>
-      <a:fontRef idx="minor">
-        <a:schemeClr val="lt1"/>
-      </a:fontRef>
-    </dgm:style>
-  </dgm:styleLbl>
-  <dgm:styleLbl name="node2">
-    <dgm:scene3d>
-      <a:camera prst="orthographicFront"/>
-      <a:lightRig rig="threePt" dir="t"/>
-    </dgm:scene3d>
-    <dgm:sp3d/>
-    <dgm:txPr/>
-    <dgm:style>
-      <a:lnRef idx="0">
-        <a:scrgbClr r="0" g="0" b="0"/>
-      </a:lnRef>
-      <a:fillRef idx="3">
-        <a:scrgbClr r="0" g="0" b="0"/>
-      </a:fillRef>
-      <a:effectRef idx="3">
-        <a:scrgbClr r="0" g="0" b="0"/>
-      </a:effectRef>
-      <a:fontRef idx="minor">
-        <a:schemeClr val="lt1"/>
-      </a:fontRef>
-    </dgm:style>
-  </dgm:styleLbl>
-  <dgm:styleLbl name="node3">
-    <dgm:scene3d>
-      <a:camera prst="orthographicFront"/>
-      <a:lightRig rig="threePt" dir="t"/>
-    </dgm:scene3d>
-    <dgm:sp3d/>
-    <dgm:txPr/>
-    <dgm:style>
-      <a:lnRef idx="0">
-        <a:scrgbClr r="0" g="0" b="0"/>
-      </a:lnRef>
-      <a:fillRef idx="3">
-        <a:scrgbClr r="0" g="0" b="0"/>
-      </a:fillRef>
-      <a:effectRef idx="3">
-        <a:scrgbClr r="0" g="0" b="0"/>
-      </a:effectRef>
-      <a:fontRef idx="minor">
-        <a:schemeClr val="lt1"/>
-      </a:fontRef>
-    </dgm:style>
-  </dgm:styleLbl>
-  <dgm:styleLbl name="node4">
-    <dgm:scene3d>
-      <a:camera prst="orthographicFront"/>
-      <a:lightRig rig="threePt" dir="t"/>
-    </dgm:scene3d>
-    <dgm:sp3d/>
-    <dgm:txPr/>
-    <dgm:style>
-      <a:lnRef idx="0">
-        <a:scrgbClr r="0" g="0" b="0"/>
-      </a:lnRef>
-      <a:fillRef idx="3">
-        <a:scrgbClr r="0" g="0" b="0"/>
-      </a:fillRef>
-      <a:effectRef idx="3">
-        <a:scrgbClr r="0" g="0" b="0"/>
-      </a:effectRef>
-      <a:fontRef idx="minor">
-        <a:schemeClr val="lt1"/>
-      </a:fontRef>
-    </dgm:style>
-  </dgm:styleLbl>
-  <dgm:styleLbl name="fgImgPlace1">
-    <dgm:scene3d>
-      <a:camera prst="orthographicFront"/>
-      <a:lightRig rig="threePt" dir="t"/>
-    </dgm:scene3d>
-    <dgm:sp3d/>
-    <dgm:txPr/>
-    <dgm:style>
-      <a:lnRef idx="0">
-        <a:scrgbClr r="0" g="0" b="0"/>
-      </a:lnRef>
-      <a:fillRef idx="1">
-        <a:scrgbClr r="0" g="0" b="0"/>
-      </a:fillRef>
-      <a:effectRef idx="3">
-        <a:scrgbClr r="0" g="0" b="0"/>
-      </a:effectRef>
-      <a:fontRef idx="minor"/>
-    </dgm:style>
-  </dgm:styleLbl>
-  <dgm:styleLbl name="alignImgPlace1">
-    <dgm:scene3d>
-      <a:camera prst="orthographicFront"/>
-      <a:lightRig rig="threePt" dir="t"/>
-    </dgm:scene3d>
-    <dgm:sp3d/>
-    <dgm:txPr/>
-    <dgm:style>
-      <a:lnRef idx="0">
-        <a:scrgbClr r="0" g="0" b="0"/>
-      </a:lnRef>
-      <a:fillRef idx="1">
-        <a:scrgbClr r="0" g="0" b="0"/>
-      </a:fillRef>
-      <a:effectRef idx="3">
-        <a:scrgbClr r="0" g="0" b="0"/>
-      </a:effectRef>
-      <a:fontRef idx="minor"/>
-    </dgm:style>
-  </dgm:styleLbl>
-  <dgm:styleLbl name="bgImgPlace1">
-    <dgm:scene3d>
-      <a:camera prst="orthographicFront"/>
-      <a:lightRig rig="threePt" dir="t"/>
-    </dgm:scene3d>
-    <dgm:sp3d/>
-    <dgm:txPr/>
-    <dgm:style>
-      <a:lnRef idx="0">
-        <a:scrgbClr r="0" g="0" b="0"/>
-      </a:lnRef>
-      <a:fillRef idx="1">
-        <a:scrgbClr r="0" g="0" b="0"/>
-      </a:fillRef>
-      <a:effectRef idx="3">
-        <a:scrgbClr r="0" g="0" b="0"/>
-      </a:effectRef>
-      <a:fontRef idx="minor"/>
-    </dgm:style>
-  </dgm:styleLbl>
-  <dgm:styleLbl name="sibTrans2D1">
-    <dgm:scene3d>
-      <a:camera prst="orthographicFront"/>
-      <a:lightRig rig="threePt" dir="t"/>
-    </dgm:scene3d>
-    <dgm:sp3d/>
-    <dgm:txPr/>
-    <dgm:style>
-      <a:lnRef idx="0">
-        <a:scrgbClr r="0" g="0" b="0"/>
-      </a:lnRef>
-      <a:fillRef idx="3">
-        <a:scrgbClr r="0" g="0" b="0"/>
-      </a:fillRef>
-      <a:effectRef idx="3">
-        <a:scrgbClr r="0" g="0" b="0"/>
-      </a:effectRef>
-      <a:fontRef idx="minor">
-        <a:schemeClr val="lt1"/>
-      </a:fontRef>
-    </dgm:style>
-  </dgm:styleLbl>
-  <dgm:styleLbl name="fgSibTrans2D1">
-    <dgm:scene3d>
-      <a:camera prst="orthographicFront"/>
-      <a:lightRig rig="threePt" dir="t"/>
-    </dgm:scene3d>
-    <dgm:sp3d/>
-    <dgm:txPr/>
-    <dgm:style>
-      <a:lnRef idx="0">
-        <a:scrgbClr r="0" g="0" b="0"/>
-      </a:lnRef>
-      <a:fillRef idx="3">
-        <a:scrgbClr r="0" g="0" b="0"/>
-      </a:fillRef>
-      <a:effectRef idx="3">
-        <a:scrgbClr r="0" g="0" b="0"/>
-      </a:effectRef>
-      <a:fontRef idx="minor">
-        <a:schemeClr val="lt1"/>
-      </a:fontRef>
-    </dgm:style>
-  </dgm:styleLbl>
-  <dgm:styleLbl name="bgSibTrans2D1">
-    <dgm:scene3d>
-      <a:camera prst="orthographicFront"/>
-      <a:lightRig rig="threePt" dir="t"/>
-    </dgm:scene3d>
-    <dgm:sp3d/>
-    <dgm:txPr/>
-    <dgm:style>
-      <a:lnRef idx="0">
-        <a:scrgbClr r="0" g="0" b="0"/>
-      </a:lnRef>
-      <a:fillRef idx="3">
-        <a:scrgbClr r="0" g="0" b="0"/>
-      </a:fillRef>
-      <a:effectRef idx="3">
-        <a:scrgbClr r="0" g="0" b="0"/>
-      </a:effectRef>
-      <a:fontRef idx="minor">
-        <a:schemeClr val="lt1"/>
-      </a:fontRef>
-    </dgm:style>
-  </dgm:styleLbl>
-  <dgm:styleLbl name="sibTrans1D1">
-    <dgm:scene3d>
-      <a:camera prst="orthographicFront"/>
-      <a:lightRig rig="threePt" dir="t"/>
-    </dgm:scene3d>
-    <dgm:sp3d/>
-    <dgm:txPr/>
-    <dgm:style>
-      <a:lnRef idx="1">
-        <a:scrgbClr r="0" g="0" b="0"/>
-      </a:lnRef>
-      <a:fillRef idx="0">
-        <a:scrgbClr r="0" g="0" b="0"/>
-      </a:fillRef>
-      <a:effectRef idx="0">
-        <a:scrgbClr r="0" g="0" b="0"/>
-      </a:effectRef>
-      <a:fontRef idx="minor"/>
-    </dgm:style>
-  </dgm:styleLbl>
-  <dgm:styleLbl name="callout">
-    <dgm:scene3d>
-      <a:camera prst="orthographicFront"/>
-      <a:lightRig rig="threePt" dir="t"/>
-    </dgm:scene3d>
-    <dgm:sp3d/>
-    <dgm:txPr/>
-    <dgm:style>
-      <a:lnRef idx="1">
-        <a:scrgbClr r="0" g="0" b="0"/>
-      </a:lnRef>
-      <a:fillRef idx="0">
-        <a:scrgbClr r="0" g="0" b="0"/>
-      </a:fillRef>
-      <a:effectRef idx="1">
-        <a:scrgbClr r="0" g="0" b="0"/>
-      </a:effectRef>
-      <a:fontRef idx="minor"/>
-    </dgm:style>
-  </dgm:styleLbl>
-  <dgm:styleLbl name="asst0">
-    <dgm:scene3d>
-      <a:camera prst="orthographicFront"/>
-      <a:lightRig rig="threePt" dir="t"/>
-    </dgm:scene3d>
-    <dgm:sp3d/>
-    <dgm:txPr/>
-    <dgm:style>
-      <a:lnRef idx="0">
-        <a:scrgbClr r="0" g="0" b="0"/>
-      </a:lnRef>
-      <a:fillRef idx="3">
-        <a:scrgbClr r="0" g="0" b="0"/>
-      </a:fillRef>
-      <a:effectRef idx="3">
-        <a:scrgbClr r="0" g="0" b="0"/>
-      </a:effectRef>
-      <a:fontRef idx="minor">
-        <a:schemeClr val="lt1"/>
-      </a:fontRef>
-    </dgm:style>
-  </dgm:styleLbl>
-  <dgm:styleLbl name="asst1">
-    <dgm:scene3d>
-      <a:camera prst="orthographicFront"/>
-      <a:lightRig rig="threePt" dir="t"/>
-    </dgm:scene3d>
-    <dgm:sp3d/>
-    <dgm:txPr/>
-    <dgm:style>
-      <a:lnRef idx="0">
-        <a:scrgbClr r="0" g="0" b="0"/>
-      </a:lnRef>
-      <a:fillRef idx="3">
-        <a:scrgbClr r="0" g="0" b="0"/>
-      </a:fillRef>
-      <a:effectRef idx="3">
-        <a:scrgbClr r="0" g="0" b="0"/>
-      </a:effectRef>
-      <a:fontRef idx="minor">
-        <a:schemeClr val="lt1"/>
-      </a:fontRef>
-    </dgm:style>
-  </dgm:styleLbl>
-  <dgm:styleLbl name="asst2">
-    <dgm:scene3d>
-      <a:camera prst="orthographicFront"/>
-      <a:lightRig rig="threePt" dir="t"/>
-    </dgm:scene3d>
-    <dgm:sp3d/>
-    <dgm:txPr/>
-    <dgm:style>
-      <a:lnRef idx="0">
-        <a:scrgbClr r="0" g="0" b="0"/>
-      </a:lnRef>
-      <a:fillRef idx="3">
-        <a:scrgbClr r="0" g="0" b="0"/>
-      </a:fillRef>
-      <a:effectRef idx="3">
-        <a:scrgbClr r="0" g="0" b="0"/>
-      </a:effectRef>
-      <a:fontRef idx="minor">
-        <a:schemeClr val="lt1"/>
-      </a:fontRef>
-    </dgm:style>
-  </dgm:styleLbl>
-  <dgm:styleLbl name="asst3">
-    <dgm:scene3d>
-      <a:camera prst="orthographicFront"/>
-      <a:lightRig rig="threePt" dir="t"/>
-    </dgm:scene3d>
-    <dgm:sp3d/>
-    <dgm:txPr/>
-    <dgm:style>
-      <a:lnRef idx="0">
-        <a:scrgbClr r="0" g="0" b="0"/>
-      </a:lnRef>
-      <a:fillRef idx="3">
-        <a:scrgbClr r="0" g="0" b="0"/>
-      </a:fillRef>
-      <a:effectRef idx="3">
-        <a:scrgbClr r="0" g="0" b="0"/>
-      </a:effectRef>
-      <a:fontRef idx="minor">
-        <a:schemeClr val="lt1"/>
-      </a:fontRef>
-    </dgm:style>
-  </dgm:styleLbl>
-  <dgm:styleLbl name="asst4">
-    <dgm:scene3d>
-      <a:camera prst="orthographicFront"/>
-      <a:lightRig rig="threePt" dir="t"/>
-    </dgm:scene3d>
-    <dgm:sp3d/>
-    <dgm:txPr/>
-    <dgm:style>
-      <a:lnRef idx="0">
-        <a:scrgbClr r="0" g="0" b="0"/>
-      </a:lnRef>
-      <a:fillRef idx="3">
-        <a:scrgbClr r="0" g="0" b="0"/>
-      </a:fillRef>
-      <a:effectRef idx="3">
-        <a:scrgbClr r="0" g="0" b="0"/>
-      </a:effectRef>
-      <a:fontRef idx="minor">
-        <a:schemeClr val="lt1"/>
-      </a:fontRef>
-    </dgm:style>
-  </dgm:styleLbl>
-  <dgm:styleLbl name="parChTrans2D1">
-    <dgm:scene3d>
-      <a:camera prst="orthographicFront"/>
-      <a:lightRig rig="threePt" dir="t"/>
-    </dgm:scene3d>
-    <dgm:sp3d/>
-    <dgm:txPr/>
-    <dgm:style>
-      <a:lnRef idx="0">
-        <a:scrgbClr r="0" g="0" b="0"/>
-      </a:lnRef>
-      <a:fillRef idx="3">
-        <a:scrgbClr r="0" g="0" b="0"/>
-      </a:fillRef>
-      <a:effectRef idx="3">
-        <a:scrgbClr r="0" g="0" b="0"/>
-      </a:effectRef>
-      <a:fontRef idx="minor">
-        <a:schemeClr val="lt1"/>
-      </a:fontRef>
-    </dgm:style>
-  </dgm:styleLbl>
-  <dgm:styleLbl name="parChTrans2D2">
-    <dgm:scene3d>
-      <a:camera prst="orthographicFront"/>
-      <a:lightRig rig="threePt" dir="t"/>
-    </dgm:scene3d>
-    <dgm:sp3d/>
-    <dgm:txPr/>
-    <dgm:style>
-      <a:lnRef idx="0">
-        <a:scrgbClr r="0" g="0" b="0"/>
-      </a:lnRef>
-      <a:fillRef idx="3">
-        <a:scrgbClr r="0" g="0" b="0"/>
-      </a:fillRef>
-      <a:effectRef idx="3">
-        <a:scrgbClr r="0" g="0" b="0"/>
-      </a:effectRef>
-      <a:fontRef idx="minor">
-        <a:schemeClr val="lt1"/>
-      </a:fontRef>
-    </dgm:style>
-  </dgm:styleLbl>
-  <dgm:styleLbl name="parChTrans2D3">
-    <dgm:scene3d>
-      <a:camera prst="orthographicFront"/>
-      <a:lightRig rig="threePt" dir="t"/>
-    </dgm:scene3d>
-    <dgm:sp3d/>
-    <dgm:txPr/>
-    <dgm:style>
-      <a:lnRef idx="0">
-        <a:scrgbClr r="0" g="0" b="0"/>
-      </a:lnRef>
-      <a:fillRef idx="3">
-        <a:scrgbClr r="0" g="0" b="0"/>
-      </a:fillRef>
-      <a:effectRef idx="3">
-        <a:scrgbClr r="0" g="0" b="0"/>
-      </a:effectRef>
-      <a:fontRef idx="minor">
-        <a:schemeClr val="lt1"/>
-      </a:fontRef>
-    </dgm:style>
-  </dgm:styleLbl>
-  <dgm:styleLbl name="parChTrans2D4">
-    <dgm:scene3d>
-      <a:camera prst="orthographicFront"/>
-      <a:lightRig rig="threePt" dir="t"/>
-    </dgm:scene3d>
-    <dgm:sp3d/>
-    <dgm:txPr/>
-    <dgm:style>
-      <a:lnRef idx="0">
-        <a:scrgbClr r="0" g="0" b="0"/>
-      </a:lnRef>
-      <a:fillRef idx="3">
-        <a:scrgbClr r="0" g="0" b="0"/>
-      </a:fillRef>
-      <a:effectRef idx="3">
-        <a:scrgbClr r="0" g="0" b="0"/>
-      </a:effectRef>
-      <a:fontRef idx="minor">
-        <a:schemeClr val="lt1"/>
-      </a:fontRef>
-    </dgm:style>
-  </dgm:styleLbl>
-  <dgm:styleLbl name="parChTrans1D1">
-    <dgm:scene3d>
-      <a:camera prst="orthographicFront"/>
-      <a:lightRig rig="threePt" dir="t"/>
-    </dgm:scene3d>
-    <dgm:sp3d/>
-    <dgm:txPr/>
-    <dgm:style>
-      <a:lnRef idx="2">
-        <a:scrgbClr r="0" g="0" b="0"/>
-      </a:lnRef>
-      <a:fillRef idx="0">
-        <a:scrgbClr r="0" g="0" b="0"/>
-      </a:fillRef>
-      <a:effectRef idx="0">
-        <a:scrgbClr r="0" g="0" b="0"/>
-      </a:effectRef>
-      <a:fontRef idx="minor"/>
-    </dgm:style>
-  </dgm:styleLbl>
-  <dgm:styleLbl name="parChTrans1D2">
-    <dgm:scene3d>
-      <a:camera prst="orthographicFront"/>
-      <a:lightRig rig="threePt" dir="t"/>
-    </dgm:scene3d>
-    <dgm:sp3d/>
-    <dgm:txPr/>
-    <dgm:style>
-      <a:lnRef idx="2">
-        <a:scrgbClr r="0" g="0" b="0"/>
-      </a:lnRef>
-      <a:fillRef idx="0">
-        <a:scrgbClr r="0" g="0" b="0"/>
-      </a:fillRef>
-      <a:effectRef idx="0">
-        <a:scrgbClr r="0" g="0" b="0"/>
-      </a:effectRef>
-      <a:fontRef idx="minor"/>
-    </dgm:style>
-  </dgm:styleLbl>
-  <dgm:styleLbl name="parChTrans1D3">
-    <dgm:scene3d>
-      <a:camera prst="orthographicFront"/>
-      <a:lightRig rig="threePt" dir="t"/>
-    </dgm:scene3d>
-    <dgm:sp3d/>
-    <dgm:txPr/>
-    <dgm:style>
-      <a:lnRef idx="2">
-        <a:scrgbClr r="0" g="0" b="0"/>
-      </a:lnRef>
-      <a:fillRef idx="0">
-        <a:scrgbClr r="0" g="0" b="0"/>
-      </a:fillRef>
-      <a:effectRef idx="0">
-        <a:scrgbClr r="0" g="0" b="0"/>
-      </a:effectRef>
-      <a:fontRef idx="minor"/>
-    </dgm:style>
-  </dgm:styleLbl>
-  <dgm:styleLbl name="parChTrans1D4">
-    <dgm:scene3d>
-      <a:camera prst="orthographicFront"/>
-      <a:lightRig rig="threePt" dir="t"/>
-    </dgm:scene3d>
-    <dgm:sp3d/>
-    <dgm:txPr/>
-    <dgm:style>
-      <a:lnRef idx="2">
-        <a:scrgbClr r="0" g="0" b="0"/>
-      </a:lnRef>
-      <a:fillRef idx="0">
-        <a:scrgbClr r="0" g="0" b="0"/>
-      </a:fillRef>
-      <a:effectRef idx="0">
-        <a:scrgbClr r="0" g="0" b="0"/>
-      </a:effectRef>
-      <a:fontRef idx="minor"/>
-    </dgm:style>
-  </dgm:styleLbl>
-  <dgm:styleLbl name="fgAcc1">
-    <dgm:scene3d>
-      <a:camera prst="orthographicFront"/>
-      <a:lightRig rig="threePt" dir="t"/>
-    </dgm:scene3d>
-    <dgm:sp3d/>
-    <dgm:txPr/>
-    <dgm:style>
-      <a:lnRef idx="1">
-        <a:scrgbClr r="0" g="0" b="0"/>
-      </a:lnRef>
-      <a:fillRef idx="1">
-        <a:scrgbClr r="0" g="0" b="0"/>
-      </a:fillRef>
-      <a:effectRef idx="2">
-        <a:scrgbClr r="0" g="0" b="0"/>
-      </a:effectRef>
-      <a:fontRef idx="minor"/>
-    </dgm:style>
-  </dgm:styleLbl>
-  <dgm:styleLbl name="conFgAcc1">
-    <dgm:scene3d>
-      <a:camera prst="orthographicFront"/>
-      <a:lightRig rig="threePt" dir="t"/>
-    </dgm:scene3d>
-    <dgm:sp3d/>
-    <dgm:txPr/>
-    <dgm:style>
-      <a:lnRef idx="1">
-        <a:scrgbClr r="0" g="0" b="0"/>
-      </a:lnRef>
-      <a:fillRef idx="1">
-        <a:scrgbClr r="0" g="0" b="0"/>
-      </a:fillRef>
-      <a:effectRef idx="2">
-        <a:scrgbClr r="0" g="0" b="0"/>
-      </a:effectRef>
-      <a:fontRef idx="minor"/>
-    </dgm:style>
-  </dgm:styleLbl>
-  <dgm:styleLbl name="alignAcc1">
-    <dgm:scene3d>
-      <a:camera prst="orthographicFront"/>
-      <a:lightRig rig="threePt" dir="t"/>
-    </dgm:scene3d>
-    <dgm:sp3d/>
-    <dgm:txPr/>
-    <dgm:style>
-      <a:lnRef idx="1">
-        <a:scrgbClr r="0" g="0" b="0"/>
-      </a:lnRef>
-      <a:fillRef idx="1">
-        <a:scrgbClr r="0" g="0" b="0"/>
-      </a:fillRef>
-      <a:effectRef idx="2">
-        <a:scrgbClr r="0" g="0" b="0"/>
-      </a:effectRef>
-      <a:fontRef idx="minor"/>
-    </dgm:style>
-  </dgm:styleLbl>
-  <dgm:styleLbl name="trAlignAcc1">
-    <dgm:scene3d>
-      <a:camera prst="orthographicFront"/>
-      <a:lightRig rig="threePt" dir="t"/>
-    </dgm:scene3d>
-    <dgm:sp3d/>
-    <dgm:txPr/>
-    <dgm:style>
-      <a:lnRef idx="1">
-        <a:scrgbClr r="0" g="0" b="0"/>
-      </a:lnRef>
-      <a:fillRef idx="1">
-        <a:scrgbClr r="0" g="0" b="0"/>
-      </a:fillRef>
-      <a:effectRef idx="0">
-        <a:scrgbClr r="0" g="0" b="0"/>
-      </a:effectRef>
-      <a:fontRef idx="minor"/>
-    </dgm:style>
-  </dgm:styleLbl>
-  <dgm:styleLbl name="bgAcc1">
-    <dgm:scene3d>
-      <a:camera prst="orthographicFront"/>
-      <a:lightRig rig="threePt" dir="t"/>
-    </dgm:scene3d>
-    <dgm:sp3d/>
-    <dgm:txPr/>
-    <dgm:style>
-      <a:lnRef idx="1">
-        <a:scrgbClr r="0" g="0" b="0"/>
-      </a:lnRef>
-      <a:fillRef idx="1">
-        <a:scrgbClr r="0" g="0" b="0"/>
-      </a:fillRef>
-      <a:effectRef idx="2">
-        <a:scrgbClr r="0" g="0" b="0"/>
-      </a:effectRef>
-      <a:fontRef idx="minor"/>
-    </dgm:style>
-  </dgm:styleLbl>
-  <dgm:styleLbl name="solidFgAcc1">
-    <dgm:scene3d>
-      <a:camera prst="orthographicFront"/>
-      <a:lightRig rig="threePt" dir="t"/>
-    </dgm:scene3d>
-    <dgm:sp3d/>
-    <dgm:txPr/>
-    <dgm:style>
-      <a:lnRef idx="1">
-        <a:scrgbClr r="0" g="0" b="0"/>
-      </a:lnRef>
-      <a:fillRef idx="1">
-        <a:scrgbClr r="0" g="0" b="0"/>
-      </a:fillRef>
-      <a:effectRef idx="2">
-        <a:scrgbClr r="0" g="0" b="0"/>
-      </a:effectRef>
-      <a:fontRef idx="minor"/>
-    </dgm:style>
-  </dgm:styleLbl>
-  <dgm:styleLbl name="solidAlignAcc1">
-    <dgm:scene3d>
-      <a:camera prst="orthographicFront"/>
-      <a:lightRig rig="threePt" dir="t"/>
-    </dgm:scene3d>
-    <dgm:sp3d/>
-    <dgm:txPr/>
-    <dgm:style>
-      <a:lnRef idx="1">
-        <a:scrgbClr r="0" g="0" b="0"/>
-      </a:lnRef>
-      <a:fillRef idx="1">
-        <a:scrgbClr r="0" g="0" b="0"/>
-      </a:fillRef>
-      <a:effectRef idx="3">
-        <a:scrgbClr r="0" g="0" b="0"/>
-      </a:effectRef>
-      <a:fontRef idx="minor"/>
-    </dgm:style>
-  </dgm:styleLbl>
-  <dgm:styleLbl name="solidBgAcc1">
-    <dgm:scene3d>
-      <a:camera prst="orthographicFront"/>
-      <a:lightRig rig="threePt" dir="t"/>
-    </dgm:scene3d>
-    <dgm:sp3d/>
-    <dgm:txPr/>
-    <dgm:style>
-      <a:lnRef idx="1">
-        <a:scrgbClr r="0" g="0" b="0"/>
-      </a:lnRef>
-      <a:fillRef idx="1">
-        <a:scrgbClr r="0" g="0" b="0"/>
-      </a:fillRef>
-      <a:effectRef idx="3">
-        <a:scrgbClr r="0" g="0" b="0"/>
-      </a:effectRef>
-      <a:fontRef idx="minor"/>
-    </dgm:style>
-  </dgm:styleLbl>
-  <dgm:styleLbl name="fgAccFollowNode1">
-    <dgm:scene3d>
-      <a:camera prst="orthographicFront"/>
-      <a:lightRig rig="threePt" dir="t"/>
-    </dgm:scene3d>
-    <dgm:sp3d/>
-    <dgm:txPr/>
-    <dgm:style>
-      <a:lnRef idx="1">
-        <a:scrgbClr r="0" g="0" b="0"/>
-      </a:lnRef>
-      <a:fillRef idx="1">
-        <a:scrgbClr r="0" g="0" b="0"/>
-      </a:fillRef>
-      <a:effectRef idx="2">
-        <a:scrgbClr r="0" g="0" b="0"/>
-      </a:effectRef>
-      <a:fontRef idx="minor"/>
-    </dgm:style>
-  </dgm:styleLbl>
-  <dgm:styleLbl name="alignAccFollowNode1">
-    <dgm:scene3d>
-      <a:camera prst="orthographicFront"/>
-      <a:lightRig rig="threePt" dir="t"/>
-    </dgm:scene3d>
-    <dgm:sp3d/>
-    <dgm:txPr/>
-    <dgm:style>
-      <a:lnRef idx="1">
-        <a:scrgbClr r="0" g="0" b="0"/>
-      </a:lnRef>
-      <a:fillRef idx="1">
-        <a:scrgbClr r="0" g="0" b="0"/>
-      </a:fillRef>
-      <a:effectRef idx="2">
-        <a:scrgbClr r="0" g="0" b="0"/>
-      </a:effectRef>
-      <a:fontRef idx="minor"/>
-    </dgm:style>
-  </dgm:styleLbl>
-  <dgm:styleLbl name="bgAccFollowNode1">
-    <dgm:scene3d>
-      <a:camera prst="orthographicFront"/>
-      <a:lightRig rig="threePt" dir="t"/>
-    </dgm:scene3d>
-    <dgm:sp3d/>
-    <dgm:txPr/>
-    <dgm:style>
-      <a:lnRef idx="1">
-        <a:scrgbClr r="0" g="0" b="0"/>
-      </a:lnRef>
-      <a:fillRef idx="1">
-        <a:scrgbClr r="0" g="0" b="0"/>
-      </a:fillRef>
-      <a:effectRef idx="2">
-        <a:scrgbClr r="0" g="0" b="0"/>
-      </a:effectRef>
-      <a:fontRef idx="minor"/>
-    </dgm:style>
-  </dgm:styleLbl>
-  <dgm:styleLbl name="fgAcc0">
-    <dgm:scene3d>
-      <a:camera prst="orthographicFront"/>
-      <a:lightRig rig="threePt" dir="t"/>
-    </dgm:scene3d>
-    <dgm:sp3d/>
-    <dgm:txPr/>
-    <dgm:style>
-      <a:lnRef idx="1">
-        <a:scrgbClr r="0" g="0" b="0"/>
-      </a:lnRef>
-      <a:fillRef idx="1">
-        <a:scrgbClr r="0" g="0" b="0"/>
-      </a:fillRef>
-      <a:effectRef idx="2">
-        <a:scrgbClr r="0" g="0" b="0"/>
-      </a:effectRef>
-      <a:fontRef idx="minor"/>
-    </dgm:style>
-  </dgm:styleLbl>
-  <dgm:styleLbl name="fgAcc2">
-    <dgm:scene3d>
-      <a:camera prst="orthographicFront"/>
-      <a:lightRig rig="threePt" dir="t"/>
-    </dgm:scene3d>
-    <dgm:sp3d/>
-    <dgm:txPr/>
-    <dgm:style>
-      <a:lnRef idx="1">
-        <a:scrgbClr r="0" g="0" b="0"/>
-      </a:lnRef>
-      <a:fillRef idx="1">
-        <a:scrgbClr r="0" g="0" b="0"/>
-      </a:fillRef>
-      <a:effectRef idx="2">
-        <a:scrgbClr r="0" g="0" b="0"/>
-      </a:effectRef>
-      <a:fontRef idx="minor"/>
-    </dgm:style>
-  </dgm:styleLbl>
-  <dgm:styleLbl name="fgAcc3">
-    <dgm:scene3d>
-      <a:camera prst="orthographicFront"/>
-      <a:lightRig rig="threePt" dir="t"/>
-    </dgm:scene3d>
-    <dgm:sp3d/>
-    <dgm:txPr/>
-    <dgm:style>
-      <a:lnRef idx="1">
-        <a:scrgbClr r="0" g="0" b="0"/>
-      </a:lnRef>
-      <a:fillRef idx="1">
-        <a:scrgbClr r="0" g="0" b="0"/>
-      </a:fillRef>
-      <a:effectRef idx="2">
-        <a:scrgbClr r="0" g="0" b="0"/>
-      </a:effectRef>
-      <a:fontRef idx="minor"/>
-    </dgm:style>
-  </dgm:styleLbl>
-  <dgm:styleLbl name="fgAcc4">
-    <dgm:scene3d>
-      <a:camera prst="orthographicFront"/>
-      <a:lightRig rig="threePt" dir="t"/>
-    </dgm:scene3d>
-    <dgm:sp3d/>
-    <dgm:txPr/>
-    <dgm:style>
-      <a:lnRef idx="1">
-        <a:scrgbClr r="0" g="0" b="0"/>
-      </a:lnRef>
-      <a:fillRef idx="1">
-        <a:scrgbClr r="0" g="0" b="0"/>
-      </a:fillRef>
-      <a:effectRef idx="2">
-        <a:scrgbClr r="0" g="0" b="0"/>
-      </a:effectRef>
-      <a:fontRef idx="minor"/>
-    </dgm:style>
-  </dgm:styleLbl>
-  <dgm:styleLbl name="bgShp">
-    <dgm:scene3d>
-      <a:camera prst="orthographicFront"/>
-      <a:lightRig rig="threePt" dir="t"/>
-    </dgm:scene3d>
-    <dgm:sp3d/>
-    <dgm:txPr/>
-    <dgm:style>
-      <a:lnRef idx="0">
-        <a:scrgbClr r="0" g="0" b="0"/>
-      </a:lnRef>
-      <a:fillRef idx="1">
-        <a:scrgbClr r="0" g="0" b="0"/>
-      </a:fillRef>
-      <a:effectRef idx="2">
-        <a:scrgbClr r="0" g="0" b="0"/>
-      </a:effectRef>
-      <a:fontRef idx="minor"/>
-    </dgm:style>
-  </dgm:styleLbl>
-  <dgm:styleLbl name="dkBgShp">
-    <dgm:scene3d>
-      <a:camera prst="orthographicFront"/>
-      <a:lightRig rig="threePt" dir="t"/>
-    </dgm:scene3d>
-    <dgm:sp3d/>
-    <dgm:txPr/>
-    <dgm:style>
-      <a:lnRef idx="0">
-        <a:scrgbClr r="0" g="0" b="0"/>
-      </a:lnRef>
-      <a:fillRef idx="1">
-        <a:scrgbClr r="0" g="0" b="0"/>
-      </a:fillRef>
-      <a:effectRef idx="3">
-        <a:scrgbClr r="0" g="0" b="0"/>
-      </a:effectRef>
-      <a:fontRef idx="minor"/>
-    </dgm:style>
-  </dgm:styleLbl>
-  <dgm:styleLbl name="trBgShp">
-    <dgm:scene3d>
-      <a:camera prst="orthographicFront"/>
-      <a:lightRig rig="threePt" dir="t"/>
-    </dgm:scene3d>
-    <dgm:sp3d/>
-    <dgm:txPr/>
-    <dgm:style>
-      <a:lnRef idx="0">
-        <a:scrgbClr r="0" g="0" b="0"/>
-      </a:lnRef>
-      <a:fillRef idx="1">
-        <a:scrgbClr r="0" g="0" b="0"/>
-      </a:fillRef>
-      <a:effectRef idx="0">
-        <a:scrgbClr r="0" g="0" b="0"/>
-      </a:effectRef>
-      <a:fontRef idx="minor"/>
-    </dgm:style>
-  </dgm:styleLbl>
-  <dgm:styleLbl name="fgShp">
-    <dgm:scene3d>
-      <a:camera prst="orthographicFront"/>
-      <a:lightRig rig="threePt" dir="t"/>
-    </dgm:scene3d>
-    <dgm:sp3d/>
-    <dgm:txPr/>
-    <dgm:style>
-      <a:lnRef idx="0">
-        <a:scrgbClr r="0" g="0" b="0"/>
-      </a:lnRef>
-      <a:fillRef idx="3">
-        <a:scrgbClr r="0" g="0" b="0"/>
-      </a:fillRef>
-      <a:effectRef idx="3">
-        <a:scrgbClr r="0" g="0" b="0"/>
-      </a:effectRef>
-      <a:fontRef idx="minor"/>
-    </dgm:style>
-  </dgm:styleLbl>
-  <dgm:styleLbl name="revTx">
-    <dgm:scene3d>
-      <a:camera prst="orthographicFront"/>
-      <a:lightRig rig="threePt" dir="t"/>
-    </dgm:scene3d>
-    <dgm:sp3d/>
-    <dgm:txPr/>
-    <dgm:style>
-      <a:lnRef idx="0">
-        <a:scrgbClr r="0" g="0" b="0"/>
-      </a:lnRef>
-      <a:fillRef idx="0">
-        <a:scrgbClr r="0" g="0" b="0"/>
-      </a:fillRef>
-      <a:effectRef idx="0">
-        <a:scrgbClr r="0" g="0" b="0"/>
-      </a:effectRef>
-      <a:fontRef idx="minor"/>
-    </dgm:style>
-  </dgm:styleLbl>
-</dgm:styleDef>
-</file>
-
 <file path=ppt/notesMasters/notesMaster1.xml><?xml version="1.0" encoding="utf-8"?>
 <p:notesMaster xmlns:a="http://schemas.openxmlformats.org/drawingml/2006/main" xmlns:r="http://schemas.openxmlformats.org/officeDocument/2006/relationships" xmlns:p="http://schemas.openxmlformats.org/presentationml/2006/main">
   <p:cSld>
@@ -3236,7 +202,7 @@
           <a:p>
             <a:fld id="{4125E12D-E395-44EC-B10F-D625E00726A1}" type="datetimeFigureOut">
               <a:rPr kumimoji="1" lang="ja-JP" altLang="en-US" smtClean="0"/>
-              <a:t>2022/11/21</a:t>
+              <a:t>2022/11/28</a:t>
             </a:fld>
             <a:endParaRPr kumimoji="1" lang="ja-JP" altLang="en-US"/>
           </a:p>
@@ -3669,7 +635,7 @@
           <a:p>
             <a:fld id="{88EA2224-7AD1-431F-92CC-AC2E1209913D}" type="datetime1">
               <a:rPr kumimoji="1" lang="ja-JP" altLang="en-US" smtClean="0"/>
-              <a:t>2022/11/21</a:t>
+              <a:t>2022/11/28</a:t>
             </a:fld>
             <a:endParaRPr kumimoji="1" lang="ja-JP" altLang="en-US"/>
           </a:p>
@@ -3960,7 +926,7 @@
           <a:p>
             <a:fld id="{67BCEAA5-3C28-47F3-9716-B8DB2CB9DDDD}" type="datetime1">
               <a:rPr kumimoji="1" lang="ja-JP" altLang="en-US" smtClean="0"/>
-              <a:t>2022/11/21</a:t>
+              <a:t>2022/11/28</a:t>
             </a:fld>
             <a:endParaRPr kumimoji="1" lang="ja-JP" altLang="en-US"/>
           </a:p>
@@ -4157,7 +1123,7 @@
           <a:p>
             <a:fld id="{67BCEAA5-3C28-47F3-9716-B8DB2CB9DDDD}" type="datetime1">
               <a:rPr kumimoji="1" lang="ja-JP" altLang="en-US" smtClean="0"/>
-              <a:t>2022/11/21</a:t>
+              <a:t>2022/11/28</a:t>
             </a:fld>
             <a:endParaRPr kumimoji="1" lang="ja-JP" altLang="en-US"/>
           </a:p>
@@ -4423,7 +1389,7 @@
           <a:p>
             <a:fld id="{67BCEAA5-3C28-47F3-9716-B8DB2CB9DDDD}" type="datetime1">
               <a:rPr kumimoji="1" lang="ja-JP" altLang="en-US" smtClean="0"/>
-              <a:t>2022/11/21</a:t>
+              <a:t>2022/11/28</a:t>
             </a:fld>
             <a:endParaRPr kumimoji="1" lang="ja-JP" altLang="en-US"/>
           </a:p>
@@ -4852,7 +1818,7 @@
           <a:p>
             <a:fld id="{67BCEAA5-3C28-47F3-9716-B8DB2CB9DDDD}" type="datetime1">
               <a:rPr kumimoji="1" lang="ja-JP" altLang="en-US" smtClean="0"/>
-              <a:t>2022/11/21</a:t>
+              <a:t>2022/11/28</a:t>
             </a:fld>
             <a:endParaRPr kumimoji="1" lang="ja-JP" altLang="en-US"/>
           </a:p>
@@ -5403,7 +2369,7 @@
           <a:p>
             <a:fld id="{67BCEAA5-3C28-47F3-9716-B8DB2CB9DDDD}" type="datetime1">
               <a:rPr kumimoji="1" lang="ja-JP" altLang="en-US" smtClean="0"/>
-              <a:t>2022/11/21</a:t>
+              <a:t>2022/11/28</a:t>
             </a:fld>
             <a:endParaRPr kumimoji="1" lang="ja-JP" altLang="en-US"/>
           </a:p>
@@ -6248,7 +3214,7 @@
           <a:p>
             <a:fld id="{67BCEAA5-3C28-47F3-9716-B8DB2CB9DDDD}" type="datetime1">
               <a:rPr kumimoji="1" lang="ja-JP" altLang="en-US" smtClean="0"/>
-              <a:t>2022/11/21</a:t>
+              <a:t>2022/11/28</a:t>
             </a:fld>
             <a:endParaRPr kumimoji="1" lang="ja-JP" altLang="en-US"/>
           </a:p>
@@ -6455,7 +3421,7 @@
           <a:p>
             <a:fld id="{7677D143-4371-4B90-A381-7F4A6C506DDF}" type="datetime1">
               <a:rPr kumimoji="1" lang="ja-JP" altLang="en-US" smtClean="0"/>
-              <a:t>2022/11/21</a:t>
+              <a:t>2022/11/28</a:t>
             </a:fld>
             <a:endParaRPr kumimoji="1" lang="ja-JP" altLang="en-US"/>
           </a:p>
@@ -6675,7 +3641,7 @@
           <a:p>
             <a:fld id="{8D40C3AA-334C-47C2-9975-2D1DE012CE40}" type="datetime1">
               <a:rPr kumimoji="1" lang="ja-JP" altLang="en-US" smtClean="0"/>
-              <a:t>2022/11/21</a:t>
+              <a:t>2022/11/28</a:t>
             </a:fld>
             <a:endParaRPr kumimoji="1" lang="ja-JP" altLang="en-US"/>
           </a:p>
@@ -6881,7 +3847,7 @@
           <a:p>
             <a:fld id="{0100C3A4-875D-43D3-B1C4-5C707C05ABEE}" type="datetime1">
               <a:rPr kumimoji="1" lang="ja-JP" altLang="en-US" smtClean="0"/>
-              <a:t>2022/11/21</a:t>
+              <a:t>2022/11/28</a:t>
             </a:fld>
             <a:endParaRPr kumimoji="1" lang="ja-JP" altLang="en-US"/>
           </a:p>
@@ -7133,7 +4099,7 @@
           <a:p>
             <a:fld id="{8B2F224A-16ED-4959-90E0-4C4959B8DA0B}" type="datetime1">
               <a:rPr kumimoji="1" lang="ja-JP" altLang="en-US" smtClean="0"/>
-              <a:t>2022/11/21</a:t>
+              <a:t>2022/11/28</a:t>
             </a:fld>
             <a:endParaRPr kumimoji="1" lang="ja-JP" altLang="en-US"/>
           </a:p>
@@ -7438,7 +4404,7 @@
           <a:p>
             <a:fld id="{6B92865D-00A3-4E71-9B07-74910FB7B3FB}" type="datetime1">
               <a:rPr kumimoji="1" lang="ja-JP" altLang="en-US" smtClean="0"/>
-              <a:t>2022/11/21</a:t>
+              <a:t>2022/11/28</a:t>
             </a:fld>
             <a:endParaRPr kumimoji="1" lang="ja-JP" altLang="en-US"/>
           </a:p>
@@ -7879,7 +4845,7 @@
           <a:p>
             <a:fld id="{C46BADC8-1948-467A-9C96-CDD1BB510488}" type="datetime1">
               <a:rPr kumimoji="1" lang="ja-JP" altLang="en-US" smtClean="0"/>
-              <a:t>2022/11/21</a:t>
+              <a:t>2022/11/28</a:t>
             </a:fld>
             <a:endParaRPr kumimoji="1" lang="ja-JP" altLang="en-US"/>
           </a:p>
@@ -8001,7 +4967,7 @@
           <a:p>
             <a:fld id="{88D410AE-1B94-44D5-B22B-CC1A40C94E11}" type="datetime1">
               <a:rPr kumimoji="1" lang="ja-JP" altLang="en-US" smtClean="0"/>
-              <a:t>2022/11/21</a:t>
+              <a:t>2022/11/28</a:t>
             </a:fld>
             <a:endParaRPr kumimoji="1" lang="ja-JP" altLang="en-US"/>
           </a:p>
@@ -8100,7 +5066,7 @@
           <a:p>
             <a:fld id="{3C974F33-24DD-417D-BA7D-E69F5B26DE3B}" type="datetime1">
               <a:rPr kumimoji="1" lang="ja-JP" altLang="en-US" smtClean="0"/>
-              <a:t>2022/11/21</a:t>
+              <a:t>2022/11/28</a:t>
             </a:fld>
             <a:endParaRPr kumimoji="1" lang="ja-JP" altLang="en-US"/>
           </a:p>
@@ -8387,7 +5353,7 @@
           <a:p>
             <a:fld id="{5401DB6D-036C-430F-8504-CDF7B8F8B05F}" type="datetime1">
               <a:rPr kumimoji="1" lang="ja-JP" altLang="en-US" smtClean="0"/>
-              <a:t>2022/11/21</a:t>
+              <a:t>2022/11/28</a:t>
             </a:fld>
             <a:endParaRPr kumimoji="1" lang="ja-JP" altLang="en-US"/>
           </a:p>
@@ -8678,7 +5644,7 @@
           <a:p>
             <a:fld id="{EC0409DD-2644-4323-9E82-D3AA01FBA2C5}" type="datetime1">
               <a:rPr kumimoji="1" lang="ja-JP" altLang="en-US" smtClean="0"/>
-              <a:t>2022/11/21</a:t>
+              <a:t>2022/11/28</a:t>
             </a:fld>
             <a:endParaRPr kumimoji="1" lang="ja-JP" altLang="en-US"/>
           </a:p>
@@ -8927,7 +5893,7 @@
           <a:p>
             <a:fld id="{67BCEAA5-3C28-47F3-9716-B8DB2CB9DDDD}" type="datetime1">
               <a:rPr kumimoji="1" lang="ja-JP" altLang="en-US" smtClean="0"/>
-              <a:t>2022/11/21</a:t>
+              <a:t>2022/11/28</a:t>
             </a:fld>
             <a:endParaRPr kumimoji="1" lang="ja-JP" altLang="en-US"/>
           </a:p>
@@ -9431,7 +6397,7 @@
           <a:lstStyle/>
           <a:p>
             <a:r>
-              <a:rPr lang="en-US" altLang="ja-JP" sz="4950" b="0" dirty="0">
+              <a:rPr lang="en-US" altLang="ja-JP" sz="6600" b="0" dirty="0">
                 <a:solidFill>
                   <a:schemeClr val="accent1">
                     <a:lumMod val="75000"/>
@@ -9443,7 +6409,7 @@
               <a:t>Title</a:t>
             </a:r>
             <a:r>
-              <a:rPr lang="ja-JP" altLang="en-US" sz="4950" b="0" dirty="0">
+              <a:rPr lang="ja-JP" altLang="en-US" sz="6600" b="0" dirty="0">
                 <a:solidFill>
                   <a:schemeClr val="accent1">
                     <a:lumMod val="75000"/>
@@ -9454,15 +6420,6 @@
               </a:rPr>
               <a:t>（未定）</a:t>
             </a:r>
-            <a:endParaRPr lang="ja-JP" altLang="en-US" sz="4950" b="0" dirty="0">
-              <a:solidFill>
-                <a:schemeClr val="accent1">
-                  <a:lumMod val="75000"/>
-                </a:schemeClr>
-              </a:solidFill>
-              <a:latin typeface="Mongolian Baiti" panose="03000500000000000000" pitchFamily="66" charset="0"/>
-              <a:cs typeface="Mongolian Baiti" panose="03000500000000000000" pitchFamily="66" charset="0"/>
-            </a:endParaRPr>
           </a:p>
         </p:txBody>
       </p:sp>
@@ -9503,7 +6460,7 @@
           </a:p>
           <a:p>
             <a:r>
-              <a:rPr lang="ja-JP" altLang="en-US" dirty="0">
+              <a:rPr lang="ja-JP" altLang="en-US" sz="2800" dirty="0">
                 <a:solidFill>
                   <a:schemeClr val="accent1">
                     <a:lumMod val="75000"/>
@@ -9512,13 +6469,6 @@
               </a:rPr>
               <a:t>弾幕シューティング</a:t>
             </a:r>
-            <a:endParaRPr lang="ja-JP" altLang="en-US" dirty="0">
-              <a:solidFill>
-                <a:schemeClr val="accent1">
-                  <a:lumMod val="75000"/>
-                </a:schemeClr>
-              </a:solidFill>
-            </a:endParaRPr>
           </a:p>
         </p:txBody>
       </p:sp>
@@ -9552,6 +6502,35 @@
           <a:chExt cx="0" cy="0"/>
         </a:xfrm>
       </p:grpSpPr>
+      <p:pic>
+        <p:nvPicPr>
+          <p:cNvPr id="12" name="コンテンツ プレースホルダー 11" descr="画面の領域"/>
+          <p:cNvPicPr>
+            <a:picLocks noGrp="1" noChangeAspect="1"/>
+          </p:cNvPicPr>
+          <p:nvPr>
+            <p:ph idx="1"/>
+          </p:nvPr>
+        </p:nvPicPr>
+        <p:blipFill>
+          <a:blip r:embed="rId2">
+            <a:extLst>
+              <a:ext uri="{28A0092B-C50C-407E-A947-70E740481C1C}">
+                <a14:useLocalDpi xmlns:a14="http://schemas.microsoft.com/office/drawing/2010/main" val="0"/>
+              </a:ext>
+            </a:extLst>
+          </a:blip>
+          <a:stretch>
+            <a:fillRect/>
+          </a:stretch>
+        </p:blipFill>
+        <p:spPr>
+          <a:xfrm>
+            <a:off x="3090041" y="2088321"/>
+            <a:ext cx="6264765" cy="3503183"/>
+          </a:xfrm>
+        </p:spPr>
+      </p:pic>
       <p:sp>
         <p:nvSpPr>
           <p:cNvPr id="2" name="タイトル 1"/>
@@ -9562,74 +6541,115 @@
             <p:ph type="title"/>
           </p:nvPr>
         </p:nvSpPr>
-        <p:spPr/>
+        <p:spPr>
+          <a:xfrm>
+            <a:off x="913796" y="609600"/>
+            <a:ext cx="1987060" cy="1326321"/>
+          </a:xfrm>
+        </p:spPr>
         <p:txBody>
           <a:bodyPr/>
           <a:lstStyle/>
           <a:p>
             <a:pPr algn="l"/>
             <a:r>
-              <a:rPr kumimoji="1" lang="ja-JP" altLang="en-US" dirty="0" smtClean="0">
-                <a:solidFill>
-                  <a:schemeClr val="accent1">
-                    <a:lumMod val="75000"/>
-                  </a:schemeClr>
-                </a:solidFill>
-              </a:rPr>
-              <a:t>内容</a:t>
-            </a:r>
-            <a:endParaRPr kumimoji="1" lang="ja-JP" altLang="en-US" dirty="0">
-              <a:solidFill>
-                <a:schemeClr val="accent1">
-                  <a:lumMod val="75000"/>
-                </a:schemeClr>
-              </a:solidFill>
-            </a:endParaRPr>
-          </a:p>
-        </p:txBody>
-      </p:sp>
-      <p:graphicFrame>
-        <p:nvGraphicFramePr>
-          <p:cNvPr id="5" name="コンテンツ プレースホルダー 4"/>
-          <p:cNvGraphicFramePr>
-            <a:graphicFrameLocks noGrp="1"/>
-          </p:cNvGraphicFramePr>
-          <p:nvPr>
-            <p:ph idx="1"/>
-            <p:extLst>
-              <p:ext uri="{D42A27DB-BD31-4B8C-83A1-F6EECF244321}">
-                <p14:modId xmlns:p14="http://schemas.microsoft.com/office/powerpoint/2010/main" val="1497048471"/>
-              </p:ext>
-            </p:extLst>
-          </p:nvPr>
-        </p:nvGraphicFramePr>
-        <p:xfrm>
-          <a:off x="913795" y="2096064"/>
-          <a:ext cx="10353762" cy="3695136"/>
-        </p:xfrm>
-        <a:graphic>
-          <a:graphicData uri="http://schemas.openxmlformats.org/drawingml/2006/diagram">
-            <dgm:relIds xmlns:dgm="http://schemas.openxmlformats.org/drawingml/2006/diagram" xmlns:r="http://schemas.openxmlformats.org/officeDocument/2006/relationships" r:dm="rId2" r:lo="rId3" r:qs="rId4" r:cs="rId5"/>
-          </a:graphicData>
-        </a:graphic>
-      </p:graphicFrame>
+              <a:rPr kumimoji="1" lang="ja-JP" altLang="en-US" dirty="0" smtClean="0"/>
+              <a:t>コンセプト</a:t>
+            </a:r>
+            <a:endParaRPr kumimoji="1" lang="ja-JP" altLang="en-US" dirty="0"/>
+          </a:p>
+        </p:txBody>
+      </p:sp>
+      <p:sp>
+        <p:nvSpPr>
+          <p:cNvPr id="10" name="テキスト ボックス 9"/>
+          <p:cNvSpPr txBox="1"/>
+          <p:nvPr/>
+        </p:nvSpPr>
+        <p:spPr>
+          <a:xfrm>
+            <a:off x="800505" y="1566589"/>
+            <a:ext cx="3109344" cy="369332"/>
+          </a:xfrm>
+          <a:prstGeom prst="rect">
+            <a:avLst/>
+          </a:prstGeom>
+          <a:noFill/>
+        </p:spPr>
+        <p:txBody>
+          <a:bodyPr wrap="square" rtlCol="0">
+            <a:spAutoFit/>
+          </a:bodyPr>
+          <a:lstStyle/>
+          <a:p>
+            <a:r>
+              <a:rPr kumimoji="1" lang="ja-JP" altLang="en-US" dirty="0" smtClean="0"/>
+              <a:t>弾幕シューティング</a:t>
+            </a:r>
+            <a:r>
+              <a:rPr lang="ja-JP" altLang="en-US" dirty="0" smtClean="0"/>
+              <a:t>を遊びたい</a:t>
+            </a:r>
+            <a:endParaRPr kumimoji="1" lang="ja-JP" altLang="en-US" dirty="0"/>
+          </a:p>
+        </p:txBody>
+      </p:sp>
+      <p:sp>
+        <p:nvSpPr>
+          <p:cNvPr id="13" name="正方形/長方形 12"/>
+          <p:cNvSpPr/>
+          <p:nvPr/>
+        </p:nvSpPr>
+        <p:spPr>
+          <a:xfrm>
+            <a:off x="3090041" y="2088321"/>
+            <a:ext cx="6474372" cy="3802727"/>
+          </a:xfrm>
+          <a:prstGeom prst="rect">
+            <a:avLst/>
+          </a:prstGeom>
+          <a:solidFill>
+            <a:schemeClr val="dk1">
+              <a:alpha val="50000"/>
+            </a:schemeClr>
+          </a:solidFill>
+          <a:ln>
+            <a:noFill/>
+          </a:ln>
+        </p:spPr>
+        <p:style>
+          <a:lnRef idx="0">
+            <a:scrgbClr r="0" g="0" b="0"/>
+          </a:lnRef>
+          <a:fillRef idx="0">
+            <a:scrgbClr r="0" g="0" b="0"/>
+          </a:fillRef>
+          <a:effectRef idx="0">
+            <a:scrgbClr r="0" g="0" b="0"/>
+          </a:effectRef>
+          <a:fontRef idx="minor">
+            <a:schemeClr val="lt1"/>
+          </a:fontRef>
+        </p:style>
+        <p:txBody>
+          <a:bodyPr rtlCol="0" anchor="ctr"/>
+          <a:lstStyle/>
+          <a:p>
+            <a:pPr algn="ctr"/>
+            <a:endParaRPr kumimoji="1" lang="ja-JP" altLang="en-US"/>
+          </a:p>
+        </p:txBody>
+      </p:sp>
     </p:spTree>
     <p:extLst>
       <p:ext uri="{BB962C8B-B14F-4D97-AF65-F5344CB8AC3E}">
-        <p14:creationId xmlns:p14="http://schemas.microsoft.com/office/powerpoint/2010/main" val="3791847425"/>
+        <p14:creationId xmlns:p14="http://schemas.microsoft.com/office/powerpoint/2010/main" val="855373432"/>
       </p:ext>
     </p:extLst>
   </p:cSld>
   <p:clrMapOvr>
     <a:masterClrMapping/>
   </p:clrMapOvr>
-  <p:timing>
-    <p:tnLst>
-      <p:par>
-        <p:cTn id="1" dur="indefinite" restart="never" nodeType="tmRoot"/>
-      </p:par>
-    </p:tnLst>
-  </p:timing>
 </p:sld>
 </file>
 
@@ -9652,6 +6672,84 @@
       </p:grpSpPr>
       <p:sp>
         <p:nvSpPr>
+          <p:cNvPr id="19" name="正方形/長方形 18"/>
+          <p:cNvSpPr/>
+          <p:nvPr/>
+        </p:nvSpPr>
+        <p:spPr>
+          <a:xfrm>
+            <a:off x="7230512" y="3947049"/>
+            <a:ext cx="2414330" cy="1484410"/>
+          </a:xfrm>
+          <a:prstGeom prst="rect">
+            <a:avLst/>
+          </a:prstGeom>
+          <a:ln w="38100"/>
+        </p:spPr>
+        <p:style>
+          <a:lnRef idx="2">
+            <a:schemeClr val="dk1"/>
+          </a:lnRef>
+          <a:fillRef idx="1">
+            <a:schemeClr val="lt1"/>
+          </a:fillRef>
+          <a:effectRef idx="0">
+            <a:schemeClr val="dk1"/>
+          </a:effectRef>
+          <a:fontRef idx="minor">
+            <a:schemeClr val="dk1"/>
+          </a:fontRef>
+        </p:style>
+        <p:txBody>
+          <a:bodyPr rtlCol="0" anchor="ctr"/>
+          <a:lstStyle/>
+          <a:p>
+            <a:pPr algn="ctr"/>
+            <a:endParaRPr kumimoji="1" lang="ja-JP" altLang="en-US"/>
+          </a:p>
+        </p:txBody>
+      </p:sp>
+      <p:sp>
+        <p:nvSpPr>
+          <p:cNvPr id="14" name="正方形/長方形 13"/>
+          <p:cNvSpPr/>
+          <p:nvPr/>
+        </p:nvSpPr>
+        <p:spPr>
+          <a:xfrm>
+            <a:off x="328872" y="1128548"/>
+            <a:ext cx="6800193" cy="4147645"/>
+          </a:xfrm>
+          <a:prstGeom prst="rect">
+            <a:avLst/>
+          </a:prstGeom>
+          <a:ln w="57150"/>
+        </p:spPr>
+        <p:style>
+          <a:lnRef idx="2">
+            <a:schemeClr val="dk1"/>
+          </a:lnRef>
+          <a:fillRef idx="1">
+            <a:schemeClr val="lt1"/>
+          </a:fillRef>
+          <a:effectRef idx="0">
+            <a:schemeClr val="dk1"/>
+          </a:effectRef>
+          <a:fontRef idx="minor">
+            <a:schemeClr val="dk1"/>
+          </a:fontRef>
+        </p:style>
+        <p:txBody>
+          <a:bodyPr rtlCol="0" anchor="ctr"/>
+          <a:lstStyle/>
+          <a:p>
+            <a:pPr algn="ctr"/>
+            <a:endParaRPr kumimoji="1" lang="ja-JP" altLang="en-US"/>
+          </a:p>
+        </p:txBody>
+      </p:sp>
+      <p:sp>
+        <p:nvSpPr>
           <p:cNvPr id="2" name="タイトル 1"/>
           <p:cNvSpPr>
             <a:spLocks noGrp="1"/>
@@ -9660,9 +6758,16 @@
             <p:ph type="title"/>
           </p:nvPr>
         </p:nvSpPr>
-        <p:spPr/>
-        <p:txBody>
-          <a:bodyPr/>
+        <p:spPr>
+          <a:xfrm>
+            <a:off x="430319" y="536028"/>
+            <a:ext cx="2439005" cy="725214"/>
+          </a:xfrm>
+        </p:spPr>
+        <p:txBody>
+          <a:bodyPr>
+            <a:normAutofit/>
+          </a:bodyPr>
           <a:lstStyle/>
           <a:p>
             <a:pPr algn="l"/>
@@ -9674,7 +6779,7 @@
                   </a:schemeClr>
                 </a:solidFill>
               </a:rPr>
-              <a:t>コンセプト</a:t>
+              <a:t>ゲーム画面</a:t>
             </a:r>
             <a:endParaRPr kumimoji="1" lang="ja-JP" altLang="en-US" dirty="0">
               <a:solidFill>
@@ -9686,25 +6791,245 @@
           </a:p>
         </p:txBody>
       </p:sp>
-      <p:sp>
-        <p:nvSpPr>
-          <p:cNvPr id="3" name="コンテンツ プレースホルダー 2"/>
-          <p:cNvSpPr>
-            <a:spLocks noGrp="1"/>
-          </p:cNvSpPr>
+      <p:pic>
+        <p:nvPicPr>
+          <p:cNvPr id="12" name="コンテンツ プレースホルダー 11" descr="画面の領域"/>
+          <p:cNvPicPr>
+            <a:picLocks noGrp="1" noChangeAspect="1"/>
+          </p:cNvPicPr>
           <p:nvPr>
             <p:ph idx="1"/>
           </p:nvPr>
-        </p:nvSpPr>
-        <p:spPr/>
-        <p:txBody>
-          <a:bodyPr/>
-          <a:lstStyle/>
-          <a:p>
+        </p:nvPicPr>
+        <p:blipFill>
+          <a:blip r:embed="rId2">
+            <a:extLst>
+              <a:ext uri="{28A0092B-C50C-407E-A947-70E740481C1C}">
+                <a14:useLocalDpi xmlns:a14="http://schemas.microsoft.com/office/drawing/2010/main" val="0"/>
+              </a:ext>
+            </a:extLst>
+          </a:blip>
+          <a:stretch>
+            <a:fillRect/>
+          </a:stretch>
+        </p:blipFill>
+        <p:spPr>
+          <a:xfrm>
+            <a:off x="430319" y="1261242"/>
+            <a:ext cx="6597297" cy="3689131"/>
+          </a:xfrm>
+        </p:spPr>
+      </p:pic>
+      <p:sp>
+        <p:nvSpPr>
+          <p:cNvPr id="13" name="テキスト ボックス 12"/>
+          <p:cNvSpPr txBox="1"/>
+          <p:nvPr/>
+        </p:nvSpPr>
+        <p:spPr>
+          <a:xfrm>
+            <a:off x="7504386" y="1460938"/>
+            <a:ext cx="2569871" cy="1477328"/>
+          </a:xfrm>
+          <a:prstGeom prst="rect">
+            <a:avLst/>
+          </a:prstGeom>
+          <a:noFill/>
+        </p:spPr>
+        <p:txBody>
+          <a:bodyPr wrap="none" rtlCol="0">
+            <a:spAutoFit/>
+          </a:bodyPr>
+          <a:lstStyle/>
+          <a:p>
+            <a:r>
+              <a:rPr kumimoji="1" lang="ja-JP" altLang="en-US" dirty="0" smtClean="0"/>
+              <a:t>左上数字　    </a:t>
+            </a:r>
+            <a:r>
+              <a:rPr kumimoji="1" lang="en-US" altLang="ja-JP" dirty="0" err="1" smtClean="0"/>
+              <a:t>Player_HP</a:t>
+            </a:r>
+            <a:endParaRPr kumimoji="1" lang="en-US" altLang="ja-JP" dirty="0" smtClean="0"/>
+          </a:p>
+          <a:p>
+            <a:r>
+              <a:rPr lang="ja-JP" altLang="en-US" dirty="0" smtClean="0"/>
+              <a:t>中央上数字　</a:t>
+            </a:r>
+            <a:r>
+              <a:rPr lang="en-US" altLang="ja-JP" dirty="0" err="1" smtClean="0"/>
+              <a:t>Boss_HP</a:t>
+            </a:r>
+            <a:endParaRPr lang="en-US" altLang="ja-JP" dirty="0" smtClean="0"/>
+          </a:p>
+          <a:p>
+            <a:r>
+              <a:rPr kumimoji="1" lang="ja-JP" altLang="en-US" dirty="0" smtClean="0"/>
+              <a:t>左下文字　 　</a:t>
+            </a:r>
+            <a:r>
+              <a:rPr lang="ja-JP" altLang="en-US" dirty="0" smtClean="0"/>
+              <a:t>操作方法</a:t>
+            </a:r>
+            <a:endParaRPr lang="en-US" altLang="ja-JP" dirty="0" smtClean="0"/>
+          </a:p>
+          <a:p>
+            <a:r>
+              <a:rPr kumimoji="1" lang="ja-JP" altLang="en-US" dirty="0" smtClean="0"/>
+              <a:t>中央下　　　　</a:t>
+            </a:r>
+            <a:r>
+              <a:rPr kumimoji="1" lang="en-US" altLang="ja-JP" dirty="0" smtClean="0"/>
+              <a:t>Player</a:t>
+            </a:r>
+          </a:p>
+          <a:p>
+            <a:r>
+              <a:rPr lang="ja-JP" altLang="en-US" dirty="0" smtClean="0"/>
+              <a:t>中央上　　　　</a:t>
+            </a:r>
+            <a:r>
+              <a:rPr lang="en-US" altLang="ja-JP" dirty="0" smtClean="0"/>
+              <a:t>Boss</a:t>
+            </a:r>
+            <a:endParaRPr kumimoji="1" lang="ja-JP" altLang="en-US" dirty="0"/>
+          </a:p>
+        </p:txBody>
+      </p:sp>
+      <p:sp>
+        <p:nvSpPr>
+          <p:cNvPr id="15" name="テキスト ボックス 14"/>
+          <p:cNvSpPr txBox="1"/>
+          <p:nvPr/>
+        </p:nvSpPr>
+        <p:spPr>
+          <a:xfrm>
+            <a:off x="7704083" y="3405352"/>
+            <a:ext cx="2896947" cy="369332"/>
+          </a:xfrm>
+          <a:prstGeom prst="rect">
+            <a:avLst/>
+          </a:prstGeom>
+          <a:noFill/>
+        </p:spPr>
+        <p:txBody>
+          <a:bodyPr wrap="none" rtlCol="0">
+            <a:spAutoFit/>
+          </a:bodyPr>
+          <a:lstStyle/>
+          <a:p>
+            <a:r>
+              <a:rPr kumimoji="1" lang="en-US" altLang="ja-JP" dirty="0" err="1" smtClean="0"/>
+              <a:t>BossHP</a:t>
+            </a:r>
+            <a:r>
+              <a:rPr kumimoji="1" lang="ja-JP" altLang="en-US" dirty="0" smtClean="0"/>
+              <a:t>が３００以下でクリア</a:t>
+            </a:r>
+            <a:endParaRPr kumimoji="1" lang="ja-JP" altLang="en-US" dirty="0"/>
+          </a:p>
+        </p:txBody>
+      </p:sp>
+      <p:pic>
+        <p:nvPicPr>
+          <p:cNvPr id="17" name="図 16"/>
+          <p:cNvPicPr>
+            <a:picLocks noChangeAspect="1"/>
+          </p:cNvPicPr>
+          <p:nvPr/>
+        </p:nvPicPr>
+        <p:blipFill>
+          <a:blip r:embed="rId3" cstate="print">
+            <a:extLst>
+              <a:ext uri="{28A0092B-C50C-407E-A947-70E740481C1C}">
+                <a14:useLocalDpi xmlns:a14="http://schemas.microsoft.com/office/drawing/2010/main" val="0"/>
+              </a:ext>
+            </a:extLst>
+          </a:blip>
+          <a:stretch>
+            <a:fillRect/>
+          </a:stretch>
+        </p:blipFill>
+        <p:spPr>
+          <a:xfrm>
+            <a:off x="7331961" y="4022494"/>
+            <a:ext cx="2228798" cy="1253699"/>
+          </a:xfrm>
+          <a:prstGeom prst="rect">
+            <a:avLst/>
+          </a:prstGeom>
+        </p:spPr>
+      </p:pic>
+      <p:sp>
+        <p:nvSpPr>
+          <p:cNvPr id="20" name="正方形/長方形 19"/>
+          <p:cNvSpPr/>
+          <p:nvPr/>
+        </p:nvSpPr>
+        <p:spPr>
+          <a:xfrm>
+            <a:off x="9364717" y="4950373"/>
+            <a:ext cx="2522483" cy="1557709"/>
+          </a:xfrm>
+          <a:prstGeom prst="rect">
+            <a:avLst/>
+          </a:prstGeom>
+          <a:ln w="38100"/>
+        </p:spPr>
+        <p:style>
+          <a:lnRef idx="2">
+            <a:schemeClr val="dk1"/>
+          </a:lnRef>
+          <a:fillRef idx="1">
+            <a:schemeClr val="lt1"/>
+          </a:fillRef>
+          <a:effectRef idx="0">
+            <a:schemeClr val="dk1"/>
+          </a:effectRef>
+          <a:fontRef idx="minor">
+            <a:schemeClr val="dk1"/>
+          </a:fontRef>
+        </p:style>
+        <p:txBody>
+          <a:bodyPr rtlCol="0" anchor="ctr"/>
+          <a:lstStyle/>
+          <a:p>
+            <a:pPr algn="ctr"/>
             <a:endParaRPr kumimoji="1" lang="ja-JP" altLang="en-US"/>
           </a:p>
         </p:txBody>
       </p:sp>
+      <p:pic>
+        <p:nvPicPr>
+          <p:cNvPr id="18" name="図 17"/>
+          <p:cNvPicPr>
+            <a:picLocks noChangeAspect="1"/>
+          </p:cNvPicPr>
+          <p:nvPr/>
+        </p:nvPicPr>
+        <p:blipFill>
+          <a:blip r:embed="rId4" cstate="print">
+            <a:extLst>
+              <a:ext uri="{28A0092B-C50C-407E-A947-70E740481C1C}">
+                <a14:useLocalDpi xmlns:a14="http://schemas.microsoft.com/office/drawing/2010/main" val="0"/>
+              </a:ext>
+            </a:extLst>
+          </a:blip>
+          <a:stretch>
+            <a:fillRect/>
+          </a:stretch>
+        </p:blipFill>
+        <p:spPr>
+          <a:xfrm>
+            <a:off x="9418279" y="5049908"/>
+            <a:ext cx="2415357" cy="1358638"/>
+          </a:xfrm>
+          <a:prstGeom prst="rect">
+            <a:avLst/>
+          </a:prstGeom>
+        </p:spPr>
+      </p:pic>
     </p:spTree>
     <p:extLst>
       <p:ext uri="{BB962C8B-B14F-4D97-AF65-F5344CB8AC3E}">
@@ -9871,7 +7196,19 @@
             </a:pPr>
             <a:r>
               <a:rPr lang="ja-JP" altLang="en-US" dirty="0"/>
-              <a:t>攻撃　オート＆マウス（</a:t>
+              <a:t>攻撃　</a:t>
+            </a:r>
+            <a:r>
+              <a:rPr lang="en-US" altLang="ja-JP" dirty="0" smtClean="0"/>
+              <a:t>SPACE</a:t>
+            </a:r>
+            <a:r>
+              <a:rPr lang="ja-JP" altLang="en-US" dirty="0" smtClean="0"/>
+              <a:t>＆</a:t>
+            </a:r>
+            <a:r>
+              <a:rPr lang="ja-JP" altLang="en-US" dirty="0"/>
+              <a:t>マウス（</a:t>
             </a:r>
             <a:r>
               <a:rPr lang="en-US" altLang="ja-JP" dirty="0"/>
@@ -9931,6 +7268,74 @@
 </file>
 
 <file path=ppt/slides/slide5.xml><?xml version="1.0" encoding="utf-8"?>
+<p:sld xmlns:a="http://schemas.openxmlformats.org/drawingml/2006/main" xmlns:r="http://schemas.openxmlformats.org/officeDocument/2006/relationships" xmlns:p="http://schemas.openxmlformats.org/presentationml/2006/main">
+  <p:cSld>
+    <p:spTree>
+      <p:nvGrpSpPr>
+        <p:cNvPr id="1" name=""/>
+        <p:cNvGrpSpPr/>
+        <p:nvPr/>
+      </p:nvGrpSpPr>
+      <p:grpSpPr>
+        <a:xfrm>
+          <a:off x="0" y="0"/>
+          <a:ext cx="0" cy="0"/>
+          <a:chOff x="0" y="0"/>
+          <a:chExt cx="0" cy="0"/>
+        </a:xfrm>
+      </p:grpSpPr>
+      <p:sp>
+        <p:nvSpPr>
+          <p:cNvPr id="2" name="タイトル 1"/>
+          <p:cNvSpPr>
+            <a:spLocks noGrp="1"/>
+          </p:cNvSpPr>
+          <p:nvPr>
+            <p:ph type="title"/>
+          </p:nvPr>
+        </p:nvSpPr>
+        <p:spPr/>
+        <p:txBody>
+          <a:bodyPr/>
+          <a:lstStyle/>
+          <a:p>
+            <a:endParaRPr kumimoji="1" lang="ja-JP" altLang="en-US"/>
+          </a:p>
+        </p:txBody>
+      </p:sp>
+      <p:sp>
+        <p:nvSpPr>
+          <p:cNvPr id="3" name="コンテンツ プレースホルダー 2"/>
+          <p:cNvSpPr>
+            <a:spLocks noGrp="1"/>
+          </p:cNvSpPr>
+          <p:nvPr>
+            <p:ph idx="1"/>
+          </p:nvPr>
+        </p:nvSpPr>
+        <p:spPr/>
+        <p:txBody>
+          <a:bodyPr/>
+          <a:lstStyle/>
+          <a:p>
+            <a:endParaRPr kumimoji="1" lang="ja-JP" altLang="en-US"/>
+          </a:p>
+        </p:txBody>
+      </p:sp>
+    </p:spTree>
+    <p:extLst>
+      <p:ext uri="{BB962C8B-B14F-4D97-AF65-F5344CB8AC3E}">
+        <p14:creationId xmlns:p14="http://schemas.microsoft.com/office/powerpoint/2010/main" val="3896967460"/>
+      </p:ext>
+    </p:extLst>
+  </p:cSld>
+  <p:clrMapOvr>
+    <a:masterClrMapping/>
+  </p:clrMapOvr>
+</p:sld>
+</file>
+
+<file path=ppt/slides/slide6.xml><?xml version="1.0" encoding="utf-8"?>
 <p:sld xmlns:a="http://schemas.openxmlformats.org/drawingml/2006/main" xmlns:r="http://schemas.openxmlformats.org/officeDocument/2006/relationships" xmlns:p="http://schemas.openxmlformats.org/presentationml/2006/main">
   <p:cSld>
     <p:spTree>

--- a/ゲーム説明用プレゼン.pptx
+++ b/ゲーム説明用プレゼン.pptx
@@ -201,7 +201,7 @@
           <a:p>
             <a:fld id="{4125E12D-E395-44EC-B10F-D625E00726A1}" type="datetimeFigureOut">
               <a:rPr kumimoji="1" lang="ja-JP" altLang="en-US" smtClean="0"/>
-              <a:t>2022/12/12</a:t>
+              <a:t>2022/12/19</a:t>
             </a:fld>
             <a:endParaRPr kumimoji="1" lang="ja-JP" altLang="en-US"/>
           </a:p>
@@ -718,7 +718,7 @@
           <a:p>
             <a:fld id="{88EA2224-7AD1-431F-92CC-AC2E1209913D}" type="datetime1">
               <a:rPr kumimoji="1" lang="ja-JP" altLang="en-US" smtClean="0"/>
-              <a:t>2022/12/12</a:t>
+              <a:t>2022/12/19</a:t>
             </a:fld>
             <a:endParaRPr kumimoji="1" lang="ja-JP" altLang="en-US"/>
           </a:p>
@@ -1012,7 +1012,7 @@
           <a:p>
             <a:fld id="{67BCEAA5-3C28-47F3-9716-B8DB2CB9DDDD}" type="datetime1">
               <a:rPr kumimoji="1" lang="ja-JP" altLang="en-US" smtClean="0"/>
-              <a:t>2022/12/12</a:t>
+              <a:t>2022/12/19</a:t>
             </a:fld>
             <a:endParaRPr kumimoji="1" lang="ja-JP" altLang="en-US"/>
           </a:p>
@@ -1212,7 +1212,7 @@
           <a:p>
             <a:fld id="{67BCEAA5-3C28-47F3-9716-B8DB2CB9DDDD}" type="datetime1">
               <a:rPr kumimoji="1" lang="ja-JP" altLang="en-US" smtClean="0"/>
-              <a:t>2022/12/12</a:t>
+              <a:t>2022/12/19</a:t>
             </a:fld>
             <a:endParaRPr kumimoji="1" lang="ja-JP" altLang="en-US"/>
           </a:p>
@@ -1481,7 +1481,7 @@
           <a:p>
             <a:fld id="{67BCEAA5-3C28-47F3-9716-B8DB2CB9DDDD}" type="datetime1">
               <a:rPr kumimoji="1" lang="ja-JP" altLang="en-US" smtClean="0"/>
-              <a:t>2022/12/12</a:t>
+              <a:t>2022/12/19</a:t>
             </a:fld>
             <a:endParaRPr kumimoji="1" lang="ja-JP" altLang="en-US"/>
           </a:p>
@@ -1913,7 +1913,7 @@
           <a:p>
             <a:fld id="{67BCEAA5-3C28-47F3-9716-B8DB2CB9DDDD}" type="datetime1">
               <a:rPr kumimoji="1" lang="ja-JP" altLang="en-US" smtClean="0"/>
-              <a:t>2022/12/12</a:t>
+              <a:t>2022/12/19</a:t>
             </a:fld>
             <a:endParaRPr kumimoji="1" lang="ja-JP" altLang="en-US"/>
           </a:p>
@@ -2467,7 +2467,7 @@
           <a:p>
             <a:fld id="{67BCEAA5-3C28-47F3-9716-B8DB2CB9DDDD}" type="datetime1">
               <a:rPr kumimoji="1" lang="ja-JP" altLang="en-US" smtClean="0"/>
-              <a:t>2022/12/12</a:t>
+              <a:t>2022/12/19</a:t>
             </a:fld>
             <a:endParaRPr kumimoji="1" lang="ja-JP" altLang="en-US"/>
           </a:p>
@@ -3315,7 +3315,7 @@
           <a:p>
             <a:fld id="{67BCEAA5-3C28-47F3-9716-B8DB2CB9DDDD}" type="datetime1">
               <a:rPr kumimoji="1" lang="ja-JP" altLang="en-US" smtClean="0"/>
-              <a:t>2022/12/12</a:t>
+              <a:t>2022/12/19</a:t>
             </a:fld>
             <a:endParaRPr kumimoji="1" lang="ja-JP" altLang="en-US"/>
           </a:p>
@@ -3525,7 +3525,7 @@
           <a:p>
             <a:fld id="{7677D143-4371-4B90-A381-7F4A6C506DDF}" type="datetime1">
               <a:rPr kumimoji="1" lang="ja-JP" altLang="en-US" smtClean="0"/>
-              <a:t>2022/12/12</a:t>
+              <a:t>2022/12/19</a:t>
             </a:fld>
             <a:endParaRPr kumimoji="1" lang="ja-JP" altLang="en-US"/>
           </a:p>
@@ -3748,7 +3748,7 @@
           <a:p>
             <a:fld id="{8D40C3AA-334C-47C2-9975-2D1DE012CE40}" type="datetime1">
               <a:rPr kumimoji="1" lang="ja-JP" altLang="en-US" smtClean="0"/>
-              <a:t>2022/12/12</a:t>
+              <a:t>2022/12/19</a:t>
             </a:fld>
             <a:endParaRPr kumimoji="1" lang="ja-JP" altLang="en-US"/>
           </a:p>
@@ -3957,7 +3957,7 @@
           <a:p>
             <a:fld id="{0100C3A4-875D-43D3-B1C4-5C707C05ABEE}" type="datetime1">
               <a:rPr kumimoji="1" lang="ja-JP" altLang="en-US" smtClean="0"/>
-              <a:t>2022/12/12</a:t>
+              <a:t>2022/12/19</a:t>
             </a:fld>
             <a:endParaRPr kumimoji="1" lang="ja-JP" altLang="en-US"/>
           </a:p>
@@ -4212,7 +4212,7 @@
           <a:p>
             <a:fld id="{8B2F224A-16ED-4959-90E0-4C4959B8DA0B}" type="datetime1">
               <a:rPr kumimoji="1" lang="ja-JP" altLang="en-US" smtClean="0"/>
-              <a:t>2022/12/12</a:t>
+              <a:t>2022/12/19</a:t>
             </a:fld>
             <a:endParaRPr kumimoji="1" lang="ja-JP" altLang="en-US"/>
           </a:p>
@@ -4520,7 +4520,7 @@
           <a:p>
             <a:fld id="{6B92865D-00A3-4E71-9B07-74910FB7B3FB}" type="datetime1">
               <a:rPr kumimoji="1" lang="ja-JP" altLang="en-US" smtClean="0"/>
-              <a:t>2022/12/12</a:t>
+              <a:t>2022/12/19</a:t>
             </a:fld>
             <a:endParaRPr kumimoji="1" lang="ja-JP" altLang="en-US"/>
           </a:p>
@@ -4964,7 +4964,7 @@
           <a:p>
             <a:fld id="{C46BADC8-1948-467A-9C96-CDD1BB510488}" type="datetime1">
               <a:rPr kumimoji="1" lang="ja-JP" altLang="en-US" smtClean="0"/>
-              <a:t>2022/12/12</a:t>
+              <a:t>2022/12/19</a:t>
             </a:fld>
             <a:endParaRPr kumimoji="1" lang="ja-JP" altLang="en-US"/>
           </a:p>
@@ -5089,7 +5089,7 @@
           <a:p>
             <a:fld id="{88D410AE-1B94-44D5-B22B-CC1A40C94E11}" type="datetime1">
               <a:rPr kumimoji="1" lang="ja-JP" altLang="en-US" smtClean="0"/>
-              <a:t>2022/12/12</a:t>
+              <a:t>2022/12/19</a:t>
             </a:fld>
             <a:endParaRPr kumimoji="1" lang="ja-JP" altLang="en-US"/>
           </a:p>
@@ -5191,7 +5191,7 @@
           <a:p>
             <a:fld id="{3C974F33-24DD-417D-BA7D-E69F5B26DE3B}" type="datetime1">
               <a:rPr kumimoji="1" lang="ja-JP" altLang="en-US" smtClean="0"/>
-              <a:t>2022/12/12</a:t>
+              <a:t>2022/12/19</a:t>
             </a:fld>
             <a:endParaRPr kumimoji="1" lang="ja-JP" altLang="en-US"/>
           </a:p>
@@ -5481,7 +5481,7 @@
           <a:p>
             <a:fld id="{5401DB6D-036C-430F-8504-CDF7B8F8B05F}" type="datetime1">
               <a:rPr kumimoji="1" lang="ja-JP" altLang="en-US" smtClean="0"/>
-              <a:t>2022/12/12</a:t>
+              <a:t>2022/12/19</a:t>
             </a:fld>
             <a:endParaRPr kumimoji="1" lang="ja-JP" altLang="en-US"/>
           </a:p>
@@ -5775,7 +5775,7 @@
           <a:p>
             <a:fld id="{EC0409DD-2644-4323-9E82-D3AA01FBA2C5}" type="datetime1">
               <a:rPr kumimoji="1" lang="ja-JP" altLang="en-US" smtClean="0"/>
-              <a:t>2022/12/12</a:t>
+              <a:t>2022/12/19</a:t>
             </a:fld>
             <a:endParaRPr kumimoji="1" lang="ja-JP" altLang="en-US"/>
           </a:p>
@@ -6027,7 +6027,7 @@
           <a:p>
             <a:fld id="{67BCEAA5-3C28-47F3-9716-B8DB2CB9DDDD}" type="datetime1">
               <a:rPr kumimoji="1" lang="ja-JP" altLang="en-US" smtClean="0"/>
-              <a:t>2022/12/12</a:t>
+              <a:t>2022/12/19</a:t>
             </a:fld>
             <a:endParaRPr kumimoji="1" lang="ja-JP" altLang="en-US"/>
           </a:p>
@@ -6618,36 +6618,6 @@
           </a:p>
         </p:txBody>
       </p:sp>
-      <p:sp>
-        <p:nvSpPr>
-          <p:cNvPr id="4" name="テキスト ボックス 3"/>
-          <p:cNvSpPr txBox="1"/>
-          <p:nvPr/>
-        </p:nvSpPr>
-        <p:spPr>
-          <a:xfrm>
-            <a:off x="9926424" y="6183983"/>
-            <a:ext cx="1031051" cy="369332"/>
-          </a:xfrm>
-          <a:prstGeom prst="rect">
-            <a:avLst/>
-          </a:prstGeom>
-          <a:noFill/>
-        </p:spPr>
-        <p:txBody>
-          <a:bodyPr wrap="none" rtlCol="0">
-            <a:spAutoFit/>
-          </a:bodyPr>
-          <a:lstStyle/>
-          <a:p>
-            <a:r>
-              <a:rPr kumimoji="1" lang="ja-JP" altLang="en-US" dirty="0" smtClean="0"/>
-              <a:t>林　拓海</a:t>
-            </a:r>
-            <a:endParaRPr kumimoji="1" lang="ja-JP" altLang="en-US" dirty="0"/>
-          </a:p>
-        </p:txBody>
-      </p:sp>
     </p:spTree>
     <p:extLst>
       <p:ext uri="{BB962C8B-B14F-4D97-AF65-F5344CB8AC3E}">
@@ -6756,11 +6726,7 @@
             </a:pPr>
             <a:r>
               <a:rPr kumimoji="1" lang="ja-JP" altLang="en-US" dirty="0" smtClean="0"/>
-              <a:t>ゲーム</a:t>
-            </a:r>
-            <a:r>
-              <a:rPr kumimoji="1" lang="ja-JP" altLang="en-US" dirty="0" smtClean="0"/>
-              <a:t>画面</a:t>
+              <a:t>ゲーム画面</a:t>
             </a:r>
             <a:endParaRPr kumimoji="1" lang="en-US" altLang="ja-JP" dirty="0" smtClean="0"/>
           </a:p>
@@ -6928,7 +6894,7 @@
         </p:blipFill>
         <p:spPr>
           <a:xfrm>
-            <a:off x="1090800" y="2988297"/>
+            <a:off x="913796" y="2977540"/>
             <a:ext cx="4615909" cy="2566402"/>
           </a:xfrm>
           <a:prstGeom prst="rect">
@@ -6975,7 +6941,7 @@
         <p:spPr>
           <a:xfrm>
             <a:off x="5917434" y="1517716"/>
-            <a:ext cx="5014845" cy="2092881"/>
+            <a:ext cx="5666446" cy="3447098"/>
           </a:xfrm>
           <a:prstGeom prst="rect">
             <a:avLst/>
@@ -6989,10 +6955,13 @@
           <a:lstStyle/>
           <a:p>
             <a:r>
-              <a:rPr kumimoji="1" lang="ja-JP" altLang="en-US" sz="2000" dirty="0" smtClean="0"/>
+              <a:rPr kumimoji="1" lang="ja-JP" altLang="en-US" sz="2200" dirty="0" smtClean="0"/>
               <a:t>難易度低めの簡単弾幕シューティングゲーム</a:t>
             </a:r>
-            <a:endParaRPr kumimoji="1" lang="en-US" altLang="ja-JP" sz="2000" dirty="0" smtClean="0"/>
+            <a:endParaRPr kumimoji="1" lang="en-US" altLang="ja-JP" sz="2200" dirty="0" smtClean="0"/>
+          </a:p>
+          <a:p>
+            <a:endParaRPr lang="en-US" altLang="ja-JP" sz="2000" dirty="0"/>
           </a:p>
           <a:p>
             <a:endParaRPr kumimoji="1" lang="en-US" altLang="ja-JP" sz="2000" dirty="0" smtClean="0"/>
@@ -7022,6 +6991,30 @@
             <a:r>
               <a:rPr lang="ja-JP" altLang="en-US" sz="2000" dirty="0" smtClean="0"/>
               <a:t>に</a:t>
+            </a:r>
+            <a:endParaRPr lang="en-US" altLang="ja-JP" sz="2000" dirty="0" smtClean="0"/>
+          </a:p>
+          <a:p>
+            <a:pPr>
+              <a:lnSpc>
+                <a:spcPct val="150000"/>
+              </a:lnSpc>
+            </a:pPr>
+            <a:r>
+              <a:rPr lang="ja-JP" altLang="en-US" sz="2000" dirty="0"/>
+              <a:t>プレイヤー</a:t>
+            </a:r>
+            <a:r>
+              <a:rPr lang="ja-JP" altLang="en-US" sz="2000" dirty="0" smtClean="0"/>
+              <a:t>の動きの</a:t>
+            </a:r>
+            <a:r>
+              <a:rPr lang="ja-JP" altLang="en-US" sz="2400" b="1" dirty="0" smtClean="0"/>
+              <a:t>反転と同じ動き</a:t>
+            </a:r>
+            <a:r>
+              <a:rPr lang="ja-JP" altLang="en-US" sz="2000" dirty="0" smtClean="0"/>
+              <a:t>をボスがしてくる</a:t>
             </a:r>
             <a:endParaRPr lang="en-US" altLang="ja-JP" sz="2000" dirty="0" smtClean="0"/>
           </a:p>
@@ -7629,7 +7622,6 @@
               <a:rPr kumimoji="1" lang="en-US" altLang="ja-JP" b="1" i="1" dirty="0" smtClean="0"/>
               <a:t>300</a:t>
             </a:r>
-            <a:endParaRPr kumimoji="1" lang="en-US" altLang="ja-JP" b="1" i="1" dirty="0" smtClean="0"/>
           </a:p>
         </p:txBody>
       </p:sp>
@@ -7957,7 +7949,7 @@
         </p:spPr>
         <p:txBody>
           <a:bodyPr>
-            <a:normAutofit/>
+            <a:normAutofit fontScale="92500" lnSpcReduction="10000"/>
           </a:bodyPr>
           <a:lstStyle/>
           <a:p>
@@ -8029,7 +8021,45 @@
               <a:rPr lang="en-US" altLang="ja-JP" b="1" i="1" dirty="0" smtClean="0"/>
               <a:t>Hard</a:t>
             </a:r>
-            <a:endParaRPr kumimoji="1" lang="en-US" altLang="ja-JP" b="1" i="1" dirty="0" smtClean="0"/>
+          </a:p>
+          <a:p>
+            <a:pPr lvl="1">
+              <a:buFont typeface="Wingdings" panose="05000000000000000000" pitchFamily="2" charset="2"/>
+              <a:buChar char="u"/>
+            </a:pPr>
+            <a:r>
+              <a:rPr kumimoji="1" lang="en-US" altLang="ja-JP" dirty="0" smtClean="0">
+                <a:effectLst/>
+              </a:rPr>
+              <a:t>V</a:t>
+            </a:r>
+            <a:r>
+              <a:rPr kumimoji="1" lang="ja-JP" altLang="en-US" dirty="0" smtClean="0">
+                <a:effectLst/>
+              </a:rPr>
+              <a:t>　難易度</a:t>
+            </a:r>
+            <a:r>
+              <a:rPr kumimoji="1" lang="en-US" altLang="ja-JP" b="1" i="1" dirty="0" smtClean="0">
+                <a:effectLst>
+                  <a:outerShdw blurRad="38100" dist="38100" dir="2700000" algn="tl">
+                    <a:srgbClr val="000000">
+                      <a:alpha val="43137"/>
+                    </a:srgbClr>
+                  </a:outerShdw>
+                </a:effectLst>
+              </a:rPr>
+              <a:t>Hard</a:t>
+            </a:r>
+            <a:endParaRPr kumimoji="1" lang="en-US" altLang="ja-JP" b="1" i="1" dirty="0" smtClean="0">
+              <a:effectLst>
+                <a:outerShdw blurRad="38100" dist="38100" dir="2700000" algn="tl">
+                  <a:srgbClr val="000000">
+                    <a:alpha val="43137"/>
+                  </a:srgbClr>
+                </a:outerShdw>
+              </a:effectLst>
+            </a:endParaRPr>
           </a:p>
         </p:txBody>
       </p:sp>
@@ -8098,7 +8128,15 @@
             </a:r>
             <a:r>
               <a:rPr lang="ja-JP" altLang="en-US" b="1" i="1" dirty="0" smtClean="0"/>
-              <a:t>　（オート）</a:t>
+              <a:t>　</a:t>
+            </a:r>
+            <a:r>
+              <a:rPr lang="ja-JP" altLang="en-US" b="1" i="1" dirty="0" smtClean="0"/>
+              <a:t>（押している間オート</a:t>
+            </a:r>
+            <a:r>
+              <a:rPr lang="ja-JP" altLang="en-US" b="1" i="1" dirty="0" smtClean="0"/>
+              <a:t>）</a:t>
             </a:r>
             <a:endParaRPr lang="en-US" altLang="ja-JP" b="1" i="1" dirty="0"/>
           </a:p>
@@ -8108,7 +8146,7 @@
               <a:buChar char="u"/>
             </a:pPr>
             <a:r>
-              <a:rPr lang="ja-JP" altLang="en-US" b="1" i="1" dirty="0" smtClean="0"/>
+              <a:rPr lang="ja-JP" altLang="en-US" dirty="0" smtClean="0"/>
               <a:t>攻撃２</a:t>
             </a:r>
             <a:r>
@@ -8125,7 +8163,15 @@
             </a:r>
             <a:r>
               <a:rPr lang="ja-JP" altLang="en-US" b="1" i="1" dirty="0" smtClean="0"/>
-              <a:t>）　（マウスポインター方向）</a:t>
+              <a:t>）　（</a:t>
+            </a:r>
+            <a:r>
+              <a:rPr lang="ja-JP" altLang="en-US" b="1" i="1" dirty="0" smtClean="0"/>
+              <a:t>マウスカーソル方向</a:t>
+            </a:r>
+            <a:r>
+              <a:rPr lang="ja-JP" altLang="en-US" b="1" i="1" dirty="0" smtClean="0"/>
+              <a:t>）</a:t>
             </a:r>
             <a:endParaRPr lang="en-US" altLang="ja-JP" b="1" i="1" dirty="0"/>
           </a:p>

--- a/ゲーム説明用プレゼン.pptx
+++ b/ゲーム説明用プレゼン.pptx
@@ -5,7 +5,7 @@
     <p:sldMasterId id="2147483990" r:id="rId1"/>
   </p:sldMasterIdLst>
   <p:notesMasterIdLst>
-    <p:notesMasterId r:id="rId7"/>
+    <p:notesMasterId r:id="rId10"/>
   </p:notesMasterIdLst>
   <p:sldIdLst>
     <p:sldId id="256" r:id="rId2"/>
@@ -13,6 +13,9 @@
     <p:sldId id="261" r:id="rId4"/>
     <p:sldId id="259" r:id="rId5"/>
     <p:sldId id="258" r:id="rId6"/>
+    <p:sldId id="263" r:id="rId7"/>
+    <p:sldId id="264" r:id="rId8"/>
+    <p:sldId id="265" r:id="rId9"/>
   </p:sldIdLst>
   <p:sldSz cx="12192000" cy="6858000"/>
   <p:notesSz cx="6858000" cy="9144000"/>
@@ -6536,8 +6539,9 @@
             <a:r>
               <a:rPr lang="en-US" altLang="ja-JP" sz="6600" b="0" dirty="0" smtClean="0">
                 <a:solidFill>
-                  <a:schemeClr val="accent1">
-                    <a:lumMod val="75000"/>
+                  <a:schemeClr val="accent6">
+                    <a:lumMod val="40000"/>
+                    <a:lumOff val="60000"/>
                   </a:schemeClr>
                 </a:solidFill>
                 <a:latin typeface="Mongolian Baiti" panose="03000500000000000000" pitchFamily="66" charset="0"/>
@@ -6548,8 +6552,9 @@
             <a:r>
               <a:rPr lang="ja-JP" altLang="en-US" sz="6600" b="0" dirty="0">
                 <a:solidFill>
-                  <a:schemeClr val="accent1">
-                    <a:lumMod val="75000"/>
+                  <a:schemeClr val="accent6">
+                    <a:lumMod val="40000"/>
+                    <a:lumOff val="60000"/>
                   </a:schemeClr>
                 </a:solidFill>
                 <a:latin typeface="Mongolian Baiti" panose="03000500000000000000" pitchFamily="66" charset="0"/>
@@ -6560,8 +6565,9 @@
             <a:r>
               <a:rPr lang="en-US" altLang="ja-JP" sz="6600" b="0" dirty="0" smtClean="0">
                 <a:solidFill>
-                  <a:schemeClr val="accent1">
-                    <a:lumMod val="75000"/>
+                  <a:schemeClr val="accent6">
+                    <a:lumMod val="40000"/>
+                    <a:lumOff val="60000"/>
                   </a:schemeClr>
                 </a:solidFill>
                 <a:latin typeface="Mongolian Baiti" panose="03000500000000000000" pitchFamily="66" charset="0"/>
@@ -6571,8 +6577,9 @@
             </a:r>
             <a:endParaRPr lang="ja-JP" altLang="en-US" sz="6600" b="0" dirty="0">
               <a:solidFill>
-                <a:schemeClr val="accent1">
-                  <a:lumMod val="75000"/>
+                <a:schemeClr val="accent6">
+                  <a:lumMod val="40000"/>
+                  <a:lumOff val="60000"/>
                 </a:schemeClr>
               </a:solidFill>
               <a:latin typeface="Mongolian Baiti" panose="03000500000000000000" pitchFamily="66" charset="0"/>
@@ -6599,17 +6606,32 @@
           <a:lstStyle/>
           <a:p>
             <a:r>
-              <a:rPr kumimoji="1" lang="ja-JP" altLang="en-US" dirty="0" smtClean="0"/>
+              <a:rPr kumimoji="1" lang="ja-JP" altLang="en-US" dirty="0" smtClean="0">
+                <a:solidFill>
+                  <a:schemeClr val="accent6">
+                    <a:lumMod val="40000"/>
+                    <a:lumOff val="60000"/>
+                  </a:schemeClr>
+                </a:solidFill>
+              </a:rPr>
               <a:t>ゲームジャンル</a:t>
             </a:r>
-            <a:endParaRPr kumimoji="1" lang="en-US" altLang="ja-JP" dirty="0" smtClean="0"/>
+            <a:endParaRPr kumimoji="1" lang="en-US" altLang="ja-JP" dirty="0" smtClean="0">
+              <a:solidFill>
+                <a:schemeClr val="accent6">
+                  <a:lumMod val="40000"/>
+                  <a:lumOff val="60000"/>
+                </a:schemeClr>
+              </a:solidFill>
+            </a:endParaRPr>
           </a:p>
           <a:p>
             <a:r>
               <a:rPr lang="ja-JP" altLang="en-US" sz="2800" b="1" dirty="0">
                 <a:solidFill>
-                  <a:schemeClr val="accent1">
-                    <a:lumMod val="75000"/>
+                  <a:schemeClr val="accent6">
+                    <a:lumMod val="40000"/>
+                    <a:lumOff val="60000"/>
                   </a:schemeClr>
                 </a:solidFill>
               </a:rPr>
@@ -6680,10 +6702,24 @@
           <a:p>
             <a:pPr algn="l"/>
             <a:r>
-              <a:rPr kumimoji="1" lang="ja-JP" altLang="en-US" dirty="0" smtClean="0"/>
+              <a:rPr kumimoji="1" lang="ja-JP" altLang="en-US" dirty="0" smtClean="0">
+                <a:solidFill>
+                  <a:schemeClr val="accent6">
+                    <a:lumMod val="40000"/>
+                    <a:lumOff val="60000"/>
+                  </a:schemeClr>
+                </a:solidFill>
+              </a:rPr>
               <a:t>目次</a:t>
             </a:r>
-            <a:endParaRPr kumimoji="1" lang="ja-JP" altLang="en-US" dirty="0"/>
+            <a:endParaRPr kumimoji="1" lang="ja-JP" altLang="en-US" dirty="0">
+              <a:solidFill>
+                <a:schemeClr val="accent6">
+                  <a:lumMod val="40000"/>
+                  <a:lumOff val="60000"/>
+                </a:schemeClr>
+              </a:solidFill>
+            </a:endParaRPr>
           </a:p>
         </p:txBody>
       </p:sp>
@@ -6699,8 +6735,8 @@
         </p:nvSpPr>
         <p:spPr>
           <a:xfrm>
-            <a:off x="910138" y="1859522"/>
-            <a:ext cx="1897644" cy="1793548"/>
+            <a:off x="2216424" y="1963217"/>
+            <a:ext cx="2934074" cy="1518161"/>
           </a:xfrm>
         </p:spPr>
         <p:txBody>
@@ -6736,73 +6772,13 @@
               <a:buChar char="u"/>
             </a:pPr>
             <a:r>
-              <a:rPr lang="ja-JP" altLang="en-US" dirty="0"/>
-              <a:t>操作方法</a:t>
-            </a:r>
-            <a:endParaRPr kumimoji="1" lang="ja-JP" altLang="en-US" dirty="0"/>
-          </a:p>
-        </p:txBody>
-      </p:sp>
-      <p:pic>
-        <p:nvPicPr>
-          <p:cNvPr id="5" name="図 4"/>
-          <p:cNvPicPr>
-            <a:picLocks noChangeAspect="1"/>
-          </p:cNvPicPr>
-          <p:nvPr/>
-        </p:nvPicPr>
-        <p:blipFill>
-          <a:blip r:embed="rId2" cstate="print">
-            <a:extLst>
-              <a:ext uri="{28A0092B-C50C-407E-A947-70E740481C1C}">
-                <a14:useLocalDpi xmlns:a14="http://schemas.microsoft.com/office/drawing/2010/main" val="0"/>
-              </a:ext>
-            </a:extLst>
-          </a:blip>
-          <a:stretch>
-            <a:fillRect/>
-          </a:stretch>
-        </p:blipFill>
-        <p:spPr>
-          <a:xfrm>
-            <a:off x="11583879" y="6249879"/>
-            <a:ext cx="608119" cy="608119"/>
-          </a:xfrm>
-          <a:prstGeom prst="rect">
-            <a:avLst/>
-          </a:prstGeom>
-        </p:spPr>
-      </p:pic>
-      <p:pic>
-        <p:nvPicPr>
-          <p:cNvPr id="6" name="図 5" descr="画面の領域"/>
-          <p:cNvPicPr>
-            <a:picLocks noChangeAspect="1"/>
-          </p:cNvPicPr>
-          <p:nvPr/>
-        </p:nvPicPr>
-        <p:blipFill>
-          <a:blip r:embed="rId3" cstate="print">
-            <a:extLst>
-              <a:ext uri="{28A0092B-C50C-407E-A947-70E740481C1C}">
-                <a14:useLocalDpi xmlns:a14="http://schemas.microsoft.com/office/drawing/2010/main" val="0"/>
-              </a:ext>
-            </a:extLst>
-          </a:blip>
-          <a:stretch>
-            <a:fillRect/>
-          </a:stretch>
-        </p:blipFill>
-        <p:spPr>
-          <a:xfrm>
-            <a:off x="5080324" y="1253422"/>
-            <a:ext cx="4313974" cy="2399648"/>
-          </a:xfrm>
-          <a:prstGeom prst="rect">
-            <a:avLst/>
-          </a:prstGeom>
-        </p:spPr>
-      </p:pic>
+              <a:rPr lang="ja-JP" altLang="en-US" dirty="0" smtClean="0"/>
+              <a:t>各画面ごとの操作方法</a:t>
+            </a:r>
+            <a:endParaRPr lang="en-US" altLang="ja-JP" dirty="0" smtClean="0"/>
+          </a:p>
+        </p:txBody>
+      </p:sp>
     </p:spTree>
     <p:extLst>
       <p:ext uri="{BB962C8B-B14F-4D97-AF65-F5344CB8AC3E}">
@@ -6865,73 +6841,27 @@
           <a:p>
             <a:pPr algn="l"/>
             <a:r>
-              <a:rPr kumimoji="1" lang="ja-JP" altLang="en-US" dirty="0" smtClean="0"/>
+              <a:rPr kumimoji="1" lang="ja-JP" altLang="en-US" dirty="0" smtClean="0">
+                <a:solidFill>
+                  <a:schemeClr val="accent6">
+                    <a:lumMod val="40000"/>
+                    <a:lumOff val="60000"/>
+                  </a:schemeClr>
+                </a:solidFill>
+              </a:rPr>
               <a:t>コンセプト</a:t>
             </a:r>
-            <a:endParaRPr kumimoji="1" lang="ja-JP" altLang="en-US" dirty="0"/>
-          </a:p>
-        </p:txBody>
-      </p:sp>
-      <p:pic>
-        <p:nvPicPr>
-          <p:cNvPr id="4" name="図 3" descr="画面の領域"/>
-          <p:cNvPicPr>
-            <a:picLocks noChangeAspect="1"/>
-          </p:cNvPicPr>
-          <p:nvPr/>
-        </p:nvPicPr>
-        <p:blipFill>
-          <a:blip r:embed="rId2" cstate="print">
-            <a:extLst>
-              <a:ext uri="{28A0092B-C50C-407E-A947-70E740481C1C}">
-                <a14:useLocalDpi xmlns:a14="http://schemas.microsoft.com/office/drawing/2010/main" val="0"/>
-              </a:ext>
-            </a:extLst>
-          </a:blip>
-          <a:stretch>
-            <a:fillRect/>
-          </a:stretch>
-        </p:blipFill>
-        <p:spPr>
-          <a:xfrm>
-            <a:off x="913796" y="2977540"/>
-            <a:ext cx="4615909" cy="2566402"/>
-          </a:xfrm>
-          <a:prstGeom prst="rect">
-            <a:avLst/>
-          </a:prstGeom>
-        </p:spPr>
-      </p:pic>
-      <p:pic>
-        <p:nvPicPr>
-          <p:cNvPr id="5" name="図 4"/>
-          <p:cNvPicPr>
-            <a:picLocks noChangeAspect="1"/>
-          </p:cNvPicPr>
-          <p:nvPr/>
-        </p:nvPicPr>
-        <p:blipFill>
-          <a:blip r:embed="rId3" cstate="print">
-            <a:extLst>
-              <a:ext uri="{28A0092B-C50C-407E-A947-70E740481C1C}">
-                <a14:useLocalDpi xmlns:a14="http://schemas.microsoft.com/office/drawing/2010/main" val="0"/>
-              </a:ext>
-            </a:extLst>
-          </a:blip>
-          <a:stretch>
-            <a:fillRect/>
-          </a:stretch>
-        </p:blipFill>
-        <p:spPr>
-          <a:xfrm>
-            <a:off x="11583880" y="6249880"/>
-            <a:ext cx="608120" cy="608120"/>
-          </a:xfrm>
-          <a:prstGeom prst="rect">
-            <a:avLst/>
-          </a:prstGeom>
-        </p:spPr>
-      </p:pic>
+            <a:endParaRPr kumimoji="1" lang="ja-JP" altLang="en-US" dirty="0">
+              <a:solidFill>
+                <a:schemeClr val="accent6">
+                  <a:lumMod val="40000"/>
+                  <a:lumOff val="60000"/>
+                </a:schemeClr>
+              </a:solidFill>
+            </a:endParaRPr>
+          </a:p>
+        </p:txBody>
+      </p:sp>
       <p:sp>
         <p:nvSpPr>
           <p:cNvPr id="3" name="テキスト ボックス 2"/>
@@ -6940,8 +6870,8 @@
         </p:nvSpPr>
         <p:spPr>
           <a:xfrm>
-            <a:off x="5917434" y="1517716"/>
-            <a:ext cx="5666446" cy="3447098"/>
+            <a:off x="3351655" y="1899853"/>
+            <a:ext cx="5666446" cy="2431435"/>
           </a:xfrm>
           <a:prstGeom prst="rect">
             <a:avLst/>
@@ -7001,36 +6931,8 @@
               </a:lnSpc>
             </a:pPr>
             <a:r>
-              <a:rPr lang="ja-JP" altLang="en-US" sz="2000" dirty="0"/>
-              <a:t>プレイヤー</a:t>
-            </a:r>
-            <a:r>
               <a:rPr lang="ja-JP" altLang="en-US" sz="2000" dirty="0" smtClean="0"/>
-              <a:t>の動きの</a:t>
-            </a:r>
-            <a:r>
-              <a:rPr lang="ja-JP" altLang="en-US" sz="2400" b="1" dirty="0" smtClean="0"/>
-              <a:t>反転と同じ動き</a:t>
-            </a:r>
-            <a:r>
-              <a:rPr lang="ja-JP" altLang="en-US" sz="2000" dirty="0" smtClean="0"/>
-              <a:t>をボスがしてくる</a:t>
-            </a:r>
-            <a:endParaRPr lang="en-US" altLang="ja-JP" sz="2000" dirty="0" smtClean="0"/>
-          </a:p>
-          <a:p>
-            <a:pPr>
-              <a:lnSpc>
-                <a:spcPct val="150000"/>
-              </a:lnSpc>
-            </a:pPr>
-            <a:r>
-              <a:rPr lang="ja-JP" altLang="en-US" sz="2000" dirty="0"/>
-              <a:t>プレイヤー</a:t>
-            </a:r>
-            <a:r>
-              <a:rPr lang="ja-JP" altLang="en-US" sz="2000" dirty="0" smtClean="0"/>
-              <a:t>の当たり判定（小）</a:t>
+              <a:t>プレイヤーの当たり判定（小）</a:t>
             </a:r>
             <a:endParaRPr lang="en-US" altLang="ja-JP" sz="2000" dirty="0" smtClean="0"/>
           </a:p>
@@ -7064,83 +6966,7 @@
   <p:timing>
     <p:tnLst>
       <p:par>
-        <p:cTn id="1" dur="indefinite" restart="never" nodeType="tmRoot">
-          <p:childTnLst>
-            <p:seq concurrent="1" nextAc="seek">
-              <p:cTn id="2" dur="indefinite" nodeType="mainSeq">
-                <p:childTnLst>
-                  <p:par>
-                    <p:cTn id="3" fill="hold">
-                      <p:stCondLst>
-                        <p:cond delay="indefinite"/>
-                      </p:stCondLst>
-                      <p:childTnLst>
-                        <p:par>
-                          <p:cTn id="4" fill="hold">
-                            <p:stCondLst>
-                              <p:cond delay="0"/>
-                            </p:stCondLst>
-                            <p:childTnLst>
-                              <p:par>
-                                <p:cTn id="5" presetID="10" presetClass="entr" presetSubtype="0" fill="hold" nodeType="clickEffect">
-                                  <p:stCondLst>
-                                    <p:cond delay="0"/>
-                                  </p:stCondLst>
-                                  <p:childTnLst>
-                                    <p:set>
-                                      <p:cBhvr>
-                                        <p:cTn id="6" dur="1" fill="hold">
-                                          <p:stCondLst>
-                                            <p:cond delay="0"/>
-                                          </p:stCondLst>
-                                        </p:cTn>
-                                        <p:tgtEl>
-                                          <p:spTgt spid="4"/>
-                                        </p:tgtEl>
-                                        <p:attrNameLst>
-                                          <p:attrName>style.visibility</p:attrName>
-                                        </p:attrNameLst>
-                                      </p:cBhvr>
-                                      <p:to>
-                                        <p:strVal val="visible"/>
-                                      </p:to>
-                                    </p:set>
-                                    <p:animEffect transition="in" filter="fade">
-                                      <p:cBhvr>
-                                        <p:cTn id="7" dur="500"/>
-                                        <p:tgtEl>
-                                          <p:spTgt spid="4"/>
-                                        </p:tgtEl>
-                                      </p:cBhvr>
-                                    </p:animEffect>
-                                  </p:childTnLst>
-                                </p:cTn>
-                              </p:par>
-                            </p:childTnLst>
-                          </p:cTn>
-                        </p:par>
-                      </p:childTnLst>
-                    </p:cTn>
-                  </p:par>
-                </p:childTnLst>
-              </p:cTn>
-              <p:prevCondLst>
-                <p:cond evt="onPrev" delay="0">
-                  <p:tgtEl>
-                    <p:sldTgt/>
-                  </p:tgtEl>
-                </p:cond>
-              </p:prevCondLst>
-              <p:nextCondLst>
-                <p:cond evt="onNext" delay="0">
-                  <p:tgtEl>
-                    <p:sldTgt/>
-                  </p:tgtEl>
-                </p:cond>
-              </p:nextCondLst>
-            </p:seq>
-          </p:childTnLst>
-        </p:cTn>
+        <p:cTn id="1" dur="indefinite" restart="never" nodeType="tmRoot"/>
       </p:par>
     </p:tnLst>
   </p:timing>
@@ -7166,52 +6992,13 @@
       </p:grpSpPr>
       <p:sp>
         <p:nvSpPr>
-          <p:cNvPr id="19" name="正方形/長方形 18"/>
-          <p:cNvSpPr/>
-          <p:nvPr/>
-        </p:nvSpPr>
-        <p:spPr>
-          <a:xfrm>
-            <a:off x="7230512" y="3947049"/>
-            <a:ext cx="2414330" cy="1484410"/>
-          </a:xfrm>
-          <a:prstGeom prst="rect">
-            <a:avLst/>
-          </a:prstGeom>
-          <a:ln w="38100"/>
-        </p:spPr>
-        <p:style>
-          <a:lnRef idx="2">
-            <a:schemeClr val="dk1"/>
-          </a:lnRef>
-          <a:fillRef idx="1">
-            <a:schemeClr val="lt1"/>
-          </a:fillRef>
-          <a:effectRef idx="0">
-            <a:schemeClr val="dk1"/>
-          </a:effectRef>
-          <a:fontRef idx="minor">
-            <a:schemeClr val="dk1"/>
-          </a:fontRef>
-        </p:style>
-        <p:txBody>
-          <a:bodyPr rtlCol="0" anchor="ctr"/>
-          <a:lstStyle/>
-          <a:p>
-            <a:pPr algn="ctr"/>
-            <a:endParaRPr kumimoji="1" lang="ja-JP" altLang="en-US"/>
-          </a:p>
-        </p:txBody>
-      </p:sp>
-      <p:sp>
-        <p:nvSpPr>
           <p:cNvPr id="14" name="正方形/長方形 13"/>
           <p:cNvSpPr/>
           <p:nvPr/>
         </p:nvSpPr>
         <p:spPr>
           <a:xfrm>
-            <a:off x="328872" y="1128548"/>
+            <a:off x="655444" y="1595079"/>
             <a:ext cx="6800193" cy="4147645"/>
           </a:xfrm>
           <a:prstGeom prst="rect">
@@ -7266,10 +7053,24 @@
           <a:p>
             <a:pPr algn="l"/>
             <a:r>
-              <a:rPr kumimoji="1" lang="ja-JP" altLang="en-US" dirty="0" smtClean="0"/>
+              <a:rPr kumimoji="1" lang="ja-JP" altLang="en-US" dirty="0" smtClean="0">
+                <a:solidFill>
+                  <a:schemeClr val="accent6">
+                    <a:lumMod val="40000"/>
+                    <a:lumOff val="60000"/>
+                  </a:schemeClr>
+                </a:solidFill>
+              </a:rPr>
               <a:t>ゲーム画面</a:t>
             </a:r>
-            <a:endParaRPr kumimoji="1" lang="ja-JP" altLang="en-US" dirty="0"/>
+            <a:endParaRPr kumimoji="1" lang="ja-JP" altLang="en-US" dirty="0">
+              <a:solidFill>
+                <a:schemeClr val="accent6">
+                  <a:lumMod val="40000"/>
+                  <a:lumOff val="60000"/>
+                </a:schemeClr>
+              </a:solidFill>
+            </a:endParaRPr>
           </a:p>
         </p:txBody>
       </p:sp>
@@ -7281,7 +7082,7 @@
         </p:nvSpPr>
         <p:spPr>
           <a:xfrm>
-            <a:off x="7514896" y="319085"/>
+            <a:off x="8000088" y="1905289"/>
             <a:ext cx="2605970" cy="2585323"/>
           </a:xfrm>
           <a:prstGeom prst="rect">
@@ -7376,7 +7177,7 @@
         </p:nvSpPr>
         <p:spPr>
           <a:xfrm>
-            <a:off x="8240526" y="3436955"/>
+            <a:off x="8725718" y="5023159"/>
             <a:ext cx="2180405" cy="369332"/>
           </a:xfrm>
           <a:prstGeom prst="rect">
@@ -7413,16 +7214,99 @@
           </a:p>
         </p:txBody>
       </p:sp>
+      <p:sp>
+        <p:nvSpPr>
+          <p:cNvPr id="4" name="テキスト ボックス 3"/>
+          <p:cNvSpPr txBox="1"/>
+          <p:nvPr/>
+        </p:nvSpPr>
+        <p:spPr>
+          <a:xfrm>
+            <a:off x="7709452" y="4633773"/>
+            <a:ext cx="2194019" cy="369332"/>
+          </a:xfrm>
+          <a:prstGeom prst="rect">
+            <a:avLst/>
+          </a:prstGeom>
+          <a:noFill/>
+        </p:spPr>
+        <p:txBody>
+          <a:bodyPr wrap="square" rtlCol="0">
+            <a:spAutoFit/>
+          </a:bodyPr>
+          <a:lstStyle/>
+          <a:p>
+            <a:r>
+              <a:rPr kumimoji="1" lang="en-US" altLang="ja-JP" dirty="0" smtClean="0"/>
+              <a:t>Boss</a:t>
+            </a:r>
+            <a:r>
+              <a:rPr lang="ja-JP" altLang="en-US" dirty="0"/>
+              <a:t> </a:t>
+            </a:r>
+            <a:r>
+              <a:rPr kumimoji="1" lang="en-US" altLang="ja-JP" dirty="0" smtClean="0"/>
+              <a:t>HP</a:t>
+            </a:r>
+            <a:r>
+              <a:rPr kumimoji="1" lang="ja-JP" altLang="en-US" dirty="0" smtClean="0"/>
+              <a:t>は最大</a:t>
+            </a:r>
+            <a:r>
+              <a:rPr kumimoji="1" lang="en-US" altLang="ja-JP" b="1" i="1" dirty="0" smtClean="0"/>
+              <a:t>6000</a:t>
+            </a:r>
+            <a:endParaRPr kumimoji="1" lang="ja-JP" altLang="en-US" b="1" i="1" dirty="0"/>
+          </a:p>
+        </p:txBody>
+      </p:sp>
+      <p:sp>
+        <p:nvSpPr>
+          <p:cNvPr id="5" name="テキスト ボックス 4"/>
+          <p:cNvSpPr txBox="1"/>
+          <p:nvPr/>
+        </p:nvSpPr>
+        <p:spPr>
+          <a:xfrm flipH="1">
+            <a:off x="10091670" y="4599915"/>
+            <a:ext cx="1816698" cy="369332"/>
+          </a:xfrm>
+          <a:prstGeom prst="rect">
+            <a:avLst/>
+          </a:prstGeom>
+          <a:noFill/>
+        </p:spPr>
+        <p:txBody>
+          <a:bodyPr wrap="square" rtlCol="0">
+            <a:spAutoFit/>
+          </a:bodyPr>
+          <a:lstStyle/>
+          <a:p>
+            <a:r>
+              <a:rPr kumimoji="1" lang="en-US" altLang="ja-JP" dirty="0" smtClean="0"/>
+              <a:t>Player HP</a:t>
+            </a:r>
+            <a:r>
+              <a:rPr kumimoji="1" lang="ja-JP" altLang="en-US" dirty="0" smtClean="0"/>
+              <a:t>は</a:t>
+            </a:r>
+            <a:r>
+              <a:rPr kumimoji="1" lang="en-US" altLang="ja-JP" b="1" i="1" dirty="0" smtClean="0"/>
+              <a:t>300</a:t>
+            </a:r>
+          </a:p>
+        </p:txBody>
+      </p:sp>
       <p:pic>
         <p:nvPicPr>
-          <p:cNvPr id="17" name="図 16"/>
+          <p:cNvPr id="24" name="図 23" descr="画面の領域"/>
           <p:cNvPicPr>
             <a:picLocks noChangeAspect="1"/>
           </p:cNvPicPr>
           <p:nvPr/>
         </p:nvPicPr>
         <p:blipFill>
-          <a:blip r:embed="rId2" cstate="print">
+          <a:blip r:embed="rId2">
             <a:extLst>
               <a:ext uri="{28A0092B-C50C-407E-A947-70E740481C1C}">
                 <a14:useLocalDpi xmlns:a14="http://schemas.microsoft.com/office/drawing/2010/main" val="0"/>
@@ -7435,220 +7319,8 @@
         </p:blipFill>
         <p:spPr>
           <a:xfrm>
-            <a:off x="7331961" y="4022494"/>
-            <a:ext cx="2228798" cy="1253699"/>
-          </a:xfrm>
-          <a:prstGeom prst="rect">
-            <a:avLst/>
-          </a:prstGeom>
-        </p:spPr>
-      </p:pic>
-      <p:sp>
-        <p:nvSpPr>
-          <p:cNvPr id="20" name="正方形/長方形 19"/>
-          <p:cNvSpPr/>
-          <p:nvPr/>
-        </p:nvSpPr>
-        <p:spPr>
-          <a:xfrm>
-            <a:off x="9364717" y="4950373"/>
-            <a:ext cx="2522483" cy="1557709"/>
-          </a:xfrm>
-          <a:prstGeom prst="rect">
-            <a:avLst/>
-          </a:prstGeom>
-          <a:ln w="38100"/>
-        </p:spPr>
-        <p:style>
-          <a:lnRef idx="2">
-            <a:schemeClr val="dk1"/>
-          </a:lnRef>
-          <a:fillRef idx="1">
-            <a:schemeClr val="lt1"/>
-          </a:fillRef>
-          <a:effectRef idx="0">
-            <a:schemeClr val="dk1"/>
-          </a:effectRef>
-          <a:fontRef idx="minor">
-            <a:schemeClr val="dk1"/>
-          </a:fontRef>
-        </p:style>
-        <p:txBody>
-          <a:bodyPr rtlCol="0" anchor="ctr"/>
-          <a:lstStyle/>
-          <a:p>
-            <a:pPr algn="ctr"/>
-            <a:endParaRPr kumimoji="1" lang="ja-JP" altLang="en-US"/>
-          </a:p>
-        </p:txBody>
-      </p:sp>
-      <p:pic>
-        <p:nvPicPr>
-          <p:cNvPr id="18" name="図 17"/>
-          <p:cNvPicPr>
-            <a:picLocks noChangeAspect="1"/>
-          </p:cNvPicPr>
-          <p:nvPr/>
-        </p:nvPicPr>
-        <p:blipFill>
-          <a:blip r:embed="rId3" cstate="print">
-            <a:extLst>
-              <a:ext uri="{28A0092B-C50C-407E-A947-70E740481C1C}">
-                <a14:useLocalDpi xmlns:a14="http://schemas.microsoft.com/office/drawing/2010/main" val="0"/>
-              </a:ext>
-            </a:extLst>
-          </a:blip>
-          <a:stretch>
-            <a:fillRect/>
-          </a:stretch>
-        </p:blipFill>
-        <p:spPr>
-          <a:xfrm>
-            <a:off x="9418279" y="5049908"/>
-            <a:ext cx="2415357" cy="1358638"/>
-          </a:xfrm>
-          <a:prstGeom prst="rect">
-            <a:avLst/>
-          </a:prstGeom>
-        </p:spPr>
-      </p:pic>
-      <p:pic>
-        <p:nvPicPr>
-          <p:cNvPr id="16" name="図 15" descr="画面の領域"/>
-          <p:cNvPicPr>
-            <a:picLocks noChangeAspect="1"/>
-          </p:cNvPicPr>
-          <p:nvPr/>
-        </p:nvPicPr>
-        <p:blipFill>
-          <a:blip r:embed="rId4">
-            <a:extLst>
-              <a:ext uri="{28A0092B-C50C-407E-A947-70E740481C1C}">
-                <a14:useLocalDpi xmlns:a14="http://schemas.microsoft.com/office/drawing/2010/main" val="0"/>
-              </a:ext>
-            </a:extLst>
-          </a:blip>
-          <a:stretch>
-            <a:fillRect/>
-          </a:stretch>
-        </p:blipFill>
-        <p:spPr>
-          <a:xfrm>
-            <a:off x="430319" y="1286066"/>
-            <a:ext cx="6590591" cy="3664307"/>
-          </a:xfrm>
-          <a:prstGeom prst="rect">
-            <a:avLst/>
-          </a:prstGeom>
-        </p:spPr>
-      </p:pic>
-      <p:sp>
-        <p:nvSpPr>
-          <p:cNvPr id="4" name="テキスト ボックス 3"/>
-          <p:cNvSpPr txBox="1"/>
-          <p:nvPr/>
-        </p:nvSpPr>
-        <p:spPr>
-          <a:xfrm>
-            <a:off x="7224260" y="3047569"/>
-            <a:ext cx="2194019" cy="369332"/>
-          </a:xfrm>
-          <a:prstGeom prst="rect">
-            <a:avLst/>
-          </a:prstGeom>
-          <a:noFill/>
-        </p:spPr>
-        <p:txBody>
-          <a:bodyPr wrap="square" rtlCol="0">
-            <a:spAutoFit/>
-          </a:bodyPr>
-          <a:lstStyle/>
-          <a:p>
-            <a:r>
-              <a:rPr kumimoji="1" lang="en-US" altLang="ja-JP" dirty="0" smtClean="0"/>
-              <a:t>Boss</a:t>
-            </a:r>
-            <a:r>
-              <a:rPr lang="ja-JP" altLang="en-US" dirty="0"/>
-              <a:t> </a:t>
-            </a:r>
-            <a:r>
-              <a:rPr kumimoji="1" lang="en-US" altLang="ja-JP" dirty="0" smtClean="0"/>
-              <a:t>HP</a:t>
-            </a:r>
-            <a:r>
-              <a:rPr kumimoji="1" lang="ja-JP" altLang="en-US" dirty="0" smtClean="0"/>
-              <a:t>は最大</a:t>
-            </a:r>
-            <a:r>
-              <a:rPr kumimoji="1" lang="en-US" altLang="ja-JP" b="1" i="1" dirty="0" smtClean="0"/>
-              <a:t>6000</a:t>
-            </a:r>
-            <a:endParaRPr kumimoji="1" lang="ja-JP" altLang="en-US" b="1" i="1" dirty="0"/>
-          </a:p>
-        </p:txBody>
-      </p:sp>
-      <p:sp>
-        <p:nvSpPr>
-          <p:cNvPr id="5" name="テキスト ボックス 4"/>
-          <p:cNvSpPr txBox="1"/>
-          <p:nvPr/>
-        </p:nvSpPr>
-        <p:spPr>
-          <a:xfrm flipH="1">
-            <a:off x="9606478" y="3013711"/>
-            <a:ext cx="1816698" cy="369332"/>
-          </a:xfrm>
-          <a:prstGeom prst="rect">
-            <a:avLst/>
-          </a:prstGeom>
-          <a:noFill/>
-        </p:spPr>
-        <p:txBody>
-          <a:bodyPr wrap="square" rtlCol="0">
-            <a:spAutoFit/>
-          </a:bodyPr>
-          <a:lstStyle/>
-          <a:p>
-            <a:r>
-              <a:rPr kumimoji="1" lang="en-US" altLang="ja-JP" dirty="0" smtClean="0"/>
-              <a:t>Player HP</a:t>
-            </a:r>
-            <a:r>
-              <a:rPr kumimoji="1" lang="ja-JP" altLang="en-US" dirty="0" smtClean="0"/>
-              <a:t>は</a:t>
-            </a:r>
-            <a:r>
-              <a:rPr kumimoji="1" lang="en-US" altLang="ja-JP" b="1" i="1" dirty="0" smtClean="0"/>
-              <a:t>300</a:t>
-            </a:r>
-          </a:p>
-        </p:txBody>
-      </p:sp>
-      <p:pic>
-        <p:nvPicPr>
-          <p:cNvPr id="21" name="図 20"/>
-          <p:cNvPicPr>
-            <a:picLocks noChangeAspect="1"/>
-          </p:cNvPicPr>
-          <p:nvPr/>
-        </p:nvPicPr>
-        <p:blipFill>
-          <a:blip r:embed="rId5" cstate="print">
-            <a:extLst>
-              <a:ext uri="{28A0092B-C50C-407E-A947-70E740481C1C}">
-                <a14:useLocalDpi xmlns:a14="http://schemas.microsoft.com/office/drawing/2010/main" val="0"/>
-              </a:ext>
-            </a:extLst>
-          </a:blip>
-          <a:stretch>
-            <a:fillRect/>
-          </a:stretch>
-        </p:blipFill>
-        <p:spPr>
-          <a:xfrm>
-            <a:off x="11583880" y="6249880"/>
-            <a:ext cx="608120" cy="608120"/>
+            <a:off x="756891" y="1727772"/>
+            <a:ext cx="6596842" cy="3703943"/>
           </a:xfrm>
           <a:prstGeom prst="rect">
             <a:avLst/>
@@ -7671,221 +7343,9 @@
   <p:timing>
     <p:tnLst>
       <p:par>
-        <p:cTn id="1" dur="indefinite" restart="never" nodeType="tmRoot">
-          <p:childTnLst>
-            <p:seq concurrent="1" nextAc="seek">
-              <p:cTn id="2" dur="indefinite" nodeType="mainSeq">
-                <p:childTnLst>
-                  <p:par>
-                    <p:cTn id="3" fill="hold">
-                      <p:stCondLst>
-                        <p:cond delay="indefinite"/>
-                      </p:stCondLst>
-                      <p:childTnLst>
-                        <p:par>
-                          <p:cTn id="4" fill="hold">
-                            <p:stCondLst>
-                              <p:cond delay="0"/>
-                            </p:stCondLst>
-                            <p:childTnLst>
-                              <p:par>
-                                <p:cTn id="5" presetID="32" presetClass="emph" presetSubtype="0" fill="hold" nodeType="clickEffect">
-                                  <p:stCondLst>
-                                    <p:cond delay="0"/>
-                                  </p:stCondLst>
-                                  <p:childTnLst>
-                                    <p:animRot by="120000">
-                                      <p:cBhvr>
-                                        <p:cTn id="6" dur="100" fill="hold">
-                                          <p:stCondLst>
-                                            <p:cond delay="0"/>
-                                          </p:stCondLst>
-                                        </p:cTn>
-                                        <p:tgtEl>
-                                          <p:spTgt spid="16"/>
-                                        </p:tgtEl>
-                                        <p:attrNameLst>
-                                          <p:attrName>r</p:attrName>
-                                        </p:attrNameLst>
-                                      </p:cBhvr>
-                                    </p:animRot>
-                                    <p:animRot by="-240000">
-                                      <p:cBhvr>
-                                        <p:cTn id="7" dur="200" fill="hold">
-                                          <p:stCondLst>
-                                            <p:cond delay="200"/>
-                                          </p:stCondLst>
-                                        </p:cTn>
-                                        <p:tgtEl>
-                                          <p:spTgt spid="16"/>
-                                        </p:tgtEl>
-                                        <p:attrNameLst>
-                                          <p:attrName>r</p:attrName>
-                                        </p:attrNameLst>
-                                      </p:cBhvr>
-                                    </p:animRot>
-                                    <p:animRot by="240000">
-                                      <p:cBhvr>
-                                        <p:cTn id="8" dur="200" fill="hold">
-                                          <p:stCondLst>
-                                            <p:cond delay="400"/>
-                                          </p:stCondLst>
-                                        </p:cTn>
-                                        <p:tgtEl>
-                                          <p:spTgt spid="16"/>
-                                        </p:tgtEl>
-                                        <p:attrNameLst>
-                                          <p:attrName>r</p:attrName>
-                                        </p:attrNameLst>
-                                      </p:cBhvr>
-                                    </p:animRot>
-                                    <p:animRot by="-240000">
-                                      <p:cBhvr>
-                                        <p:cTn id="9" dur="200" fill="hold">
-                                          <p:stCondLst>
-                                            <p:cond delay="600"/>
-                                          </p:stCondLst>
-                                        </p:cTn>
-                                        <p:tgtEl>
-                                          <p:spTgt spid="16"/>
-                                        </p:tgtEl>
-                                        <p:attrNameLst>
-                                          <p:attrName>r</p:attrName>
-                                        </p:attrNameLst>
-                                      </p:cBhvr>
-                                    </p:animRot>
-                                    <p:animRot by="120000">
-                                      <p:cBhvr>
-                                        <p:cTn id="10" dur="200" fill="hold">
-                                          <p:stCondLst>
-                                            <p:cond delay="800"/>
-                                          </p:stCondLst>
-                                        </p:cTn>
-                                        <p:tgtEl>
-                                          <p:spTgt spid="16"/>
-                                        </p:tgtEl>
-                                        <p:attrNameLst>
-                                          <p:attrName>r</p:attrName>
-                                        </p:attrNameLst>
-                                      </p:cBhvr>
-                                    </p:animRot>
-                                  </p:childTnLst>
-                                </p:cTn>
-                              </p:par>
-                              <p:par>
-                                <p:cTn id="11" presetID="32" presetClass="emph" presetSubtype="0" fill="hold" grpId="0" nodeType="withEffect">
-                                  <p:stCondLst>
-                                    <p:cond delay="0"/>
-                                  </p:stCondLst>
-                                  <p:childTnLst>
-                                    <p:animRot by="120000">
-                                      <p:cBhvr>
-                                        <p:cTn id="12" dur="100" fill="hold">
-                                          <p:stCondLst>
-                                            <p:cond delay="0"/>
-                                          </p:stCondLst>
-                                        </p:cTn>
-                                        <p:tgtEl>
-                                          <p:spTgt spid="14"/>
-                                        </p:tgtEl>
-                                        <p:attrNameLst>
-                                          <p:attrName>r</p:attrName>
-                                        </p:attrNameLst>
-                                      </p:cBhvr>
-                                    </p:animRot>
-                                    <p:animRot by="-240000">
-                                      <p:cBhvr>
-                                        <p:cTn id="13" dur="200" fill="hold">
-                                          <p:stCondLst>
-                                            <p:cond delay="200"/>
-                                          </p:stCondLst>
-                                        </p:cTn>
-                                        <p:tgtEl>
-                                          <p:spTgt spid="14"/>
-                                        </p:tgtEl>
-                                        <p:attrNameLst>
-                                          <p:attrName>r</p:attrName>
-                                        </p:attrNameLst>
-                                      </p:cBhvr>
-                                    </p:animRot>
-                                    <p:animRot by="240000">
-                                      <p:cBhvr>
-                                        <p:cTn id="14" dur="200" fill="hold">
-                                          <p:stCondLst>
-                                            <p:cond delay="400"/>
-                                          </p:stCondLst>
-                                        </p:cTn>
-                                        <p:tgtEl>
-                                          <p:spTgt spid="14"/>
-                                        </p:tgtEl>
-                                        <p:attrNameLst>
-                                          <p:attrName>r</p:attrName>
-                                        </p:attrNameLst>
-                                      </p:cBhvr>
-                                    </p:animRot>
-                                    <p:animRot by="-240000">
-                                      <p:cBhvr>
-                                        <p:cTn id="15" dur="200" fill="hold">
-                                          <p:stCondLst>
-                                            <p:cond delay="600"/>
-                                          </p:stCondLst>
-                                        </p:cTn>
-                                        <p:tgtEl>
-                                          <p:spTgt spid="14"/>
-                                        </p:tgtEl>
-                                        <p:attrNameLst>
-                                          <p:attrName>r</p:attrName>
-                                        </p:attrNameLst>
-                                      </p:cBhvr>
-                                    </p:animRot>
-                                    <p:animRot by="120000">
-                                      <p:cBhvr>
-                                        <p:cTn id="16" dur="200" fill="hold">
-                                          <p:stCondLst>
-                                            <p:cond delay="800"/>
-                                          </p:stCondLst>
-                                        </p:cTn>
-                                        <p:tgtEl>
-                                          <p:spTgt spid="14"/>
-                                        </p:tgtEl>
-                                        <p:attrNameLst>
-                                          <p:attrName>r</p:attrName>
-                                        </p:attrNameLst>
-                                      </p:cBhvr>
-                                    </p:animRot>
-                                  </p:childTnLst>
-                                </p:cTn>
-                              </p:par>
-                            </p:childTnLst>
-                          </p:cTn>
-                        </p:par>
-                      </p:childTnLst>
-                    </p:cTn>
-                  </p:par>
-                </p:childTnLst>
-              </p:cTn>
-              <p:prevCondLst>
-                <p:cond evt="onPrev" delay="0">
-                  <p:tgtEl>
-                    <p:sldTgt/>
-                  </p:tgtEl>
-                </p:cond>
-              </p:prevCondLst>
-              <p:nextCondLst>
-                <p:cond evt="onNext" delay="0">
-                  <p:tgtEl>
-                    <p:sldTgt/>
-                  </p:tgtEl>
-                </p:cond>
-              </p:nextCondLst>
-            </p:seq>
-          </p:childTnLst>
-        </p:cTn>
+        <p:cTn id="1" dur="indefinite" restart="never" nodeType="tmRoot"/>
       </p:par>
     </p:tnLst>
-    <p:bldLst>
-      <p:bldP spid="14" grpId="0" animBg="1"/>
-    </p:bldLst>
   </p:timing>
 </p:sld>
 </file>
@@ -7917,39 +7377,58 @@
             <p:ph type="title"/>
           </p:nvPr>
         </p:nvSpPr>
-        <p:spPr/>
-        <p:txBody>
-          <a:bodyPr/>
-          <a:lstStyle/>
-          <a:p>
-            <a:pPr algn="l"/>
-            <a:r>
-              <a:rPr kumimoji="1" lang="ja-JP" altLang="en-US" dirty="0" smtClean="0"/>
-              <a:t>操作方法</a:t>
-            </a:r>
-            <a:endParaRPr kumimoji="1" lang="ja-JP" altLang="en-US" dirty="0"/>
-          </a:p>
-        </p:txBody>
-      </p:sp>
-      <p:sp>
-        <p:nvSpPr>
-          <p:cNvPr id="3" name="コンテンツ プレースホルダー 2"/>
-          <p:cNvSpPr>
-            <a:spLocks noGrp="1"/>
-          </p:cNvSpPr>
-          <p:nvPr>
-            <p:ph idx="1"/>
-          </p:nvPr>
-        </p:nvSpPr>
         <p:spPr>
           <a:xfrm>
-            <a:off x="540103" y="1691722"/>
-            <a:ext cx="2743805" cy="1855076"/>
+            <a:off x="0" y="0"/>
+            <a:ext cx="1965883" cy="1326321"/>
           </a:xfrm>
         </p:spPr>
         <p:txBody>
+          <a:bodyPr/>
+          <a:lstStyle/>
+          <a:p>
+            <a:pPr algn="l"/>
+            <a:r>
+              <a:rPr kumimoji="1" lang="ja-JP" altLang="en-US" dirty="0" smtClean="0">
+                <a:solidFill>
+                  <a:schemeClr val="accent6">
+                    <a:lumMod val="40000"/>
+                    <a:lumOff val="60000"/>
+                  </a:schemeClr>
+                </a:solidFill>
+              </a:rPr>
+              <a:t>操作方法</a:t>
+            </a:r>
+            <a:endParaRPr kumimoji="1" lang="ja-JP" altLang="en-US" dirty="0">
+              <a:solidFill>
+                <a:schemeClr val="accent6">
+                  <a:lumMod val="40000"/>
+                  <a:lumOff val="60000"/>
+                </a:schemeClr>
+              </a:solidFill>
+            </a:endParaRPr>
+          </a:p>
+        </p:txBody>
+      </p:sp>
+      <p:sp>
+        <p:nvSpPr>
+          <p:cNvPr id="3" name="コンテンツ プレースホルダー 2"/>
+          <p:cNvSpPr>
+            <a:spLocks noGrp="1"/>
+          </p:cNvSpPr>
+          <p:nvPr>
+            <p:ph idx="1"/>
+          </p:nvPr>
+        </p:nvSpPr>
+        <p:spPr>
+          <a:xfrm>
+            <a:off x="389612" y="2064881"/>
+            <a:ext cx="2743805" cy="2670892"/>
+          </a:xfrm>
+        </p:spPr>
+        <p:txBody>
           <a:bodyPr>
-            <a:normAutofit fontScale="92500" lnSpcReduction="10000"/>
+            <a:normAutofit/>
           </a:bodyPr>
           <a:lstStyle/>
           <a:p>
@@ -7965,6 +7444,9 @@
           </a:p>
           <a:p>
             <a:pPr lvl="1">
+              <a:lnSpc>
+                <a:spcPct val="160000"/>
+              </a:lnSpc>
               <a:buFont typeface="Wingdings" panose="05000000000000000000" pitchFamily="2" charset="2"/>
               <a:buChar char="u"/>
             </a:pPr>
@@ -7987,6 +7469,9 @@
           </a:p>
           <a:p>
             <a:pPr lvl="1">
+              <a:lnSpc>
+                <a:spcPct val="160000"/>
+              </a:lnSpc>
               <a:buFont typeface="Wingdings" panose="05000000000000000000" pitchFamily="2" charset="2"/>
               <a:buChar char="u"/>
             </a:pPr>
@@ -8006,6 +7491,9 @@
           </a:p>
           <a:p>
             <a:pPr lvl="1">
+              <a:lnSpc>
+                <a:spcPct val="160000"/>
+              </a:lnSpc>
               <a:buFont typeface="Wingdings" panose="05000000000000000000" pitchFamily="2" charset="2"/>
               <a:buChar char="u"/>
             </a:pPr>
@@ -8024,6 +7512,9 @@
           </a:p>
           <a:p>
             <a:pPr lvl="1">
+              <a:lnSpc>
+                <a:spcPct val="160000"/>
+              </a:lnSpc>
               <a:buFont typeface="Wingdings" panose="05000000000000000000" pitchFamily="2" charset="2"/>
               <a:buChar char="u"/>
             </a:pPr>
@@ -8051,234 +7542,12 @@
               </a:rPr>
               <a:t>Hard</a:t>
             </a:r>
-            <a:endParaRPr kumimoji="1" lang="en-US" altLang="ja-JP" b="1" i="1" dirty="0" smtClean="0">
-              <a:effectLst>
-                <a:outerShdw blurRad="38100" dist="38100" dir="2700000" algn="tl">
-                  <a:srgbClr val="000000">
-                    <a:alpha val="43137"/>
-                  </a:srgbClr>
-                </a:outerShdw>
-              </a:effectLst>
-            </a:endParaRPr>
-          </a:p>
-        </p:txBody>
-      </p:sp>
-      <p:sp>
-        <p:nvSpPr>
-          <p:cNvPr id="4" name="テキスト ボックス 3"/>
-          <p:cNvSpPr txBox="1"/>
-          <p:nvPr/>
-        </p:nvSpPr>
-        <p:spPr>
-          <a:xfrm>
-            <a:off x="3283908" y="1693793"/>
-            <a:ext cx="5002253" cy="1200329"/>
-          </a:xfrm>
-          <a:prstGeom prst="rect">
-            <a:avLst/>
-          </a:prstGeom>
-          <a:noFill/>
-        </p:spPr>
-        <p:txBody>
-          <a:bodyPr wrap="square" rtlCol="0">
-            <a:spAutoFit/>
-          </a:bodyPr>
-          <a:lstStyle/>
-          <a:p>
-            <a:pPr>
-              <a:buFont typeface="Wingdings" panose="05000000000000000000" pitchFamily="2" charset="2"/>
-              <a:buChar char="u"/>
-            </a:pPr>
-            <a:r>
-              <a:rPr lang="ja-JP" altLang="en-US" dirty="0"/>
-              <a:t>ゲーム中</a:t>
-            </a:r>
-            <a:endParaRPr lang="en-US" altLang="ja-JP" dirty="0"/>
-          </a:p>
-          <a:p>
-            <a:pPr lvl="1">
-              <a:buFont typeface="Wingdings" panose="05000000000000000000" pitchFamily="2" charset="2"/>
-              <a:buChar char="u"/>
-            </a:pPr>
-            <a:r>
-              <a:rPr lang="ja-JP" altLang="en-US" dirty="0"/>
-              <a:t>移動　</a:t>
-            </a:r>
-            <a:r>
-              <a:rPr lang="en-US" altLang="ja-JP" b="1" i="1" dirty="0"/>
-              <a:t>WASD</a:t>
-            </a:r>
-          </a:p>
-          <a:p>
-            <a:pPr lvl="1">
-              <a:buFont typeface="Wingdings" panose="05000000000000000000" pitchFamily="2" charset="2"/>
-              <a:buChar char="u"/>
-            </a:pPr>
-            <a:r>
-              <a:rPr lang="ja-JP" altLang="en-US" dirty="0" smtClean="0"/>
-              <a:t>攻撃１</a:t>
-            </a:r>
-            <a:r>
-              <a:rPr lang="ja-JP" altLang="en-US" dirty="0"/>
-              <a:t>　</a:t>
-            </a:r>
-            <a:r>
-              <a:rPr lang="en-US" altLang="ja-JP" b="1" i="1" dirty="0" smtClean="0"/>
-              <a:t>SPACE</a:t>
-            </a:r>
-            <a:r>
-              <a:rPr lang="ja-JP" altLang="en-US" b="1" i="1" dirty="0" smtClean="0"/>
-              <a:t>　</a:t>
-            </a:r>
-            <a:r>
-              <a:rPr lang="ja-JP" altLang="en-US" b="1" i="1" dirty="0" smtClean="0"/>
-              <a:t>（押している間オート</a:t>
-            </a:r>
-            <a:r>
-              <a:rPr lang="ja-JP" altLang="en-US" b="1" i="1" dirty="0" smtClean="0"/>
-              <a:t>）</a:t>
-            </a:r>
-            <a:endParaRPr lang="en-US" altLang="ja-JP" b="1" i="1" dirty="0"/>
-          </a:p>
-          <a:p>
-            <a:pPr lvl="1">
-              <a:buFont typeface="Wingdings" panose="05000000000000000000" pitchFamily="2" charset="2"/>
-              <a:buChar char="u"/>
-            </a:pPr>
-            <a:r>
-              <a:rPr lang="ja-JP" altLang="en-US" dirty="0" smtClean="0"/>
-              <a:t>攻撃２</a:t>
-            </a:r>
-            <a:r>
-              <a:rPr lang="ja-JP" altLang="en-US" b="1" i="1" dirty="0" smtClean="0"/>
-              <a:t>マウス</a:t>
-            </a:r>
-            <a:r>
-              <a:rPr lang="ja-JP" altLang="en-US" b="1" i="1" dirty="0"/>
-              <a:t>（</a:t>
-            </a:r>
-            <a:r>
-              <a:rPr lang="en-US" altLang="ja-JP" b="1" i="1" dirty="0"/>
-              <a:t>L</a:t>
-            </a:r>
-            <a:r>
-              <a:rPr lang="ja-JP" altLang="en-US" b="1" i="1" dirty="0" smtClean="0"/>
-              <a:t>）　（</a:t>
-            </a:r>
-            <a:r>
-              <a:rPr lang="ja-JP" altLang="en-US" b="1" i="1" dirty="0" smtClean="0"/>
-              <a:t>マウスカーソル方向</a:t>
-            </a:r>
-            <a:r>
-              <a:rPr lang="ja-JP" altLang="en-US" b="1" i="1" dirty="0" smtClean="0"/>
-              <a:t>）</a:t>
-            </a:r>
-            <a:endParaRPr lang="en-US" altLang="ja-JP" b="1" i="1" dirty="0"/>
-          </a:p>
-        </p:txBody>
-      </p:sp>
-      <p:sp>
-        <p:nvSpPr>
-          <p:cNvPr id="5" name="テキスト ボックス 4"/>
-          <p:cNvSpPr txBox="1"/>
-          <p:nvPr/>
-        </p:nvSpPr>
-        <p:spPr>
-          <a:xfrm>
-            <a:off x="8187559" y="1695930"/>
-            <a:ext cx="4004441" cy="923330"/>
-          </a:xfrm>
-          <a:prstGeom prst="rect">
-            <a:avLst/>
-          </a:prstGeom>
-          <a:noFill/>
-        </p:spPr>
-        <p:txBody>
-          <a:bodyPr wrap="square" rtlCol="0">
-            <a:spAutoFit/>
-          </a:bodyPr>
-          <a:lstStyle/>
-          <a:p>
-            <a:pPr>
-              <a:buFont typeface="Wingdings" panose="05000000000000000000" pitchFamily="2" charset="2"/>
-              <a:buChar char="u"/>
-            </a:pPr>
-            <a:r>
-              <a:rPr lang="ja-JP" altLang="en-US" dirty="0"/>
-              <a:t>リザルト画面</a:t>
-            </a:r>
-            <a:endParaRPr lang="en-US" altLang="ja-JP" dirty="0"/>
-          </a:p>
-          <a:p>
-            <a:pPr lvl="1">
-              <a:buFont typeface="Wingdings" panose="05000000000000000000" pitchFamily="2" charset="2"/>
-              <a:buChar char="u"/>
-            </a:pPr>
-            <a:r>
-              <a:rPr lang="ja-JP" altLang="en-US" b="1" i="1" dirty="0"/>
-              <a:t>マウス（</a:t>
-            </a:r>
-            <a:r>
-              <a:rPr lang="en-US" altLang="ja-JP" b="1" i="1" dirty="0"/>
-              <a:t>L</a:t>
-            </a:r>
-            <a:r>
-              <a:rPr lang="ja-JP" altLang="en-US" b="1" i="1" dirty="0"/>
-              <a:t>）　ゲーム終了</a:t>
-            </a:r>
-            <a:endParaRPr lang="en-US" altLang="ja-JP" b="1" i="1" dirty="0"/>
-          </a:p>
-          <a:p>
-            <a:pPr>
-              <a:buFont typeface="Wingdings" panose="05000000000000000000" pitchFamily="2" charset="2"/>
-              <a:buChar char="u"/>
-            </a:pPr>
-            <a:endParaRPr lang="en-US" altLang="ja-JP" dirty="0"/>
-          </a:p>
-        </p:txBody>
-      </p:sp>
-      <p:sp>
-        <p:nvSpPr>
-          <p:cNvPr id="7" name="正方形/長方形 6"/>
-          <p:cNvSpPr/>
-          <p:nvPr/>
-        </p:nvSpPr>
-        <p:spPr>
-          <a:xfrm>
-            <a:off x="4983814" y="3171121"/>
-            <a:ext cx="5517931" cy="3534853"/>
-          </a:xfrm>
-          <a:prstGeom prst="rect">
-            <a:avLst/>
-          </a:prstGeom>
-          <a:ln w="38100"/>
-        </p:spPr>
-        <p:style>
-          <a:lnRef idx="2">
-            <a:schemeClr val="dk1"/>
-          </a:lnRef>
-          <a:fillRef idx="1">
-            <a:schemeClr val="lt1"/>
-          </a:fillRef>
-          <a:effectRef idx="0">
-            <a:schemeClr val="dk1"/>
-          </a:effectRef>
-          <a:fontRef idx="minor">
-            <a:schemeClr val="dk1"/>
-          </a:fontRef>
-        </p:style>
-        <p:txBody>
-          <a:bodyPr rtlCol="0" anchor="ctr"/>
-          <a:lstStyle/>
-          <a:p>
-            <a:pPr algn="ctr"/>
-            <a:endParaRPr kumimoji="1" lang="ja-JP" altLang="en-US"/>
           </a:p>
         </p:txBody>
       </p:sp>
       <p:pic>
         <p:nvPicPr>
-          <p:cNvPr id="11" name="図 10"/>
+          <p:cNvPr id="9" name="図 8" descr="画面の領域"/>
           <p:cNvPicPr>
             <a:picLocks noChangeAspect="1"/>
           </p:cNvPicPr>
@@ -8298,104 +7567,70 @@
         </p:blipFill>
         <p:spPr>
           <a:xfrm>
-            <a:off x="5156317" y="3360850"/>
-            <a:ext cx="5172924" cy="2865190"/>
+            <a:off x="3550627" y="1763611"/>
+            <a:ext cx="7753158" cy="4312693"/>
           </a:xfrm>
           <a:prstGeom prst="rect">
             <a:avLst/>
           </a:prstGeom>
         </p:spPr>
       </p:pic>
-      <p:pic>
-        <p:nvPicPr>
-          <p:cNvPr id="8" name="図 7"/>
-          <p:cNvPicPr>
-            <a:picLocks noChangeAspect="1"/>
-          </p:cNvPicPr>
+      <p:sp>
+        <p:nvSpPr>
+          <p:cNvPr id="14" name="タイトル 1"/>
+          <p:cNvSpPr txBox="1">
+            <a:spLocks/>
+          </p:cNvSpPr>
           <p:nvPr/>
-        </p:nvPicPr>
-        <p:blipFill>
-          <a:blip r:embed="rId3" cstate="print">
-            <a:extLst>
-              <a:ext uri="{28A0092B-C50C-407E-A947-70E740481C1C}">
-                <a14:useLocalDpi xmlns:a14="http://schemas.microsoft.com/office/drawing/2010/main" val="0"/>
-              </a:ext>
-            </a:extLst>
-          </a:blip>
-          <a:stretch>
-            <a:fillRect/>
-          </a:stretch>
-        </p:blipFill>
+        </p:nvSpPr>
         <p:spPr>
           <a:xfrm>
-            <a:off x="11576482" y="6242482"/>
-            <a:ext cx="615518" cy="615518"/>
+            <a:off x="1979228" y="471639"/>
+            <a:ext cx="2661313" cy="1326321"/>
           </a:xfrm>
           <a:prstGeom prst="rect">
             <a:avLst/>
           </a:prstGeom>
         </p:spPr>
-      </p:pic>
-      <p:pic>
-        <p:nvPicPr>
-          <p:cNvPr id="10" name="図 9" descr="画面の領域"/>
-          <p:cNvPicPr>
-            <a:picLocks noChangeAspect="1"/>
-          </p:cNvPicPr>
-          <p:nvPr/>
-        </p:nvPicPr>
-        <p:blipFill>
-          <a:blip r:embed="rId4" cstate="print">
-            <a:extLst>
-              <a:ext uri="{28A0092B-C50C-407E-A947-70E740481C1C}">
-                <a14:useLocalDpi xmlns:a14="http://schemas.microsoft.com/office/drawing/2010/main" val="0"/>
-              </a:ext>
-            </a:extLst>
-          </a:blip>
-          <a:stretch>
-            <a:fillRect/>
-          </a:stretch>
-        </p:blipFill>
-        <p:spPr>
-          <a:xfrm>
-            <a:off x="5156317" y="3354726"/>
-            <a:ext cx="5175335" cy="2877438"/>
-          </a:xfrm>
-          <a:prstGeom prst="rect">
-            <a:avLst/>
-          </a:prstGeom>
-        </p:spPr>
-      </p:pic>
-      <p:pic>
-        <p:nvPicPr>
-          <p:cNvPr id="9" name="図 8" descr="画面の領域"/>
-          <p:cNvPicPr>
-            <a:picLocks noChangeAspect="1"/>
-          </p:cNvPicPr>
-          <p:nvPr/>
-        </p:nvPicPr>
-        <p:blipFill>
-          <a:blip r:embed="rId5" cstate="print">
-            <a:extLst>
-              <a:ext uri="{28A0092B-C50C-407E-A947-70E740481C1C}">
-                <a14:useLocalDpi xmlns:a14="http://schemas.microsoft.com/office/drawing/2010/main" val="0"/>
-              </a:ext>
-            </a:extLst>
-          </a:blip>
-          <a:stretch>
-            <a:fillRect/>
-          </a:stretch>
-        </p:blipFill>
-        <p:spPr>
-          <a:xfrm>
-            <a:off x="5156318" y="3365044"/>
-            <a:ext cx="5172923" cy="2877438"/>
-          </a:xfrm>
-          <a:prstGeom prst="rect">
-            <a:avLst/>
-          </a:prstGeom>
-        </p:spPr>
-      </p:pic>
+        <p:txBody>
+          <a:bodyPr vert="horz" lIns="91440" tIns="45720" rIns="91440" bIns="45720" rtlCol="0" anchor="ctr">
+            <a:normAutofit/>
+          </a:bodyPr>
+          <a:lstStyle>
+            <a:lvl1pPr algn="ctr" defTabSz="914400" rtl="0" eaLnBrk="1" latinLnBrk="0" hangingPunct="1">
+              <a:lnSpc>
+                <a:spcPct val="90000"/>
+              </a:lnSpc>
+              <a:spcBef>
+                <a:spcPct val="0"/>
+              </a:spcBef>
+              <a:buNone/>
+              <a:defRPr kumimoji="1" sz="3400" b="1" i="0" kern="1200" cap="all">
+                <a:solidFill>
+                  <a:schemeClr val="tx1"/>
+                </a:solidFill>
+                <a:effectLst>
+                  <a:outerShdw blurRad="50800" dist="63500" dir="2700000" algn="tl" rotWithShape="0">
+                    <a:srgbClr val="000000">
+                      <a:alpha val="48000"/>
+                    </a:srgbClr>
+                  </a:outerShdw>
+                </a:effectLst>
+                <a:latin typeface="+mj-lt"/>
+                <a:ea typeface="+mj-ea"/>
+                <a:cs typeface="+mj-cs"/>
+              </a:defRPr>
+            </a:lvl1pPr>
+          </a:lstStyle>
+          <a:p>
+            <a:r>
+              <a:rPr lang="ja-JP" altLang="en-US" dirty="0" smtClean="0"/>
+              <a:t>タイトル画面</a:t>
+            </a:r>
+            <a:endParaRPr lang="ja-JP" altLang="en-US" dirty="0"/>
+          </a:p>
+        </p:txBody>
+      </p:sp>
     </p:spTree>
     <p:extLst>
       <p:ext uri="{BB962C8B-B14F-4D97-AF65-F5344CB8AC3E}">
@@ -8412,189 +7647,488 @@
   <p:timing>
     <p:tnLst>
       <p:par>
-        <p:cTn id="1" dur="indefinite" restart="never" nodeType="tmRoot">
-          <p:childTnLst>
-            <p:seq concurrent="1" nextAc="seek">
-              <p:cTn id="2" dur="indefinite" nodeType="mainSeq">
-                <p:childTnLst>
-                  <p:par>
-                    <p:cTn id="3" fill="hold">
-                      <p:stCondLst>
-                        <p:cond delay="indefinite"/>
-                      </p:stCondLst>
-                      <p:childTnLst>
-                        <p:par>
-                          <p:cTn id="4" fill="hold">
-                            <p:stCondLst>
-                              <p:cond delay="0"/>
-                            </p:stCondLst>
-                            <p:childTnLst>
-                              <p:par>
-                                <p:cTn id="5" presetID="10" presetClass="exit" presetSubtype="0" fill="hold" nodeType="clickEffect">
-                                  <p:stCondLst>
-                                    <p:cond delay="0"/>
-                                  </p:stCondLst>
-                                  <p:childTnLst>
-                                    <p:animEffect transition="out" filter="fade">
-                                      <p:cBhvr>
-                                        <p:cTn id="6" dur="500"/>
-                                        <p:tgtEl>
-                                          <p:spTgt spid="9"/>
-                                        </p:tgtEl>
-                                      </p:cBhvr>
-                                    </p:animEffect>
-                                    <p:set>
-                                      <p:cBhvr>
-                                        <p:cTn id="7" dur="1" fill="hold">
-                                          <p:stCondLst>
-                                            <p:cond delay="499"/>
-                                          </p:stCondLst>
-                                        </p:cTn>
-                                        <p:tgtEl>
-                                          <p:spTgt spid="9"/>
-                                        </p:tgtEl>
-                                        <p:attrNameLst>
-                                          <p:attrName>style.visibility</p:attrName>
-                                        </p:attrNameLst>
-                                      </p:cBhvr>
-                                      <p:to>
-                                        <p:strVal val="hidden"/>
-                                      </p:to>
-                                    </p:set>
-                                  </p:childTnLst>
-                                </p:cTn>
-                              </p:par>
-                            </p:childTnLst>
-                          </p:cTn>
-                        </p:par>
-                      </p:childTnLst>
-                    </p:cTn>
-                  </p:par>
-                  <p:par>
-                    <p:cTn id="8" fill="hold">
-                      <p:stCondLst>
-                        <p:cond delay="indefinite"/>
-                      </p:stCondLst>
-                      <p:childTnLst>
-                        <p:par>
-                          <p:cTn id="9" fill="hold">
-                            <p:stCondLst>
-                              <p:cond delay="0"/>
-                            </p:stCondLst>
-                            <p:childTnLst>
-                              <p:par>
-                                <p:cTn id="10" presetID="10" presetClass="exit" presetSubtype="0" fill="hold" nodeType="clickEffect">
-                                  <p:stCondLst>
-                                    <p:cond delay="0"/>
-                                  </p:stCondLst>
-                                  <p:childTnLst>
-                                    <p:animEffect transition="out" filter="fade">
-                                      <p:cBhvr>
-                                        <p:cTn id="11" dur="500"/>
-                                        <p:tgtEl>
-                                          <p:spTgt spid="10"/>
-                                        </p:tgtEl>
-                                      </p:cBhvr>
-                                    </p:animEffect>
-                                    <p:set>
-                                      <p:cBhvr>
-                                        <p:cTn id="12" dur="1" fill="hold">
-                                          <p:stCondLst>
-                                            <p:cond delay="499"/>
-                                          </p:stCondLst>
-                                        </p:cTn>
-                                        <p:tgtEl>
-                                          <p:spTgt spid="10"/>
-                                        </p:tgtEl>
-                                        <p:attrNameLst>
-                                          <p:attrName>style.visibility</p:attrName>
-                                        </p:attrNameLst>
-                                      </p:cBhvr>
-                                      <p:to>
-                                        <p:strVal val="hidden"/>
-                                      </p:to>
-                                    </p:set>
-                                  </p:childTnLst>
-                                </p:cTn>
-                              </p:par>
-                            </p:childTnLst>
-                          </p:cTn>
-                        </p:par>
-                      </p:childTnLst>
-                    </p:cTn>
-                  </p:par>
-                  <p:par>
-                    <p:cTn id="13" fill="hold">
-                      <p:stCondLst>
-                        <p:cond delay="indefinite"/>
-                      </p:stCondLst>
-                      <p:childTnLst>
-                        <p:par>
-                          <p:cTn id="14" fill="hold">
-                            <p:stCondLst>
-                              <p:cond delay="0"/>
-                            </p:stCondLst>
-                            <p:childTnLst>
-                              <p:par>
-                                <p:cTn id="15" presetID="10" presetClass="exit" presetSubtype="0" fill="hold" nodeType="clickEffect">
-                                  <p:stCondLst>
-                                    <p:cond delay="0"/>
-                                  </p:stCondLst>
-                                  <p:childTnLst>
-                                    <p:animEffect transition="out" filter="fade">
-                                      <p:cBhvr>
-                                        <p:cTn id="16" dur="500"/>
-                                        <p:tgtEl>
-                                          <p:spTgt spid="8"/>
-                                        </p:tgtEl>
-                                      </p:cBhvr>
-                                    </p:animEffect>
-                                    <p:set>
-                                      <p:cBhvr>
-                                        <p:cTn id="17" dur="1" fill="hold">
-                                          <p:stCondLst>
-                                            <p:cond delay="499"/>
-                                          </p:stCondLst>
-                                        </p:cTn>
-                                        <p:tgtEl>
-                                          <p:spTgt spid="8"/>
-                                        </p:tgtEl>
-                                        <p:attrNameLst>
-                                          <p:attrName>style.visibility</p:attrName>
-                                        </p:attrNameLst>
-                                      </p:cBhvr>
-                                      <p:to>
-                                        <p:strVal val="hidden"/>
-                                      </p:to>
-                                    </p:set>
-                                  </p:childTnLst>
-                                </p:cTn>
-                              </p:par>
-                            </p:childTnLst>
-                          </p:cTn>
-                        </p:par>
-                      </p:childTnLst>
-                    </p:cTn>
-                  </p:par>
-                </p:childTnLst>
-              </p:cTn>
-              <p:prevCondLst>
-                <p:cond evt="onPrev" delay="0">
-                  <p:tgtEl>
-                    <p:sldTgt/>
-                  </p:tgtEl>
-                </p:cond>
-              </p:prevCondLst>
-              <p:nextCondLst>
-                <p:cond evt="onNext" delay="0">
-                  <p:tgtEl>
-                    <p:sldTgt/>
-                  </p:tgtEl>
-                </p:cond>
-              </p:nextCondLst>
-            </p:seq>
-          </p:childTnLst>
-        </p:cTn>
+        <p:cTn id="1" dur="indefinite" restart="never" nodeType="tmRoot"/>
+      </p:par>
+    </p:tnLst>
+  </p:timing>
+</p:sld>
+</file>
+
+<file path=ppt/slides/slide6.xml><?xml version="1.0" encoding="utf-8"?>
+<p:sld xmlns:a="http://schemas.openxmlformats.org/drawingml/2006/main" xmlns:r="http://schemas.openxmlformats.org/officeDocument/2006/relationships" xmlns:p="http://schemas.openxmlformats.org/presentationml/2006/main">
+  <p:cSld>
+    <p:spTree>
+      <p:nvGrpSpPr>
+        <p:cNvPr id="1" name=""/>
+        <p:cNvGrpSpPr/>
+        <p:nvPr/>
+      </p:nvGrpSpPr>
+      <p:grpSpPr>
+        <a:xfrm>
+          <a:off x="0" y="0"/>
+          <a:ext cx="0" cy="0"/>
+          <a:chOff x="0" y="0"/>
+          <a:chExt cx="0" cy="0"/>
+        </a:xfrm>
+      </p:grpSpPr>
+      <p:pic>
+        <p:nvPicPr>
+          <p:cNvPr id="4" name="図 3" descr="画面の領域"/>
+          <p:cNvPicPr>
+            <a:picLocks noChangeAspect="1"/>
+          </p:cNvPicPr>
+          <p:nvPr/>
+        </p:nvPicPr>
+        <p:blipFill>
+          <a:blip r:embed="rId2" cstate="print">
+            <a:extLst>
+              <a:ext uri="{28A0092B-C50C-407E-A947-70E740481C1C}">
+                <a14:useLocalDpi xmlns:a14="http://schemas.microsoft.com/office/drawing/2010/main" val="0"/>
+              </a:ext>
+            </a:extLst>
+          </a:blip>
+          <a:stretch>
+            <a:fillRect/>
+          </a:stretch>
+        </p:blipFill>
+        <p:spPr>
+          <a:xfrm>
+            <a:off x="5174471" y="2109368"/>
+            <a:ext cx="6476438" cy="3636340"/>
+          </a:xfrm>
+          <a:prstGeom prst="rect">
+            <a:avLst/>
+          </a:prstGeom>
+        </p:spPr>
+      </p:pic>
+      <p:sp>
+        <p:nvSpPr>
+          <p:cNvPr id="5" name="テキスト ボックス 4"/>
+          <p:cNvSpPr txBox="1"/>
+          <p:nvPr/>
+        </p:nvSpPr>
+        <p:spPr>
+          <a:xfrm>
+            <a:off x="349639" y="1821970"/>
+            <a:ext cx="5002253" cy="2031325"/>
+          </a:xfrm>
+          <a:prstGeom prst="rect">
+            <a:avLst/>
+          </a:prstGeom>
+          <a:noFill/>
+        </p:spPr>
+        <p:txBody>
+          <a:bodyPr wrap="square" rtlCol="0">
+            <a:spAutoFit/>
+          </a:bodyPr>
+          <a:lstStyle/>
+          <a:p>
+            <a:pPr>
+              <a:buFont typeface="Wingdings" panose="05000000000000000000" pitchFamily="2" charset="2"/>
+              <a:buChar char="u"/>
+            </a:pPr>
+            <a:r>
+              <a:rPr lang="ja-JP" altLang="en-US" dirty="0"/>
+              <a:t>ゲーム中</a:t>
+            </a:r>
+            <a:endParaRPr lang="en-US" altLang="ja-JP" dirty="0"/>
+          </a:p>
+          <a:p>
+            <a:pPr lvl="1">
+              <a:lnSpc>
+                <a:spcPct val="200000"/>
+              </a:lnSpc>
+              <a:buFont typeface="Wingdings" panose="05000000000000000000" pitchFamily="2" charset="2"/>
+              <a:buChar char="u"/>
+            </a:pPr>
+            <a:r>
+              <a:rPr lang="ja-JP" altLang="en-US" dirty="0"/>
+              <a:t>移動　</a:t>
+            </a:r>
+            <a:r>
+              <a:rPr lang="en-US" altLang="ja-JP" b="1" i="1" dirty="0"/>
+              <a:t>WASD</a:t>
+            </a:r>
+          </a:p>
+          <a:p>
+            <a:pPr lvl="1">
+              <a:lnSpc>
+                <a:spcPct val="200000"/>
+              </a:lnSpc>
+              <a:buFont typeface="Wingdings" panose="05000000000000000000" pitchFamily="2" charset="2"/>
+              <a:buChar char="u"/>
+            </a:pPr>
+            <a:r>
+              <a:rPr lang="ja-JP" altLang="en-US" dirty="0" smtClean="0"/>
+              <a:t>攻撃１</a:t>
+            </a:r>
+            <a:r>
+              <a:rPr lang="ja-JP" altLang="en-US" dirty="0"/>
+              <a:t>　</a:t>
+            </a:r>
+            <a:r>
+              <a:rPr lang="en-US" altLang="ja-JP" b="1" i="1" dirty="0" smtClean="0"/>
+              <a:t>SPACE</a:t>
+            </a:r>
+            <a:r>
+              <a:rPr lang="ja-JP" altLang="en-US" b="1" i="1" dirty="0" smtClean="0"/>
+              <a:t>　（押している間オート）</a:t>
+            </a:r>
+            <a:endParaRPr lang="en-US" altLang="ja-JP" b="1" i="1" dirty="0"/>
+          </a:p>
+          <a:p>
+            <a:pPr lvl="1">
+              <a:lnSpc>
+                <a:spcPct val="200000"/>
+              </a:lnSpc>
+              <a:buFont typeface="Wingdings" panose="05000000000000000000" pitchFamily="2" charset="2"/>
+              <a:buChar char="u"/>
+            </a:pPr>
+            <a:r>
+              <a:rPr lang="ja-JP" altLang="en-US" dirty="0" smtClean="0"/>
+              <a:t>攻撃２</a:t>
+            </a:r>
+            <a:r>
+              <a:rPr lang="ja-JP" altLang="en-US" b="1" i="1" dirty="0" smtClean="0"/>
+              <a:t>マウス</a:t>
+            </a:r>
+            <a:r>
+              <a:rPr lang="ja-JP" altLang="en-US" b="1" i="1" dirty="0"/>
+              <a:t>（</a:t>
+            </a:r>
+            <a:r>
+              <a:rPr lang="en-US" altLang="ja-JP" b="1" i="1" dirty="0"/>
+              <a:t>L</a:t>
+            </a:r>
+            <a:r>
+              <a:rPr lang="ja-JP" altLang="en-US" b="1" i="1" dirty="0" smtClean="0"/>
+              <a:t>）　（マウスカーソル方向）</a:t>
+            </a:r>
+            <a:endParaRPr lang="en-US" altLang="ja-JP" b="1" i="1" dirty="0"/>
+          </a:p>
+        </p:txBody>
+      </p:sp>
+      <p:sp>
+        <p:nvSpPr>
+          <p:cNvPr id="6" name="タイトル 1"/>
+          <p:cNvSpPr>
+            <a:spLocks noGrp="1"/>
+          </p:cNvSpPr>
+          <p:nvPr>
+            <p:ph type="title"/>
+          </p:nvPr>
+        </p:nvSpPr>
+        <p:spPr>
+          <a:xfrm>
+            <a:off x="1806711" y="418531"/>
+            <a:ext cx="2661313" cy="1326321"/>
+          </a:xfrm>
+        </p:spPr>
+        <p:txBody>
+          <a:bodyPr/>
+          <a:lstStyle/>
+          <a:p>
+            <a:r>
+              <a:rPr kumimoji="1" lang="ja-JP" altLang="en-US" dirty="0" smtClean="0"/>
+              <a:t>ゲーム画面</a:t>
+            </a:r>
+            <a:endParaRPr kumimoji="1" lang="ja-JP" altLang="en-US" dirty="0"/>
+          </a:p>
+        </p:txBody>
+      </p:sp>
+    </p:spTree>
+    <p:extLst>
+      <p:ext uri="{BB962C8B-B14F-4D97-AF65-F5344CB8AC3E}">
+        <p14:creationId xmlns:p14="http://schemas.microsoft.com/office/powerpoint/2010/main" val="1330973260"/>
+      </p:ext>
+    </p:extLst>
+  </p:cSld>
+  <p:clrMapOvr>
+    <a:masterClrMapping/>
+  </p:clrMapOvr>
+  <p:transition spd="slow">
+    <p:wipe/>
+  </p:transition>
+  <p:timing>
+    <p:tnLst>
+      <p:par>
+        <p:cTn id="1" dur="indefinite" restart="never" nodeType="tmRoot"/>
+      </p:par>
+    </p:tnLst>
+  </p:timing>
+</p:sld>
+</file>
+
+<file path=ppt/slides/slide7.xml><?xml version="1.0" encoding="utf-8"?>
+<p:sld xmlns:a="http://schemas.openxmlformats.org/drawingml/2006/main" xmlns:r="http://schemas.openxmlformats.org/officeDocument/2006/relationships" xmlns:p="http://schemas.openxmlformats.org/presentationml/2006/main">
+  <p:cSld>
+    <p:spTree>
+      <p:nvGrpSpPr>
+        <p:cNvPr id="1" name=""/>
+        <p:cNvGrpSpPr/>
+        <p:nvPr/>
+      </p:nvGrpSpPr>
+      <p:grpSpPr>
+        <a:xfrm>
+          <a:off x="0" y="0"/>
+          <a:ext cx="0" cy="0"/>
+          <a:chOff x="0" y="0"/>
+          <a:chExt cx="0" cy="0"/>
+        </a:xfrm>
+      </p:grpSpPr>
+      <p:sp>
+        <p:nvSpPr>
+          <p:cNvPr id="2" name="タイトル 1"/>
+          <p:cNvSpPr>
+            <a:spLocks noGrp="1"/>
+          </p:cNvSpPr>
+          <p:nvPr>
+            <p:ph type="title"/>
+          </p:nvPr>
+        </p:nvSpPr>
+        <p:spPr>
+          <a:xfrm>
+            <a:off x="1953355" y="445826"/>
+            <a:ext cx="2661313" cy="1326321"/>
+          </a:xfrm>
+        </p:spPr>
+        <p:txBody>
+          <a:bodyPr/>
+          <a:lstStyle/>
+          <a:p>
+            <a:r>
+              <a:rPr kumimoji="1" lang="ja-JP" altLang="en-US" dirty="0" smtClean="0"/>
+              <a:t>リザルト画面</a:t>
+            </a:r>
+            <a:endParaRPr kumimoji="1" lang="ja-JP" altLang="en-US" dirty="0"/>
+          </a:p>
+        </p:txBody>
+      </p:sp>
+      <p:pic>
+        <p:nvPicPr>
+          <p:cNvPr id="4" name="図 3"/>
+          <p:cNvPicPr>
+            <a:picLocks noChangeAspect="1"/>
+          </p:cNvPicPr>
+          <p:nvPr/>
+        </p:nvPicPr>
+        <p:blipFill>
+          <a:blip r:embed="rId2" cstate="print">
+            <a:extLst>
+              <a:ext uri="{28A0092B-C50C-407E-A947-70E740481C1C}">
+                <a14:useLocalDpi xmlns:a14="http://schemas.microsoft.com/office/drawing/2010/main" val="0"/>
+              </a:ext>
+            </a:extLst>
+          </a:blip>
+          <a:stretch>
+            <a:fillRect/>
+          </a:stretch>
+        </p:blipFill>
+        <p:spPr>
+          <a:xfrm>
+            <a:off x="4614668" y="2138153"/>
+            <a:ext cx="6710335" cy="3716735"/>
+          </a:xfrm>
+          <a:prstGeom prst="rect">
+            <a:avLst/>
+          </a:prstGeom>
+        </p:spPr>
+      </p:pic>
+      <p:sp>
+        <p:nvSpPr>
+          <p:cNvPr id="5" name="テキスト ボックス 4"/>
+          <p:cNvSpPr txBox="1"/>
+          <p:nvPr/>
+        </p:nvSpPr>
+        <p:spPr>
+          <a:xfrm>
+            <a:off x="189972" y="1891609"/>
+            <a:ext cx="3317503" cy="923330"/>
+          </a:xfrm>
+          <a:prstGeom prst="rect">
+            <a:avLst/>
+          </a:prstGeom>
+          <a:noFill/>
+        </p:spPr>
+        <p:txBody>
+          <a:bodyPr wrap="square" rtlCol="0">
+            <a:spAutoFit/>
+          </a:bodyPr>
+          <a:lstStyle/>
+          <a:p>
+            <a:pPr>
+              <a:buFont typeface="Wingdings" panose="05000000000000000000" pitchFamily="2" charset="2"/>
+              <a:buChar char="u"/>
+            </a:pPr>
+            <a:r>
+              <a:rPr lang="ja-JP" altLang="en-US" dirty="0"/>
+              <a:t>リザルト画面</a:t>
+            </a:r>
+            <a:endParaRPr lang="en-US" altLang="ja-JP" dirty="0"/>
+          </a:p>
+          <a:p>
+            <a:pPr lvl="1">
+              <a:buFont typeface="Wingdings" panose="05000000000000000000" pitchFamily="2" charset="2"/>
+              <a:buChar char="u"/>
+            </a:pPr>
+            <a:r>
+              <a:rPr lang="ja-JP" altLang="en-US" b="1" i="1" dirty="0"/>
+              <a:t>マウス（</a:t>
+            </a:r>
+            <a:r>
+              <a:rPr lang="en-US" altLang="ja-JP" b="1" i="1" dirty="0"/>
+              <a:t>L</a:t>
+            </a:r>
+            <a:r>
+              <a:rPr lang="ja-JP" altLang="en-US" b="1" i="1" dirty="0"/>
+              <a:t>）　ゲーム終了</a:t>
+            </a:r>
+            <a:endParaRPr lang="en-US" altLang="ja-JP" b="1" i="1" dirty="0"/>
+          </a:p>
+          <a:p>
+            <a:pPr>
+              <a:buFont typeface="Wingdings" panose="05000000000000000000" pitchFamily="2" charset="2"/>
+              <a:buChar char="u"/>
+            </a:pPr>
+            <a:endParaRPr lang="en-US" altLang="ja-JP" dirty="0"/>
+          </a:p>
+        </p:txBody>
+      </p:sp>
+    </p:spTree>
+    <p:extLst>
+      <p:ext uri="{BB962C8B-B14F-4D97-AF65-F5344CB8AC3E}">
+        <p14:creationId xmlns:p14="http://schemas.microsoft.com/office/powerpoint/2010/main" val="3495266059"/>
+      </p:ext>
+    </p:extLst>
+  </p:cSld>
+  <p:clrMapOvr>
+    <a:masterClrMapping/>
+  </p:clrMapOvr>
+  <p:transition spd="slow">
+    <p:wipe/>
+  </p:transition>
+  <p:timing>
+    <p:tnLst>
+      <p:par>
+        <p:cTn id="1" dur="indefinite" restart="never" nodeType="tmRoot"/>
+      </p:par>
+    </p:tnLst>
+  </p:timing>
+</p:sld>
+</file>
+
+<file path=ppt/slides/slide8.xml><?xml version="1.0" encoding="utf-8"?>
+<p:sld xmlns:a="http://schemas.openxmlformats.org/drawingml/2006/main" xmlns:r="http://schemas.openxmlformats.org/officeDocument/2006/relationships" xmlns:p="http://schemas.openxmlformats.org/presentationml/2006/main">
+  <p:cSld>
+    <p:spTree>
+      <p:nvGrpSpPr>
+        <p:cNvPr id="1" name=""/>
+        <p:cNvGrpSpPr/>
+        <p:nvPr/>
+      </p:nvGrpSpPr>
+      <p:grpSpPr>
+        <a:xfrm>
+          <a:off x="0" y="0"/>
+          <a:ext cx="0" cy="0"/>
+          <a:chOff x="0" y="0"/>
+          <a:chExt cx="0" cy="0"/>
+        </a:xfrm>
+      </p:grpSpPr>
+      <p:sp>
+        <p:nvSpPr>
+          <p:cNvPr id="2" name="正方形/長方形 1"/>
+          <p:cNvSpPr/>
+          <p:nvPr/>
+        </p:nvSpPr>
+        <p:spPr>
+          <a:xfrm>
+            <a:off x="2528596" y="559836"/>
+            <a:ext cx="9551437" cy="6195527"/>
+          </a:xfrm>
+          <a:prstGeom prst="rect">
+            <a:avLst/>
+          </a:prstGeom>
+          <a:solidFill>
+            <a:schemeClr val="bg1"/>
+          </a:solidFill>
+          <a:ln>
+            <a:solidFill>
+              <a:schemeClr val="tx1"/>
+            </a:solidFill>
+          </a:ln>
+        </p:spPr>
+        <p:style>
+          <a:lnRef idx="2">
+            <a:schemeClr val="accent1">
+              <a:shade val="50000"/>
+            </a:schemeClr>
+          </a:lnRef>
+          <a:fillRef idx="1">
+            <a:schemeClr val="accent1"/>
+          </a:fillRef>
+          <a:effectRef idx="0">
+            <a:schemeClr val="accent1"/>
+          </a:effectRef>
+          <a:fontRef idx="minor">
+            <a:schemeClr val="lt1"/>
+          </a:fontRef>
+        </p:style>
+        <p:txBody>
+          <a:bodyPr rtlCol="0" anchor="ctr"/>
+          <a:lstStyle/>
+          <a:p>
+            <a:pPr algn="ctr"/>
+            <a:endParaRPr kumimoji="1" lang="ja-JP" altLang="en-US"/>
+          </a:p>
+        </p:txBody>
+      </p:sp>
+      <p:sp>
+        <p:nvSpPr>
+          <p:cNvPr id="3" name="テキスト ボックス 2"/>
+          <p:cNvSpPr txBox="1"/>
+          <p:nvPr/>
+        </p:nvSpPr>
+        <p:spPr>
+          <a:xfrm>
+            <a:off x="10830647" y="6193880"/>
+            <a:ext cx="1129002" cy="369332"/>
+          </a:xfrm>
+          <a:prstGeom prst="rect">
+            <a:avLst/>
+          </a:prstGeom>
+          <a:noFill/>
+        </p:spPr>
+        <p:txBody>
+          <a:bodyPr wrap="square" rtlCol="0">
+            <a:spAutoFit/>
+          </a:bodyPr>
+          <a:lstStyle/>
+          <a:p>
+            <a:r>
+              <a:rPr kumimoji="1" lang="ja-JP" altLang="en-US" dirty="0" smtClean="0"/>
+              <a:t>動画場所</a:t>
+            </a:r>
+            <a:endParaRPr kumimoji="1" lang="ja-JP" altLang="en-US" dirty="0"/>
+          </a:p>
+        </p:txBody>
+      </p:sp>
+    </p:spTree>
+    <p:extLst>
+      <p:ext uri="{BB962C8B-B14F-4D97-AF65-F5344CB8AC3E}">
+        <p14:creationId xmlns:p14="http://schemas.microsoft.com/office/powerpoint/2010/main" val="532258277"/>
+      </p:ext>
+    </p:extLst>
+  </p:cSld>
+  <p:clrMapOvr>
+    <a:masterClrMapping/>
+  </p:clrMapOvr>
+  <p:transition spd="slow">
+    <p:wipe/>
+  </p:transition>
+  <p:timing>
+    <p:tnLst>
+      <p:par>
+        <p:cTn id="1" dur="indefinite" restart="never" nodeType="tmRoot"/>
       </p:par>
     </p:tnLst>
   </p:timing>
